--- a/Lecture slides/NYT C03 - Qualitative Surveys.pptx
+++ b/Lecture slides/NYT C03 - Qualitative Surveys.pptx
@@ -10172,7 +10172,7 @@
             </a:pPr>
             <a:r>
               <a:rPr lang="en"/>
-              <a:t>Example of a Hypothesis-Testing Survey [1]</a:t>
+              <a:t>Example Hypothesis-Testing Survey [1]</a:t>
             </a:r>
             <a:endParaRPr/>
           </a:p>
@@ -10608,7 +10608,7 @@
             <a:tbl>
               <a:tblPr>
                 <a:noFill/>
-                <a:tableStyleId>{C4CA5B04-2BB5-4789-9BAA-94203746F1AD}</a:tableStyleId>
+                <a:tableStyleId>{76C0D67B-39C2-4360-A60F-3FD4491F70BC}</a:tableStyleId>
               </a:tblPr>
               <a:tblGrid>
                 <a:gridCol w="2148825"/>
@@ -10632,14 +10632,14 @@
                         <a:buNone/>
                       </a:pPr>
                       <a:r>
-                        <a:rPr b="1" lang="en" sz="1800">
+                        <a:rPr b="1" lang="en">
                           <a:solidFill>
                             <a:schemeClr val="lt1"/>
                           </a:solidFill>
                         </a:rPr>
                         <a:t>Steps</a:t>
                       </a:r>
-                      <a:endParaRPr b="1" sz="1800">
+                      <a:endParaRPr b="1">
                         <a:solidFill>
                           <a:schemeClr val="lt1"/>
                         </a:solidFill>
@@ -10703,14 +10703,14 @@
                         <a:buNone/>
                       </a:pPr>
                       <a:r>
-                        <a:rPr b="1" lang="en" sz="1800">
+                        <a:rPr b="1" lang="en">
                           <a:solidFill>
                             <a:schemeClr val="lt1"/>
                           </a:solidFill>
                         </a:rPr>
                         <a:t>Qualitative Survey</a:t>
                       </a:r>
-                      <a:endParaRPr b="1" sz="1800">
+                      <a:endParaRPr b="1">
                         <a:solidFill>
                           <a:schemeClr val="lt1"/>
                         </a:solidFill>
@@ -10774,7 +10774,7 @@
                         <a:buNone/>
                       </a:pPr>
                       <a:r>
-                        <a:rPr b="1" lang="en" sz="1800">
+                        <a:rPr b="1" lang="en">
                           <a:solidFill>
                             <a:schemeClr val="lt1"/>
                           </a:solidFill>
@@ -10782,14 +10782,14 @@
                         <a:t>Descriptive S</a:t>
                       </a:r>
                       <a:r>
-                        <a:rPr b="1" lang="en" sz="1800">
+                        <a:rPr b="1" lang="en">
                           <a:solidFill>
                             <a:schemeClr val="lt1"/>
                           </a:solidFill>
                         </a:rPr>
                         <a:t>urvey</a:t>
                       </a:r>
-                      <a:endParaRPr b="1" sz="1800">
+                      <a:endParaRPr b="1">
                         <a:solidFill>
                           <a:schemeClr val="lt1"/>
                         </a:solidFill>
@@ -12219,7 +12219,7 @@
             </a:pPr>
             <a:r>
               <a:rPr lang="en"/>
-              <a:t>Example Qualitative vs. Hypothesis-Testing Survey Comparison</a:t>
+              <a:t>Qualitative vs. Quantitative Survey Using Examples</a:t>
             </a:r>
             <a:endParaRPr/>
           </a:p>
@@ -12240,7 +12240,7 @@
             <a:tbl>
               <a:tblPr>
                 <a:noFill/>
-                <a:tableStyleId>{C4CA5B04-2BB5-4789-9BAA-94203746F1AD}</a:tableStyleId>
+                <a:tableStyleId>{76C0D67B-39C2-4360-A60F-3FD4491F70BC}</a:tableStyleId>
               </a:tblPr>
               <a:tblGrid>
                 <a:gridCol w="2865100"/>
@@ -13854,7 +13854,7 @@
         </p:blipFill>
         <p:spPr>
           <a:xfrm>
-            <a:off x="6126480" y="914400"/>
+            <a:off x="6126425" y="914400"/>
             <a:ext cx="2743200" cy="3773640"/>
           </a:xfrm>
           <a:prstGeom prst="rect">
@@ -14182,7 +14182,7 @@
             </a:pPr>
             <a:r>
               <a:rPr lang="en"/>
-              <a:t>Example QS EVR Sampling Model with Sample</a:t>
+              <a:t>Example Sampling Model with Samples</a:t>
             </a:r>
             <a:endParaRPr/>
           </a:p>
@@ -14838,7 +14838,7 @@
             </a:pPr>
             <a:r>
               <a:rPr lang="en"/>
-              <a:t>Example Microservice Integration Sampling Model</a:t>
+              <a:t>Example Sampling Model</a:t>
             </a:r>
             <a:endParaRPr/>
           </a:p>
@@ -14878,7 +14878,7 @@
             </a:pPr>
             <a:r>
               <a:rPr lang="en"/>
-              <a:t>Interview study of domain experts on best practices of microservice integration </a:t>
+              <a:t>Interview study on best practices of microservice integration </a:t>
             </a:r>
             <a:endParaRPr/>
           </a:p>
@@ -17777,9 +17777,55 @@
           </a:p>
         </p:txBody>
       </p:sp>
+      <p:sp>
+        <p:nvSpPr>
+          <p:cNvPr id="249" name="Google Shape;249;p38"/>
+          <p:cNvSpPr txBox="1"/>
+          <p:nvPr/>
+        </p:nvSpPr>
+        <p:spPr>
+          <a:xfrm>
+            <a:off x="0" y="4233672"/>
+            <a:ext cx="7315200" cy="914400"/>
+          </a:xfrm>
+          <a:prstGeom prst="rect">
+            <a:avLst/>
+          </a:prstGeom>
+          <a:noFill/>
+          <a:ln>
+            <a:noFill/>
+          </a:ln>
+        </p:spPr>
+        <p:txBody>
+          <a:bodyPr anchorCtr="0" anchor="b" bIns="91425" lIns="91425" spcFirstLastPara="1" rIns="91425" wrap="square" tIns="91425">
+            <a:noAutofit/>
+          </a:bodyPr>
+          <a:lstStyle/>
+          <a:p>
+            <a:pPr indent="0" lvl="0" marL="0" rtl="0" algn="l">
+              <a:spcBef>
+                <a:spcPts val="0"/>
+              </a:spcBef>
+              <a:spcAft>
+                <a:spcPts val="0"/>
+              </a:spcAft>
+              <a:buNone/>
+            </a:pPr>
+            <a:r>
+              <a:rPr lang="en"/>
+              <a:t>[1] For example, </a:t>
+            </a:r>
+            <a:r>
+              <a:rPr lang="en"/>
+              <a:t>DiCicco‐Bloom &amp; Crabtree (2006): The qualitative research interview. </a:t>
+            </a:r>
+            <a:endParaRPr/>
+          </a:p>
+        </p:txBody>
+      </p:sp>
       <p:pic>
         <p:nvPicPr>
-          <p:cNvPr id="249" name="Google Shape;249;p38"/>
+          <p:cNvPr id="250" name="Google Shape;250;p38"/>
           <p:cNvPicPr preferRelativeResize="0"/>
           <p:nvPr/>
         </p:nvPicPr>
@@ -17793,7 +17839,7 @@
         </p:blipFill>
         <p:spPr>
           <a:xfrm>
-            <a:off x="6126480" y="914400"/>
+            <a:off x="6126425" y="914400"/>
             <a:ext cx="2743200" cy="3773640"/>
           </a:xfrm>
           <a:prstGeom prst="rect">
@@ -17805,52 +17851,6 @@
           </a:ln>
         </p:spPr>
       </p:pic>
-      <p:sp>
-        <p:nvSpPr>
-          <p:cNvPr id="250" name="Google Shape;250;p38"/>
-          <p:cNvSpPr txBox="1"/>
-          <p:nvPr/>
-        </p:nvSpPr>
-        <p:spPr>
-          <a:xfrm>
-            <a:off x="0" y="4233672"/>
-            <a:ext cx="7315200" cy="914400"/>
-          </a:xfrm>
-          <a:prstGeom prst="rect">
-            <a:avLst/>
-          </a:prstGeom>
-          <a:noFill/>
-          <a:ln>
-            <a:noFill/>
-          </a:ln>
-        </p:spPr>
-        <p:txBody>
-          <a:bodyPr anchorCtr="0" anchor="b" bIns="91425" lIns="91425" spcFirstLastPara="1" rIns="91425" wrap="square" tIns="91425">
-            <a:noAutofit/>
-          </a:bodyPr>
-          <a:lstStyle/>
-          <a:p>
-            <a:pPr indent="0" lvl="0" marL="0" rtl="0" algn="l">
-              <a:spcBef>
-                <a:spcPts val="0"/>
-              </a:spcBef>
-              <a:spcAft>
-                <a:spcPts val="0"/>
-              </a:spcAft>
-              <a:buNone/>
-            </a:pPr>
-            <a:r>
-              <a:rPr lang="en"/>
-              <a:t>[1] For example, </a:t>
-            </a:r>
-            <a:r>
-              <a:rPr lang="en"/>
-              <a:t>DiCicco‐Bloom &amp; Crabtree (2006): The qualitative research interview. </a:t>
-            </a:r>
-            <a:endParaRPr/>
-          </a:p>
-        </p:txBody>
-      </p:sp>
     </p:spTree>
   </p:cSld>
   <p:clrMapOvr>
@@ -18628,7 +18628,7 @@
             </a:pPr>
             <a:r>
               <a:rPr lang="en"/>
-              <a:t>Example QS EVR Interview Protocol</a:t>
+              <a:t>Example Interview Protocol</a:t>
             </a:r>
             <a:endParaRPr/>
           </a:p>
@@ -20354,7 +20354,7 @@
         </p:blipFill>
         <p:spPr>
           <a:xfrm>
-            <a:off x="6126480" y="914400"/>
+            <a:off x="6126425" y="914400"/>
             <a:ext cx="2743200" cy="3773640"/>
           </a:xfrm>
           <a:prstGeom prst="rect">
@@ -21139,7 +21139,7 @@
             <a:tbl>
               <a:tblPr>
                 <a:noFill/>
-                <a:tableStyleId>{C4CA5B04-2BB5-4789-9BAA-94203746F1AD}</a:tableStyleId>
+                <a:tableStyleId>{76C0D67B-39C2-4360-A60F-3FD4491F70BC}</a:tableStyleId>
               </a:tblPr>
               <a:tblGrid>
                 <a:gridCol w="2865125"/>
@@ -22279,7 +22279,7 @@
             </a:pPr>
             <a:r>
               <a:rPr lang="en"/>
-              <a:t>Example QS EVR Saturation Criterion</a:t>
+              <a:t>Example Demonstration of Saturation</a:t>
             </a:r>
             <a:endParaRPr/>
           </a:p>
@@ -22734,7 +22734,7 @@
             </a:pPr>
             <a:r>
               <a:rPr lang="en"/>
-              <a:t>Examples QS EVR Quality Assurance</a:t>
+              <a:t>Example Quality Assurance</a:t>
             </a:r>
             <a:endParaRPr/>
           </a:p>
@@ -23988,7 +23988,7 @@
         </p:blipFill>
         <p:spPr>
           <a:xfrm>
-            <a:off x="6126480" y="914400"/>
+            <a:off x="6126425" y="914400"/>
             <a:ext cx="2743200" cy="3773640"/>
           </a:xfrm>
           <a:prstGeom prst="rect">
@@ -24059,7 +24059,7 @@
             </a:pPr>
             <a:r>
               <a:rPr lang="en"/>
-              <a:t>Example QS Episodic Volunteer Retention (EVR) RQ [1]</a:t>
+              <a:t>Example Research Question</a:t>
             </a:r>
             <a:endParaRPr/>
           </a:p>
@@ -24172,7 +24172,7 @@
             </a:pPr>
             <a:r>
               <a:rPr lang="en"/>
-              <a:t>How do open source projects retain episodic volunteers?</a:t>
+              <a:t>How do open source projects retain episodic volunteers? [1]</a:t>
             </a:r>
             <a:endParaRPr/>
           </a:p>
@@ -24762,6 +24762,285 @@
 </file>
 
 <file path=ppt/theme/theme1.xml><?xml version="1.0" encoding="utf-8"?>
+<a:theme xmlns:a="http://schemas.openxmlformats.org/drawingml/2006/main" xmlns:r="http://schemas.openxmlformats.org/officeDocument/2006/relationships">
+  <a:themeElements>
+    <a:clrScheme name="Default">
+      <a:dk1>
+        <a:srgbClr val="000000"/>
+      </a:dk1>
+      <a:lt1>
+        <a:srgbClr val="FFFFFF"/>
+      </a:lt1>
+      <a:dk2>
+        <a:srgbClr val="158158"/>
+      </a:dk2>
+      <a:lt2>
+        <a:srgbClr val="F3F3F3"/>
+      </a:lt2>
+      <a:accent1>
+        <a:srgbClr val="058DC7"/>
+      </a:accent1>
+      <a:accent2>
+        <a:srgbClr val="50B432"/>
+      </a:accent2>
+      <a:accent3>
+        <a:srgbClr val="ED561B"/>
+      </a:accent3>
+      <a:accent4>
+        <a:srgbClr val="EDEF00"/>
+      </a:accent4>
+      <a:accent5>
+        <a:srgbClr val="24CBE5"/>
+      </a:accent5>
+      <a:accent6>
+        <a:srgbClr val="64E572"/>
+      </a:accent6>
+      <a:hlink>
+        <a:srgbClr val="2200CC"/>
+      </a:hlink>
+      <a:folHlink>
+        <a:srgbClr val="551A8B"/>
+      </a:folHlink>
+    </a:clrScheme>
+    <a:fontScheme name="Office">
+      <a:majorFont>
+        <a:latin typeface="Arial"/>
+        <a:ea typeface=""/>
+        <a:cs typeface=""/>
+        <a:font script="Jpan" typeface="ＭＳ Ｐゴシック"/>
+        <a:font script="Hang" typeface="맑은 고딕"/>
+        <a:font script="Hans" typeface="宋体"/>
+        <a:font script="Hant" typeface="新細明體"/>
+        <a:font script="Arab" typeface="Times New Roman"/>
+        <a:font script="Hebr" typeface="Times New Roman"/>
+        <a:font script="Thai" typeface="Angsana New"/>
+        <a:font script="Ethi" typeface="Nyala"/>
+        <a:font script="Beng" typeface="Vrinda"/>
+        <a:font script="Gujr" typeface="Shruti"/>
+        <a:font script="Khmr" typeface="MoolBoran"/>
+        <a:font script="Knda" typeface="Tunga"/>
+        <a:font script="Guru" typeface="Raavi"/>
+        <a:font script="Cans" typeface="Euphemia"/>
+        <a:font script="Cher" typeface="Plantagenet Cherokee"/>
+        <a:font script="Yiii" typeface="Microsoft Yi Baiti"/>
+        <a:font script="Tibt" typeface="Microsoft Himalaya"/>
+        <a:font script="Thaa" typeface="MV Boli"/>
+        <a:font script="Deva" typeface="Mangal"/>
+        <a:font script="Telu" typeface="Gautami"/>
+        <a:font script="Taml" typeface="Latha"/>
+        <a:font script="Syrc" typeface="Estrangelo Edessa"/>
+        <a:font script="Orya" typeface="Kalinga"/>
+        <a:font script="Mlym" typeface="Kartika"/>
+        <a:font script="Laoo" typeface="DokChampa"/>
+        <a:font script="Sinh" typeface="Iskoola Pota"/>
+        <a:font script="Mong" typeface="Mongolian Baiti"/>
+        <a:font script="Viet" typeface="Times New Roman"/>
+        <a:font script="Uigh" typeface="Microsoft Uighur"/>
+        <a:font script="Geor" typeface="Sylfaen"/>
+      </a:majorFont>
+      <a:minorFont>
+        <a:latin typeface="Arial"/>
+        <a:ea typeface=""/>
+        <a:cs typeface=""/>
+        <a:font script="Jpan" typeface="ＭＳ Ｐゴシック"/>
+        <a:font script="Hang" typeface="맑은 고딕"/>
+        <a:font script="Hans" typeface="宋体"/>
+        <a:font script="Hant" typeface="新細明體"/>
+        <a:font script="Arab" typeface="Arial"/>
+        <a:font script="Hebr" typeface="Arial"/>
+        <a:font script="Thai" typeface="Cordia New"/>
+        <a:font script="Ethi" typeface="Nyala"/>
+        <a:font script="Beng" typeface="Vrinda"/>
+        <a:font script="Gujr" typeface="Shruti"/>
+        <a:font script="Khmr" typeface="DaunPenh"/>
+        <a:font script="Knda" typeface="Tunga"/>
+        <a:font script="Guru" typeface="Raavi"/>
+        <a:font script="Cans" typeface="Euphemia"/>
+        <a:font script="Cher" typeface="Plantagenet Cherokee"/>
+        <a:font script="Yiii" typeface="Microsoft Yi Baiti"/>
+        <a:font script="Tibt" typeface="Microsoft Himalaya"/>
+        <a:font script="Thaa" typeface="MV Boli"/>
+        <a:font script="Deva" typeface="Mangal"/>
+        <a:font script="Telu" typeface="Gautami"/>
+        <a:font script="Taml" typeface="Latha"/>
+        <a:font script="Syrc" typeface="Estrangelo Edessa"/>
+        <a:font script="Orya" typeface="Kalinga"/>
+        <a:font script="Mlym" typeface="Kartika"/>
+        <a:font script="Laoo" typeface="DokChampa"/>
+        <a:font script="Sinh" typeface="Iskoola Pota"/>
+        <a:font script="Mong" typeface="Mongolian Baiti"/>
+        <a:font script="Viet" typeface="Arial"/>
+        <a:font script="Uigh" typeface="Microsoft Uighur"/>
+        <a:font script="Geor" typeface="Sylfaen"/>
+      </a:minorFont>
+    </a:fontScheme>
+    <a:fmtScheme name="Office">
+      <a:fillStyleLst>
+        <a:solidFill>
+          <a:schemeClr val="phClr"/>
+        </a:solidFill>
+        <a:gradFill rotWithShape="1">
+          <a:gsLst>
+            <a:gs pos="0">
+              <a:schemeClr val="phClr">
+                <a:tint val="50000"/>
+                <a:satMod val="300000"/>
+              </a:schemeClr>
+            </a:gs>
+            <a:gs pos="35000">
+              <a:schemeClr val="phClr">
+                <a:tint val="37000"/>
+                <a:satMod val="300000"/>
+              </a:schemeClr>
+            </a:gs>
+            <a:gs pos="100000">
+              <a:schemeClr val="phClr">
+                <a:tint val="15000"/>
+                <a:satMod val="350000"/>
+              </a:schemeClr>
+            </a:gs>
+          </a:gsLst>
+          <a:lin ang="16200000" scaled="1"/>
+        </a:gradFill>
+        <a:gradFill rotWithShape="1">
+          <a:gsLst>
+            <a:gs pos="0">
+              <a:schemeClr val="phClr">
+                <a:tint val="100000"/>
+                <a:shade val="100000"/>
+                <a:satMod val="130000"/>
+              </a:schemeClr>
+            </a:gs>
+            <a:gs pos="100000">
+              <a:schemeClr val="phClr">
+                <a:tint val="50000"/>
+                <a:shade val="100000"/>
+                <a:satMod val="350000"/>
+              </a:schemeClr>
+            </a:gs>
+          </a:gsLst>
+          <a:lin ang="16200000" scaled="0"/>
+        </a:gradFill>
+      </a:fillStyleLst>
+      <a:lnStyleLst>
+        <a:ln w="9525" cap="flat" cmpd="sng" algn="ctr">
+          <a:solidFill>
+            <a:schemeClr val="phClr">
+              <a:shade val="95000"/>
+              <a:satMod val="105000"/>
+            </a:schemeClr>
+          </a:solidFill>
+          <a:prstDash val="solid"/>
+        </a:ln>
+        <a:ln w="25400" cap="flat" cmpd="sng" algn="ctr">
+          <a:solidFill>
+            <a:schemeClr val="phClr"/>
+          </a:solidFill>
+          <a:prstDash val="solid"/>
+        </a:ln>
+        <a:ln w="38100" cap="flat" cmpd="sng" algn="ctr">
+          <a:solidFill>
+            <a:schemeClr val="phClr"/>
+          </a:solidFill>
+          <a:prstDash val="solid"/>
+        </a:ln>
+      </a:lnStyleLst>
+      <a:effectStyleLst>
+        <a:effectStyle>
+          <a:effectLst>
+            <a:outerShdw blurRad="40000" dist="20000" dir="5400000" rotWithShape="0">
+              <a:srgbClr val="000000">
+                <a:alpha val="38000"/>
+              </a:srgbClr>
+            </a:outerShdw>
+          </a:effectLst>
+        </a:effectStyle>
+        <a:effectStyle>
+          <a:effectLst>
+            <a:outerShdw blurRad="40000" dist="23000" dir="5400000" rotWithShape="0">
+              <a:srgbClr val="000000">
+                <a:alpha val="35000"/>
+              </a:srgbClr>
+            </a:outerShdw>
+          </a:effectLst>
+        </a:effectStyle>
+        <a:effectStyle>
+          <a:effectLst>
+            <a:outerShdw blurRad="40000" dist="23000" dir="5400000" rotWithShape="0">
+              <a:srgbClr val="000000">
+                <a:alpha val="35000"/>
+              </a:srgbClr>
+            </a:outerShdw>
+          </a:effectLst>
+          <a:scene3d>
+            <a:camera prst="orthographicFront">
+              <a:rot lat="0" lon="0" rev="0"/>
+            </a:camera>
+            <a:lightRig rig="threePt" dir="t">
+              <a:rot lat="0" lon="0" rev="1200000"/>
+            </a:lightRig>
+          </a:scene3d>
+          <a:sp3d>
+            <a:bevelT w="63500" h="25400"/>
+          </a:sp3d>
+        </a:effectStyle>
+      </a:effectStyleLst>
+      <a:bgFillStyleLst>
+        <a:solidFill>
+          <a:schemeClr val="phClr"/>
+        </a:solidFill>
+        <a:gradFill rotWithShape="1">
+          <a:gsLst>
+            <a:gs pos="0">
+              <a:schemeClr val="phClr">
+                <a:tint val="40000"/>
+                <a:satMod val="350000"/>
+              </a:schemeClr>
+            </a:gs>
+            <a:gs pos="40000">
+              <a:schemeClr val="phClr">
+                <a:tint val="45000"/>
+                <a:shade val="99000"/>
+                <a:satMod val="350000"/>
+              </a:schemeClr>
+            </a:gs>
+            <a:gs pos="100000">
+              <a:schemeClr val="phClr">
+                <a:shade val="20000"/>
+                <a:satMod val="255000"/>
+              </a:schemeClr>
+            </a:gs>
+          </a:gsLst>
+          <a:path path="circle">
+            <a:fillToRect l="50000" t="-80000" r="50000" b="180000"/>
+          </a:path>
+        </a:gradFill>
+        <a:gradFill rotWithShape="1">
+          <a:gsLst>
+            <a:gs pos="0">
+              <a:schemeClr val="phClr">
+                <a:tint val="80000"/>
+                <a:satMod val="300000"/>
+              </a:schemeClr>
+            </a:gs>
+            <a:gs pos="100000">
+              <a:schemeClr val="phClr">
+                <a:shade val="30000"/>
+                <a:satMod val="200000"/>
+              </a:schemeClr>
+            </a:gs>
+          </a:gsLst>
+          <a:path path="circle">
+            <a:fillToRect l="50000" t="50000" r="50000" b="50000"/>
+          </a:path>
+        </a:gradFill>
+      </a:bgFillStyleLst>
+    </a:fmtScheme>
+  </a:themeElements>
+</a:theme>
+</file>
+
+<file path=ppt/theme/theme2.xml><?xml version="1.0" encoding="utf-8"?>
 <a:theme xmlns:a="http://schemas.openxmlformats.org/drawingml/2006/main" xmlns:r="http://schemas.openxmlformats.org/officeDocument/2006/relationships" name="NYT Slides Template">
   <a:themeElements>
     <a:clrScheme name="Simple Light">
@@ -25038,283 +25317,4 @@
     </a:fmtScheme>
   </a:themeElements>
 </a:theme>
-</file>
-
-<file path=ppt/theme/theme2.xml><?xml version="1.0" encoding="utf-8"?>
-<a:theme xmlns:a="http://schemas.openxmlformats.org/drawingml/2006/main" xmlns:r="http://schemas.openxmlformats.org/officeDocument/2006/relationships">
-  <a:themeElements>
-    <a:clrScheme name="Default">
-      <a:dk1>
-        <a:srgbClr val="000000"/>
-      </a:dk1>
-      <a:lt1>
-        <a:srgbClr val="FFFFFF"/>
-      </a:lt1>
-      <a:dk2>
-        <a:srgbClr val="158158"/>
-      </a:dk2>
-      <a:lt2>
-        <a:srgbClr val="F3F3F3"/>
-      </a:lt2>
-      <a:accent1>
-        <a:srgbClr val="058DC7"/>
-      </a:accent1>
-      <a:accent2>
-        <a:srgbClr val="50B432"/>
-      </a:accent2>
-      <a:accent3>
-        <a:srgbClr val="ED561B"/>
-      </a:accent3>
-      <a:accent4>
-        <a:srgbClr val="EDEF00"/>
-      </a:accent4>
-      <a:accent5>
-        <a:srgbClr val="24CBE5"/>
-      </a:accent5>
-      <a:accent6>
-        <a:srgbClr val="64E572"/>
-      </a:accent6>
-      <a:hlink>
-        <a:srgbClr val="2200CC"/>
-      </a:hlink>
-      <a:folHlink>
-        <a:srgbClr val="551A8B"/>
-      </a:folHlink>
-    </a:clrScheme>
-    <a:fontScheme name="Office">
-      <a:majorFont>
-        <a:latin typeface="Arial"/>
-        <a:ea typeface=""/>
-        <a:cs typeface=""/>
-        <a:font script="Jpan" typeface="ＭＳ Ｐゴシック"/>
-        <a:font script="Hang" typeface="맑은 고딕"/>
-        <a:font script="Hans" typeface="宋体"/>
-        <a:font script="Hant" typeface="新細明體"/>
-        <a:font script="Arab" typeface="Times New Roman"/>
-        <a:font script="Hebr" typeface="Times New Roman"/>
-        <a:font script="Thai" typeface="Angsana New"/>
-        <a:font script="Ethi" typeface="Nyala"/>
-        <a:font script="Beng" typeface="Vrinda"/>
-        <a:font script="Gujr" typeface="Shruti"/>
-        <a:font script="Khmr" typeface="MoolBoran"/>
-        <a:font script="Knda" typeface="Tunga"/>
-        <a:font script="Guru" typeface="Raavi"/>
-        <a:font script="Cans" typeface="Euphemia"/>
-        <a:font script="Cher" typeface="Plantagenet Cherokee"/>
-        <a:font script="Yiii" typeface="Microsoft Yi Baiti"/>
-        <a:font script="Tibt" typeface="Microsoft Himalaya"/>
-        <a:font script="Thaa" typeface="MV Boli"/>
-        <a:font script="Deva" typeface="Mangal"/>
-        <a:font script="Telu" typeface="Gautami"/>
-        <a:font script="Taml" typeface="Latha"/>
-        <a:font script="Syrc" typeface="Estrangelo Edessa"/>
-        <a:font script="Orya" typeface="Kalinga"/>
-        <a:font script="Mlym" typeface="Kartika"/>
-        <a:font script="Laoo" typeface="DokChampa"/>
-        <a:font script="Sinh" typeface="Iskoola Pota"/>
-        <a:font script="Mong" typeface="Mongolian Baiti"/>
-        <a:font script="Viet" typeface="Times New Roman"/>
-        <a:font script="Uigh" typeface="Microsoft Uighur"/>
-        <a:font script="Geor" typeface="Sylfaen"/>
-      </a:majorFont>
-      <a:minorFont>
-        <a:latin typeface="Arial"/>
-        <a:ea typeface=""/>
-        <a:cs typeface=""/>
-        <a:font script="Jpan" typeface="ＭＳ Ｐゴシック"/>
-        <a:font script="Hang" typeface="맑은 고딕"/>
-        <a:font script="Hans" typeface="宋体"/>
-        <a:font script="Hant" typeface="新細明體"/>
-        <a:font script="Arab" typeface="Arial"/>
-        <a:font script="Hebr" typeface="Arial"/>
-        <a:font script="Thai" typeface="Cordia New"/>
-        <a:font script="Ethi" typeface="Nyala"/>
-        <a:font script="Beng" typeface="Vrinda"/>
-        <a:font script="Gujr" typeface="Shruti"/>
-        <a:font script="Khmr" typeface="DaunPenh"/>
-        <a:font script="Knda" typeface="Tunga"/>
-        <a:font script="Guru" typeface="Raavi"/>
-        <a:font script="Cans" typeface="Euphemia"/>
-        <a:font script="Cher" typeface="Plantagenet Cherokee"/>
-        <a:font script="Yiii" typeface="Microsoft Yi Baiti"/>
-        <a:font script="Tibt" typeface="Microsoft Himalaya"/>
-        <a:font script="Thaa" typeface="MV Boli"/>
-        <a:font script="Deva" typeface="Mangal"/>
-        <a:font script="Telu" typeface="Gautami"/>
-        <a:font script="Taml" typeface="Latha"/>
-        <a:font script="Syrc" typeface="Estrangelo Edessa"/>
-        <a:font script="Orya" typeface="Kalinga"/>
-        <a:font script="Mlym" typeface="Kartika"/>
-        <a:font script="Laoo" typeface="DokChampa"/>
-        <a:font script="Sinh" typeface="Iskoola Pota"/>
-        <a:font script="Mong" typeface="Mongolian Baiti"/>
-        <a:font script="Viet" typeface="Arial"/>
-        <a:font script="Uigh" typeface="Microsoft Uighur"/>
-        <a:font script="Geor" typeface="Sylfaen"/>
-      </a:minorFont>
-    </a:fontScheme>
-    <a:fmtScheme name="Office">
-      <a:fillStyleLst>
-        <a:solidFill>
-          <a:schemeClr val="phClr"/>
-        </a:solidFill>
-        <a:gradFill rotWithShape="1">
-          <a:gsLst>
-            <a:gs pos="0">
-              <a:schemeClr val="phClr">
-                <a:tint val="50000"/>
-                <a:satMod val="300000"/>
-              </a:schemeClr>
-            </a:gs>
-            <a:gs pos="35000">
-              <a:schemeClr val="phClr">
-                <a:tint val="37000"/>
-                <a:satMod val="300000"/>
-              </a:schemeClr>
-            </a:gs>
-            <a:gs pos="100000">
-              <a:schemeClr val="phClr">
-                <a:tint val="15000"/>
-                <a:satMod val="350000"/>
-              </a:schemeClr>
-            </a:gs>
-          </a:gsLst>
-          <a:lin ang="16200000" scaled="1"/>
-        </a:gradFill>
-        <a:gradFill rotWithShape="1">
-          <a:gsLst>
-            <a:gs pos="0">
-              <a:schemeClr val="phClr">
-                <a:tint val="100000"/>
-                <a:shade val="100000"/>
-                <a:satMod val="130000"/>
-              </a:schemeClr>
-            </a:gs>
-            <a:gs pos="100000">
-              <a:schemeClr val="phClr">
-                <a:tint val="50000"/>
-                <a:shade val="100000"/>
-                <a:satMod val="350000"/>
-              </a:schemeClr>
-            </a:gs>
-          </a:gsLst>
-          <a:lin ang="16200000" scaled="0"/>
-        </a:gradFill>
-      </a:fillStyleLst>
-      <a:lnStyleLst>
-        <a:ln w="9525" cap="flat" cmpd="sng" algn="ctr">
-          <a:solidFill>
-            <a:schemeClr val="phClr">
-              <a:shade val="95000"/>
-              <a:satMod val="105000"/>
-            </a:schemeClr>
-          </a:solidFill>
-          <a:prstDash val="solid"/>
-        </a:ln>
-        <a:ln w="25400" cap="flat" cmpd="sng" algn="ctr">
-          <a:solidFill>
-            <a:schemeClr val="phClr"/>
-          </a:solidFill>
-          <a:prstDash val="solid"/>
-        </a:ln>
-        <a:ln w="38100" cap="flat" cmpd="sng" algn="ctr">
-          <a:solidFill>
-            <a:schemeClr val="phClr"/>
-          </a:solidFill>
-          <a:prstDash val="solid"/>
-        </a:ln>
-      </a:lnStyleLst>
-      <a:effectStyleLst>
-        <a:effectStyle>
-          <a:effectLst>
-            <a:outerShdw blurRad="40000" dist="20000" dir="5400000" rotWithShape="0">
-              <a:srgbClr val="000000">
-                <a:alpha val="38000"/>
-              </a:srgbClr>
-            </a:outerShdw>
-          </a:effectLst>
-        </a:effectStyle>
-        <a:effectStyle>
-          <a:effectLst>
-            <a:outerShdw blurRad="40000" dist="23000" dir="5400000" rotWithShape="0">
-              <a:srgbClr val="000000">
-                <a:alpha val="35000"/>
-              </a:srgbClr>
-            </a:outerShdw>
-          </a:effectLst>
-        </a:effectStyle>
-        <a:effectStyle>
-          <a:effectLst>
-            <a:outerShdw blurRad="40000" dist="23000" dir="5400000" rotWithShape="0">
-              <a:srgbClr val="000000">
-                <a:alpha val="35000"/>
-              </a:srgbClr>
-            </a:outerShdw>
-          </a:effectLst>
-          <a:scene3d>
-            <a:camera prst="orthographicFront">
-              <a:rot lat="0" lon="0" rev="0"/>
-            </a:camera>
-            <a:lightRig rig="threePt" dir="t">
-              <a:rot lat="0" lon="0" rev="1200000"/>
-            </a:lightRig>
-          </a:scene3d>
-          <a:sp3d>
-            <a:bevelT w="63500" h="25400"/>
-          </a:sp3d>
-        </a:effectStyle>
-      </a:effectStyleLst>
-      <a:bgFillStyleLst>
-        <a:solidFill>
-          <a:schemeClr val="phClr"/>
-        </a:solidFill>
-        <a:gradFill rotWithShape="1">
-          <a:gsLst>
-            <a:gs pos="0">
-              <a:schemeClr val="phClr">
-                <a:tint val="40000"/>
-                <a:satMod val="350000"/>
-              </a:schemeClr>
-            </a:gs>
-            <a:gs pos="40000">
-              <a:schemeClr val="phClr">
-                <a:tint val="45000"/>
-                <a:shade val="99000"/>
-                <a:satMod val="350000"/>
-              </a:schemeClr>
-            </a:gs>
-            <a:gs pos="100000">
-              <a:schemeClr val="phClr">
-                <a:shade val="20000"/>
-                <a:satMod val="255000"/>
-              </a:schemeClr>
-            </a:gs>
-          </a:gsLst>
-          <a:path path="circle">
-            <a:fillToRect l="50000" t="-80000" r="50000" b="180000"/>
-          </a:path>
-        </a:gradFill>
-        <a:gradFill rotWithShape="1">
-          <a:gsLst>
-            <a:gs pos="0">
-              <a:schemeClr val="phClr">
-                <a:tint val="80000"/>
-                <a:satMod val="300000"/>
-              </a:schemeClr>
-            </a:gs>
-            <a:gs pos="100000">
-              <a:schemeClr val="phClr">
-                <a:shade val="30000"/>
-                <a:satMod val="200000"/>
-              </a:schemeClr>
-            </a:gs>
-          </a:gsLst>
-          <a:path path="circle">
-            <a:fillToRect l="50000" t="50000" r="50000" b="50000"/>
-          </a:path>
-        </a:gradFill>
-      </a:bgFillStyleLst>
-    </a:fmtScheme>
-  </a:themeElements>
-</a:theme>
 </file>
--- a/Lecture slides/NYT C03 - Qualitative Surveys.pptx
+++ b/Lecture slides/NYT C03 - Qualitative Surveys.pptx
@@ -739,7 +739,7 @@
   <p:cSld>
     <p:spTree>
       <p:nvGrpSpPr>
-        <p:cNvPr id="32" name="Shape 32"/>
+        <p:cNvPr id="33" name="Shape 33"/>
         <p:cNvGrpSpPr/>
         <p:nvPr/>
       </p:nvGrpSpPr>
@@ -753,7 +753,7 @@
       </p:grpSpPr>
       <p:sp>
         <p:nvSpPr>
-          <p:cNvPr id="33" name="Google Shape;33;g2c2d77bb35d_0_96:notes"/>
+          <p:cNvPr id="34" name="Google Shape;34;g2c2d77bb35d_0_96:notes"/>
           <p:cNvSpPr/>
           <p:nvPr>
             <p:ph idx="2" type="sldImg"/>
@@ -788,7 +788,7 @@
       </p:sp>
       <p:sp>
         <p:nvSpPr>
-          <p:cNvPr id="34" name="Google Shape;34;g2c2d77bb35d_0_96:notes"/>
+          <p:cNvPr id="35" name="Google Shape;35;g2c2d77bb35d_0_96:notes"/>
           <p:cNvSpPr txBox="1"/>
           <p:nvPr>
             <p:ph idx="1" type="body"/>
@@ -838,7 +838,7 @@
   <p:cSld>
     <p:spTree>
       <p:nvGrpSpPr>
-        <p:cNvPr id="93" name="Shape 93"/>
+        <p:cNvPr id="94" name="Shape 94"/>
         <p:cNvGrpSpPr/>
         <p:nvPr/>
       </p:nvGrpSpPr>
@@ -852,7 +852,7 @@
       </p:grpSpPr>
       <p:sp>
         <p:nvSpPr>
-          <p:cNvPr id="94" name="Google Shape;94;g12f2b49de6e_0_50:notes"/>
+          <p:cNvPr id="95" name="Google Shape;95;g12f2b49de6e_0_50:notes"/>
           <p:cNvSpPr/>
           <p:nvPr>
             <p:ph idx="2" type="sldImg"/>
@@ -887,7 +887,7 @@
       </p:sp>
       <p:sp>
         <p:nvSpPr>
-          <p:cNvPr id="95" name="Google Shape;95;g12f2b49de6e_0_50:notes"/>
+          <p:cNvPr id="96" name="Google Shape;96;g12f2b49de6e_0_50:notes"/>
           <p:cNvSpPr txBox="1"/>
           <p:nvPr>
             <p:ph idx="1" type="body"/>
@@ -937,7 +937,7 @@
   <p:cSld>
     <p:spTree>
       <p:nvGrpSpPr>
-        <p:cNvPr id="100" name="Shape 100"/>
+        <p:cNvPr id="101" name="Shape 101"/>
         <p:cNvGrpSpPr/>
         <p:nvPr/>
       </p:nvGrpSpPr>
@@ -951,7 +951,7 @@
       </p:grpSpPr>
       <p:sp>
         <p:nvSpPr>
-          <p:cNvPr id="101" name="Google Shape;101;g12f2b49de6e_0_56:notes"/>
+          <p:cNvPr id="102" name="Google Shape;102;g12f2b49de6e_0_56:notes"/>
           <p:cNvSpPr/>
           <p:nvPr>
             <p:ph idx="2" type="sldImg"/>
@@ -986,7 +986,7 @@
       </p:sp>
       <p:sp>
         <p:nvSpPr>
-          <p:cNvPr id="102" name="Google Shape;102;g12f2b49de6e_0_56:notes"/>
+          <p:cNvPr id="103" name="Google Shape;103;g12f2b49de6e_0_56:notes"/>
           <p:cNvSpPr txBox="1"/>
           <p:nvPr>
             <p:ph idx="1" type="body"/>
@@ -1043,7 +1043,7 @@
   <p:cSld>
     <p:spTree>
       <p:nvGrpSpPr>
-        <p:cNvPr id="108" name="Shape 108"/>
+        <p:cNvPr id="109" name="Shape 109"/>
         <p:cNvGrpSpPr/>
         <p:nvPr/>
       </p:nvGrpSpPr>
@@ -1057,7 +1057,7 @@
       </p:grpSpPr>
       <p:sp>
         <p:nvSpPr>
-          <p:cNvPr id="109" name="Google Shape;109;g2171faa0bd6_0_7:notes"/>
+          <p:cNvPr id="110" name="Google Shape;110;g2171faa0bd6_0_7:notes"/>
           <p:cNvSpPr/>
           <p:nvPr>
             <p:ph idx="2" type="sldImg"/>
@@ -1092,7 +1092,7 @@
       </p:sp>
       <p:sp>
         <p:nvSpPr>
-          <p:cNvPr id="110" name="Google Shape;110;g2171faa0bd6_0_7:notes"/>
+          <p:cNvPr id="111" name="Google Shape;111;g2171faa0bd6_0_7:notes"/>
           <p:cNvSpPr txBox="1"/>
           <p:nvPr>
             <p:ph idx="1" type="body"/>
@@ -1142,7 +1142,7 @@
   <p:cSld>
     <p:spTree>
       <p:nvGrpSpPr>
-        <p:cNvPr id="115" name="Shape 115"/>
+        <p:cNvPr id="116" name="Shape 116"/>
         <p:cNvGrpSpPr/>
         <p:nvPr/>
       </p:nvGrpSpPr>
@@ -1156,7 +1156,7 @@
       </p:grpSpPr>
       <p:sp>
         <p:nvSpPr>
-          <p:cNvPr id="116" name="Google Shape;116;g2171faa0bd6_0_22:notes"/>
+          <p:cNvPr id="117" name="Google Shape;117;g2171faa0bd6_0_22:notes"/>
           <p:cNvSpPr/>
           <p:nvPr>
             <p:ph idx="2" type="sldImg"/>
@@ -1191,7 +1191,7 @@
       </p:sp>
       <p:sp>
         <p:nvSpPr>
-          <p:cNvPr id="117" name="Google Shape;117;g2171faa0bd6_0_22:notes"/>
+          <p:cNvPr id="118" name="Google Shape;118;g2171faa0bd6_0_22:notes"/>
           <p:cNvSpPr txBox="1"/>
           <p:nvPr>
             <p:ph idx="1" type="body"/>
@@ -1241,7 +1241,7 @@
   <p:cSld>
     <p:spTree>
       <p:nvGrpSpPr>
-        <p:cNvPr id="123" name="Shape 123"/>
+        <p:cNvPr id="124" name="Shape 124"/>
         <p:cNvGrpSpPr/>
         <p:nvPr/>
       </p:nvGrpSpPr>
@@ -1255,7 +1255,7 @@
       </p:grpSpPr>
       <p:sp>
         <p:nvSpPr>
-          <p:cNvPr id="124" name="Google Shape;124;g1216d967f34_0_6:notes"/>
+          <p:cNvPr id="125" name="Google Shape;125;g1216d967f34_0_6:notes"/>
           <p:cNvSpPr/>
           <p:nvPr>
             <p:ph idx="2" type="sldImg"/>
@@ -1290,7 +1290,7 @@
       </p:sp>
       <p:sp>
         <p:nvSpPr>
-          <p:cNvPr id="125" name="Google Shape;125;g1216d967f34_0_6:notes"/>
+          <p:cNvPr id="126" name="Google Shape;126;g1216d967f34_0_6:notes"/>
           <p:cNvSpPr txBox="1"/>
           <p:nvPr>
             <p:ph idx="1" type="body"/>
@@ -1340,7 +1340,7 @@
   <p:cSld>
     <p:spTree>
       <p:nvGrpSpPr>
-        <p:cNvPr id="130" name="Shape 130"/>
+        <p:cNvPr id="131" name="Shape 131"/>
         <p:cNvGrpSpPr/>
         <p:nvPr/>
       </p:nvGrpSpPr>
@@ -1354,7 +1354,7 @@
       </p:grpSpPr>
       <p:sp>
         <p:nvSpPr>
-          <p:cNvPr id="131" name="Google Shape;131;g2171faa0bd6_0_28:notes"/>
+          <p:cNvPr id="132" name="Google Shape;132;g2171faa0bd6_0_28:notes"/>
           <p:cNvSpPr/>
           <p:nvPr>
             <p:ph idx="2" type="sldImg"/>
@@ -1389,7 +1389,7 @@
       </p:sp>
       <p:sp>
         <p:nvSpPr>
-          <p:cNvPr id="132" name="Google Shape;132;g2171faa0bd6_0_28:notes"/>
+          <p:cNvPr id="133" name="Google Shape;133;g2171faa0bd6_0_28:notes"/>
           <p:cNvSpPr txBox="1"/>
           <p:nvPr>
             <p:ph idx="1" type="body"/>
@@ -1439,7 +1439,7 @@
   <p:cSld>
     <p:spTree>
       <p:nvGrpSpPr>
-        <p:cNvPr id="137" name="Shape 137"/>
+        <p:cNvPr id="138" name="Shape 138"/>
         <p:cNvGrpSpPr/>
         <p:nvPr/>
       </p:nvGrpSpPr>
@@ -1453,7 +1453,7 @@
       </p:grpSpPr>
       <p:sp>
         <p:nvSpPr>
-          <p:cNvPr id="138" name="Google Shape;138;g1216d967f34_0_68:notes"/>
+          <p:cNvPr id="139" name="Google Shape;139;g1216d967f34_0_68:notes"/>
           <p:cNvSpPr/>
           <p:nvPr>
             <p:ph idx="2" type="sldImg"/>
@@ -1488,7 +1488,7 @@
       </p:sp>
       <p:sp>
         <p:nvSpPr>
-          <p:cNvPr id="139" name="Google Shape;139;g1216d967f34_0_68:notes"/>
+          <p:cNvPr id="140" name="Google Shape;140;g1216d967f34_0_68:notes"/>
           <p:cNvSpPr txBox="1"/>
           <p:nvPr>
             <p:ph idx="1" type="body"/>
@@ -1538,7 +1538,7 @@
   <p:cSld>
     <p:spTree>
       <p:nvGrpSpPr>
-        <p:cNvPr id="142" name="Shape 142"/>
+        <p:cNvPr id="143" name="Shape 143"/>
         <p:cNvGrpSpPr/>
         <p:nvPr/>
       </p:nvGrpSpPr>
@@ -1552,7 +1552,7 @@
       </p:grpSpPr>
       <p:sp>
         <p:nvSpPr>
-          <p:cNvPr id="143" name="Google Shape;143;g2141864eafd_0_4:notes"/>
+          <p:cNvPr id="144" name="Google Shape;144;g2141864eafd_0_4:notes"/>
           <p:cNvSpPr/>
           <p:nvPr>
             <p:ph idx="2" type="sldImg"/>
@@ -1587,7 +1587,7 @@
       </p:sp>
       <p:sp>
         <p:nvSpPr>
-          <p:cNvPr id="144" name="Google Shape;144;g2141864eafd_0_4:notes"/>
+          <p:cNvPr id="145" name="Google Shape;145;g2141864eafd_0_4:notes"/>
           <p:cNvSpPr txBox="1"/>
           <p:nvPr>
             <p:ph idx="1" type="body"/>
@@ -1637,7 +1637,7 @@
   <p:cSld>
     <p:spTree>
       <p:nvGrpSpPr>
-        <p:cNvPr id="150" name="Shape 150"/>
+        <p:cNvPr id="151" name="Shape 151"/>
         <p:cNvGrpSpPr/>
         <p:nvPr/>
       </p:nvGrpSpPr>
@@ -1651,7 +1651,7 @@
       </p:grpSpPr>
       <p:sp>
         <p:nvSpPr>
-          <p:cNvPr id="151" name="Google Shape;151;g2141864eafd_0_10:notes"/>
+          <p:cNvPr id="152" name="Google Shape;152;g2141864eafd_0_10:notes"/>
           <p:cNvSpPr/>
           <p:nvPr>
             <p:ph idx="2" type="sldImg"/>
@@ -1686,7 +1686,7 @@
       </p:sp>
       <p:sp>
         <p:nvSpPr>
-          <p:cNvPr id="152" name="Google Shape;152;g2141864eafd_0_10:notes"/>
+          <p:cNvPr id="153" name="Google Shape;153;g2141864eafd_0_10:notes"/>
           <p:cNvSpPr txBox="1"/>
           <p:nvPr>
             <p:ph idx="1" type="body"/>
@@ -1736,7 +1736,7 @@
   <p:cSld>
     <p:spTree>
       <p:nvGrpSpPr>
-        <p:cNvPr id="157" name="Shape 157"/>
+        <p:cNvPr id="158" name="Shape 158"/>
         <p:cNvGrpSpPr/>
         <p:nvPr/>
       </p:nvGrpSpPr>
@@ -1750,7 +1750,7 @@
       </p:grpSpPr>
       <p:sp>
         <p:nvSpPr>
-          <p:cNvPr id="158" name="Google Shape;158;g2171faa0bd6_0_34:notes"/>
+          <p:cNvPr id="159" name="Google Shape;159;g2171faa0bd6_0_34:notes"/>
           <p:cNvSpPr/>
           <p:nvPr>
             <p:ph idx="2" type="sldImg"/>
@@ -1785,7 +1785,7 @@
       </p:sp>
       <p:sp>
         <p:nvSpPr>
-          <p:cNvPr id="159" name="Google Shape;159;g2171faa0bd6_0_34:notes"/>
+          <p:cNvPr id="160" name="Google Shape;160;g2171faa0bd6_0_34:notes"/>
           <p:cNvSpPr txBox="1"/>
           <p:nvPr>
             <p:ph idx="1" type="body"/>
@@ -1835,7 +1835,7 @@
   <p:cSld>
     <p:spTree>
       <p:nvGrpSpPr>
-        <p:cNvPr id="38" name="Shape 38"/>
+        <p:cNvPr id="39" name="Shape 39"/>
         <p:cNvGrpSpPr/>
         <p:nvPr/>
       </p:nvGrpSpPr>
@@ -1849,7 +1849,7 @@
       </p:grpSpPr>
       <p:sp>
         <p:nvSpPr>
-          <p:cNvPr id="39" name="Google Shape;39;g10b1741a8de_0_0:notes"/>
+          <p:cNvPr id="40" name="Google Shape;40;g10b1741a8de_0_0:notes"/>
           <p:cNvSpPr/>
           <p:nvPr>
             <p:ph idx="2" type="sldImg"/>
@@ -1884,7 +1884,7 @@
       </p:sp>
       <p:sp>
         <p:nvSpPr>
-          <p:cNvPr id="40" name="Google Shape;40;g10b1741a8de_0_0:notes"/>
+          <p:cNvPr id="41" name="Google Shape;41;g10b1741a8de_0_0:notes"/>
           <p:cNvSpPr txBox="1"/>
           <p:nvPr>
             <p:ph idx="1" type="body"/>
@@ -1934,7 +1934,7 @@
   <p:cSld>
     <p:spTree>
       <p:nvGrpSpPr>
-        <p:cNvPr id="164" name="Shape 164"/>
+        <p:cNvPr id="165" name="Shape 165"/>
         <p:cNvGrpSpPr/>
         <p:nvPr/>
       </p:nvGrpSpPr>
@@ -1948,7 +1948,7 @@
       </p:grpSpPr>
       <p:sp>
         <p:nvSpPr>
-          <p:cNvPr id="165" name="Google Shape;165;g2171faa0bd6_0_60:notes"/>
+          <p:cNvPr id="166" name="Google Shape;166;g2171faa0bd6_0_60:notes"/>
           <p:cNvSpPr/>
           <p:nvPr>
             <p:ph idx="2" type="sldImg"/>
@@ -1983,7 +1983,7 @@
       </p:sp>
       <p:sp>
         <p:nvSpPr>
-          <p:cNvPr id="166" name="Google Shape;166;g2171faa0bd6_0_60:notes"/>
+          <p:cNvPr id="167" name="Google Shape;167;g2171faa0bd6_0_60:notes"/>
           <p:cNvSpPr txBox="1"/>
           <p:nvPr>
             <p:ph idx="1" type="body"/>
@@ -2033,7 +2033,7 @@
   <p:cSld>
     <p:spTree>
       <p:nvGrpSpPr>
-        <p:cNvPr id="171" name="Shape 171"/>
+        <p:cNvPr id="172" name="Shape 172"/>
         <p:cNvGrpSpPr/>
         <p:nvPr/>
       </p:nvGrpSpPr>
@@ -2047,7 +2047,7 @@
       </p:grpSpPr>
       <p:sp>
         <p:nvSpPr>
-          <p:cNvPr id="172" name="Google Shape;172;g2141864eafd_0_16:notes"/>
+          <p:cNvPr id="173" name="Google Shape;173;g2141864eafd_0_16:notes"/>
           <p:cNvSpPr/>
           <p:nvPr>
             <p:ph idx="2" type="sldImg"/>
@@ -2082,7 +2082,7 @@
       </p:sp>
       <p:sp>
         <p:nvSpPr>
-          <p:cNvPr id="173" name="Google Shape;173;g2141864eafd_0_16:notes"/>
+          <p:cNvPr id="174" name="Google Shape;174;g2141864eafd_0_16:notes"/>
           <p:cNvSpPr txBox="1"/>
           <p:nvPr>
             <p:ph idx="1" type="body"/>
@@ -2132,7 +2132,7 @@
   <p:cSld>
     <p:spTree>
       <p:nvGrpSpPr>
-        <p:cNvPr id="179" name="Shape 179"/>
+        <p:cNvPr id="180" name="Shape 180"/>
         <p:cNvGrpSpPr/>
         <p:nvPr/>
       </p:nvGrpSpPr>
@@ -2146,7 +2146,7 @@
       </p:grpSpPr>
       <p:sp>
         <p:nvSpPr>
-          <p:cNvPr id="180" name="Google Shape;180;g2141864eafd_0_23:notes"/>
+          <p:cNvPr id="181" name="Google Shape;181;g2141864eafd_0_23:notes"/>
           <p:cNvSpPr/>
           <p:nvPr>
             <p:ph idx="2" type="sldImg"/>
@@ -2181,7 +2181,7 @@
       </p:sp>
       <p:sp>
         <p:nvSpPr>
-          <p:cNvPr id="181" name="Google Shape;181;g2141864eafd_0_23:notes"/>
+          <p:cNvPr id="182" name="Google Shape;182;g2141864eafd_0_23:notes"/>
           <p:cNvSpPr txBox="1"/>
           <p:nvPr>
             <p:ph idx="1" type="body"/>
@@ -2231,7 +2231,7 @@
   <p:cSld>
     <p:spTree>
       <p:nvGrpSpPr>
-        <p:cNvPr id="186" name="Shape 186"/>
+        <p:cNvPr id="187" name="Shape 187"/>
         <p:cNvGrpSpPr/>
         <p:nvPr/>
       </p:nvGrpSpPr>
@@ -2245,7 +2245,7 @@
       </p:grpSpPr>
       <p:sp>
         <p:nvSpPr>
-          <p:cNvPr id="187" name="Google Shape;187;g12f83bbea61_0_0:notes"/>
+          <p:cNvPr id="188" name="Google Shape;188;g12f83bbea61_0_0:notes"/>
           <p:cNvSpPr/>
           <p:nvPr>
             <p:ph idx="2" type="sldImg"/>
@@ -2280,7 +2280,7 @@
       </p:sp>
       <p:sp>
         <p:nvSpPr>
-          <p:cNvPr id="188" name="Google Shape;188;g12f83bbea61_0_0:notes"/>
+          <p:cNvPr id="189" name="Google Shape;189;g12f83bbea61_0_0:notes"/>
           <p:cNvSpPr txBox="1"/>
           <p:nvPr>
             <p:ph idx="1" type="body"/>
@@ -2308,87 +2308,10 @@
               <a:spcAft>
                 <a:spcPts val="0"/>
               </a:spcAft>
-              <a:buClr>
-                <a:schemeClr val="dk1"/>
-              </a:buClr>
-              <a:buSzPts val="1100"/>
-              <a:buFont typeface="Arial"/>
-              <a:buNone/>
-            </a:pPr>
-            <a:r>
-              <a:rPr lang="en">
-                <a:solidFill>
-                  <a:schemeClr val="dk1"/>
-                </a:solidFill>
-              </a:rPr>
-              <a:t>Marshall, B., Cardon, P., Poddar, A., &amp; Fontenot, R. (2013). Does sample size matter in qualitative research?: A review of qualitative interviews in IS research. </a:t>
-            </a:r>
-            <a:r>
-              <a:rPr i="1" lang="en">
-                <a:solidFill>
-                  <a:schemeClr val="dk1"/>
-                </a:solidFill>
-              </a:rPr>
-              <a:t>Journal of computer information systems</a:t>
-            </a:r>
-            <a:r>
-              <a:rPr lang="en">
-                <a:solidFill>
-                  <a:schemeClr val="dk1"/>
-                </a:solidFill>
-              </a:rPr>
-              <a:t>, </a:t>
-            </a:r>
-            <a:r>
-              <a:rPr i="1" lang="en">
-                <a:solidFill>
-                  <a:schemeClr val="dk1"/>
-                </a:solidFill>
-              </a:rPr>
-              <a:t>54</a:t>
-            </a:r>
-            <a:r>
-              <a:rPr lang="en">
-                <a:solidFill>
-                  <a:schemeClr val="dk1"/>
-                </a:solidFill>
-              </a:rPr>
-              <a:t>(1), 11-22.</a:t>
-            </a:r>
-            <a:endParaRPr>
-              <a:solidFill>
-                <a:schemeClr val="dk1"/>
-              </a:solidFill>
-            </a:endParaRPr>
-          </a:p>
-          <a:p>
-            <a:pPr indent="0" lvl="0" marL="0" rtl="0" algn="l">
-              <a:spcBef>
-                <a:spcPts val="0"/>
-              </a:spcBef>
-              <a:spcAft>
-                <a:spcPts val="0"/>
-              </a:spcAft>
               <a:buNone/>
             </a:pPr>
             <a:r>
               <a:t/>
-            </a:r>
-            <a:endParaRPr/>
-          </a:p>
-          <a:p>
-            <a:pPr indent="0" lvl="0" marL="0" rtl="0" algn="l">
-              <a:spcBef>
-                <a:spcPts val="0"/>
-              </a:spcBef>
-              <a:spcAft>
-                <a:spcPts val="0"/>
-              </a:spcAft>
-              <a:buNone/>
-            </a:pPr>
-            <a:r>
-              <a:rPr lang="en"/>
-              <a:t>Onwuegbuzie, A. J., &amp; Leech, N. L. “A call for qualitative power analyses,” Quality &amp; Quantity, (41), 2007, 105-121.</a:t>
             </a:r>
             <a:endParaRPr/>
           </a:p>
@@ -2407,7 +2330,7 @@
   <p:cSld>
     <p:spTree>
       <p:nvGrpSpPr>
-        <p:cNvPr id="194" name="Shape 194"/>
+        <p:cNvPr id="195" name="Shape 195"/>
         <p:cNvGrpSpPr/>
         <p:nvPr/>
       </p:nvGrpSpPr>
@@ -2421,7 +2344,7 @@
       </p:grpSpPr>
       <p:sp>
         <p:nvSpPr>
-          <p:cNvPr id="195" name="Google Shape;195;g12f83bbea61_0_7:notes"/>
+          <p:cNvPr id="196" name="Google Shape;196;g12f83bbea61_0_7:notes"/>
           <p:cNvSpPr/>
           <p:nvPr>
             <p:ph idx="2" type="sldImg"/>
@@ -2456,7 +2379,7 @@
       </p:sp>
       <p:sp>
         <p:nvSpPr>
-          <p:cNvPr id="196" name="Google Shape;196;g12f83bbea61_0_7:notes"/>
+          <p:cNvPr id="197" name="Google Shape;197;g12f83bbea61_0_7:notes"/>
           <p:cNvSpPr txBox="1"/>
           <p:nvPr>
             <p:ph idx="1" type="body"/>
@@ -2476,191 +2399,6 @@
             <a:noAutofit/>
           </a:bodyPr>
           <a:lstStyle/>
-          <a:p>
-            <a:pPr indent="0" lvl="0" marL="0" rtl="0" algn="l">
-              <a:spcBef>
-                <a:spcPts val="0"/>
-              </a:spcBef>
-              <a:spcAft>
-                <a:spcPts val="0"/>
-              </a:spcAft>
-              <a:buClr>
-                <a:schemeClr val="dk1"/>
-              </a:buClr>
-              <a:buSzPts val="1100"/>
-              <a:buFont typeface="Arial"/>
-              <a:buNone/>
-            </a:pPr>
-            <a:r>
-              <a:rPr lang="en">
-                <a:solidFill>
-                  <a:schemeClr val="dk1"/>
-                </a:solidFill>
-              </a:rPr>
-              <a:t>Marshall, B., Cardon, P., Poddar, A., &amp; Fontenot, R. (2013). Does sample size matter in qualitative research?: A review of qualitative interviews in IS research. </a:t>
-            </a:r>
-            <a:r>
-              <a:rPr i="1" lang="en">
-                <a:solidFill>
-                  <a:schemeClr val="dk1"/>
-                </a:solidFill>
-              </a:rPr>
-              <a:t>Journal of computer information systems</a:t>
-            </a:r>
-            <a:r>
-              <a:rPr lang="en">
-                <a:solidFill>
-                  <a:schemeClr val="dk1"/>
-                </a:solidFill>
-              </a:rPr>
-              <a:t>, </a:t>
-            </a:r>
-            <a:r>
-              <a:rPr i="1" lang="en">
-                <a:solidFill>
-                  <a:schemeClr val="dk1"/>
-                </a:solidFill>
-              </a:rPr>
-              <a:t>54</a:t>
-            </a:r>
-            <a:r>
-              <a:rPr lang="en">
-                <a:solidFill>
-                  <a:schemeClr val="dk1"/>
-                </a:solidFill>
-              </a:rPr>
-              <a:t>(1), 11-22.</a:t>
-            </a:r>
-            <a:endParaRPr>
-              <a:solidFill>
-                <a:schemeClr val="dk1"/>
-              </a:solidFill>
-            </a:endParaRPr>
-          </a:p>
-          <a:p>
-            <a:pPr indent="0" lvl="0" marL="0" rtl="0" algn="l">
-              <a:spcBef>
-                <a:spcPts val="0"/>
-              </a:spcBef>
-              <a:spcAft>
-                <a:spcPts val="0"/>
-              </a:spcAft>
-              <a:buNone/>
-            </a:pPr>
-            <a:r>
-              <a:t/>
-            </a:r>
-            <a:endParaRPr/>
-          </a:p>
-          <a:p>
-            <a:pPr indent="0" lvl="0" marL="0" rtl="0" algn="l">
-              <a:spcBef>
-                <a:spcPts val="0"/>
-              </a:spcBef>
-              <a:spcAft>
-                <a:spcPts val="0"/>
-              </a:spcAft>
-              <a:buNone/>
-            </a:pPr>
-            <a:r>
-              <a:rPr lang="en"/>
-              <a:t>Creswell, J. W. Qualitative inquiry &amp; research design: Choosing among five approaches (2nd ed.). Sage, Thousand Oaks, CA, 2007.</a:t>
-            </a:r>
-            <a:endParaRPr/>
-          </a:p>
-          <a:p>
-            <a:pPr indent="0" lvl="0" marL="0" rtl="0" algn="l">
-              <a:spcBef>
-                <a:spcPts val="0"/>
-              </a:spcBef>
-              <a:spcAft>
-                <a:spcPts val="0"/>
-              </a:spcAft>
-              <a:buNone/>
-            </a:pPr>
-            <a:r>
-              <a:t/>
-            </a:r>
-            <a:endParaRPr/>
-          </a:p>
-          <a:p>
-            <a:pPr indent="0" lvl="0" marL="0" rtl="0" algn="l">
-              <a:spcBef>
-                <a:spcPts val="0"/>
-              </a:spcBef>
-              <a:spcAft>
-                <a:spcPts val="0"/>
-              </a:spcAft>
-              <a:buNone/>
-            </a:pPr>
-            <a:r>
-              <a:rPr lang="en"/>
-              <a:t>Denzin, N. K., &amp; Lincoln Y. S. “The discipline and practice of qualitative research,” In N. K. Denzin &amp; Y. S. Lincoln (Eds.), The Sage Handbook of Qualitative Research (3rd ed.), Sage, Thousand Oaks, CA, 2005, 1-32.</a:t>
-            </a:r>
-            <a:endParaRPr/>
-          </a:p>
-          <a:p>
-            <a:pPr indent="0" lvl="0" marL="0" rtl="0" algn="l">
-              <a:spcBef>
-                <a:spcPts val="0"/>
-              </a:spcBef>
-              <a:spcAft>
-                <a:spcPts val="0"/>
-              </a:spcAft>
-              <a:buNone/>
-            </a:pPr>
-            <a:r>
-              <a:t/>
-            </a:r>
-            <a:endParaRPr/>
-          </a:p>
-          <a:p>
-            <a:pPr indent="0" lvl="0" marL="0" rtl="0" algn="l">
-              <a:spcBef>
-                <a:spcPts val="0"/>
-              </a:spcBef>
-              <a:spcAft>
-                <a:spcPts val="0"/>
-              </a:spcAft>
-              <a:buNone/>
-            </a:pPr>
-            <a:r>
-              <a:rPr lang="en"/>
-              <a:t>Morse, J. M. “Determining sample size,” Qualitative Health Research, (10:1), 2000, 3-5.</a:t>
-            </a:r>
-            <a:endParaRPr/>
-          </a:p>
-          <a:p>
-            <a:pPr indent="0" lvl="0" marL="0" rtl="0" algn="l">
-              <a:spcBef>
-                <a:spcPts val="0"/>
-              </a:spcBef>
-              <a:spcAft>
-                <a:spcPts val="0"/>
-              </a:spcAft>
-              <a:buNone/>
-            </a:pPr>
-            <a:r>
-              <a:t/>
-            </a:r>
-            <a:endParaRPr/>
-          </a:p>
-          <a:p>
-            <a:pPr indent="0" lvl="0" marL="0" rtl="0" algn="l">
-              <a:spcBef>
-                <a:spcPts val="0"/>
-              </a:spcBef>
-              <a:spcAft>
-                <a:spcPts val="0"/>
-              </a:spcAft>
-              <a:buNone/>
-            </a:pPr>
-            <a:r>
-              <a:rPr lang="en"/>
-              <a:t>Yin, R. Case Study Research: Design and Methods (4th ed.). Sage, Thousand Oaks, CA, 2009.</a:t>
-            </a:r>
-            <a:endParaRPr/>
-          </a:p>
           <a:p>
             <a:pPr indent="0" lvl="0" marL="0" rtl="0" algn="l">
               <a:spcBef>
@@ -2691,7 +2429,7 @@
   <p:cSld>
     <p:spTree>
       <p:nvGrpSpPr>
-        <p:cNvPr id="201" name="Shape 201"/>
+        <p:cNvPr id="202" name="Shape 202"/>
         <p:cNvGrpSpPr/>
         <p:nvPr/>
       </p:nvGrpSpPr>
@@ -2705,7 +2443,7 @@
       </p:grpSpPr>
       <p:sp>
         <p:nvSpPr>
-          <p:cNvPr id="202" name="Google Shape;202;g1216d967f34_0_72:notes"/>
+          <p:cNvPr id="203" name="Google Shape;203;g1216d967f34_0_72:notes"/>
           <p:cNvSpPr/>
           <p:nvPr>
             <p:ph idx="2" type="sldImg"/>
@@ -2740,7 +2478,7 @@
       </p:sp>
       <p:sp>
         <p:nvSpPr>
-          <p:cNvPr id="203" name="Google Shape;203;g1216d967f34_0_72:notes"/>
+          <p:cNvPr id="204" name="Google Shape;204;g1216d967f34_0_72:notes"/>
           <p:cNvSpPr txBox="1"/>
           <p:nvPr>
             <p:ph idx="1" type="body"/>
@@ -2790,7 +2528,7 @@
   <p:cSld>
     <p:spTree>
       <p:nvGrpSpPr>
-        <p:cNvPr id="206" name="Shape 206"/>
+        <p:cNvPr id="207" name="Shape 207"/>
         <p:cNvGrpSpPr/>
         <p:nvPr/>
       </p:nvGrpSpPr>
@@ -2804,7 +2542,7 @@
       </p:grpSpPr>
       <p:sp>
         <p:nvSpPr>
-          <p:cNvPr id="207" name="Google Shape;207;g1216d967f34_0_691:notes"/>
+          <p:cNvPr id="208" name="Google Shape;208;g1216d967f34_0_691:notes"/>
           <p:cNvSpPr/>
           <p:nvPr>
             <p:ph idx="2" type="sldImg"/>
@@ -2839,7 +2577,7 @@
       </p:sp>
       <p:sp>
         <p:nvSpPr>
-          <p:cNvPr id="208" name="Google Shape;208;g1216d967f34_0_691:notes"/>
+          <p:cNvPr id="209" name="Google Shape;209;g1216d967f34_0_691:notes"/>
           <p:cNvSpPr txBox="1"/>
           <p:nvPr>
             <p:ph idx="1" type="body"/>
@@ -2889,7 +2627,7 @@
   <p:cSld>
     <p:spTree>
       <p:nvGrpSpPr>
-        <p:cNvPr id="213" name="Shape 213"/>
+        <p:cNvPr id="214" name="Shape 214"/>
         <p:cNvGrpSpPr/>
         <p:nvPr/>
       </p:nvGrpSpPr>
@@ -2903,7 +2641,7 @@
       </p:grpSpPr>
       <p:sp>
         <p:nvSpPr>
-          <p:cNvPr id="214" name="Google Shape;214;g1216d967f34_0_662:notes"/>
+          <p:cNvPr id="215" name="Google Shape;215;g1216d967f34_0_662:notes"/>
           <p:cNvSpPr/>
           <p:nvPr>
             <p:ph idx="2" type="sldImg"/>
@@ -2938,7 +2676,7 @@
       </p:sp>
       <p:sp>
         <p:nvSpPr>
-          <p:cNvPr id="215" name="Google Shape;215;g1216d967f34_0_662:notes"/>
+          <p:cNvPr id="216" name="Google Shape;216;g1216d967f34_0_662:notes"/>
           <p:cNvSpPr txBox="1"/>
           <p:nvPr>
             <p:ph idx="1" type="body"/>
@@ -2997,7 +2735,7 @@
   <p:cSld>
     <p:spTree>
       <p:nvGrpSpPr>
-        <p:cNvPr id="220" name="Shape 220"/>
+        <p:cNvPr id="221" name="Shape 221"/>
         <p:cNvGrpSpPr/>
         <p:nvPr/>
       </p:nvGrpSpPr>
@@ -3011,7 +2749,7 @@
       </p:grpSpPr>
       <p:sp>
         <p:nvSpPr>
-          <p:cNvPr id="221" name="Google Shape;221;g2171faa0bd6_0_67:notes"/>
+          <p:cNvPr id="222" name="Google Shape;222;g2171faa0bd6_0_67:notes"/>
           <p:cNvSpPr/>
           <p:nvPr>
             <p:ph idx="2" type="sldImg"/>
@@ -3046,7 +2784,7 @@
       </p:sp>
       <p:sp>
         <p:nvSpPr>
-          <p:cNvPr id="222" name="Google Shape;222;g2171faa0bd6_0_67:notes"/>
+          <p:cNvPr id="223" name="Google Shape;223;g2171faa0bd6_0_67:notes"/>
           <p:cNvSpPr txBox="1"/>
           <p:nvPr>
             <p:ph idx="1" type="body"/>
@@ -3105,7 +2843,7 @@
   <p:cSld>
     <p:spTree>
       <p:nvGrpSpPr>
-        <p:cNvPr id="227" name="Shape 227"/>
+        <p:cNvPr id="228" name="Shape 228"/>
         <p:cNvGrpSpPr/>
         <p:nvPr/>
       </p:nvGrpSpPr>
@@ -3119,7 +2857,7 @@
       </p:grpSpPr>
       <p:sp>
         <p:nvSpPr>
-          <p:cNvPr id="228" name="Google Shape;228;g1216d967f34_0_684:notes"/>
+          <p:cNvPr id="229" name="Google Shape;229;g1216d967f34_0_684:notes"/>
           <p:cNvSpPr/>
           <p:nvPr>
             <p:ph idx="2" type="sldImg"/>
@@ -3154,7 +2892,7 @@
       </p:sp>
       <p:sp>
         <p:nvSpPr>
-          <p:cNvPr id="229" name="Google Shape;229;g1216d967f34_0_684:notes"/>
+          <p:cNvPr id="230" name="Google Shape;230;g1216d967f34_0_684:notes"/>
           <p:cNvSpPr txBox="1"/>
           <p:nvPr>
             <p:ph idx="1" type="body"/>
@@ -3213,7 +2951,7 @@
   <p:cSld>
     <p:spTree>
       <p:nvGrpSpPr>
-        <p:cNvPr id="45" name="Shape 45"/>
+        <p:cNvPr id="46" name="Shape 46"/>
         <p:cNvGrpSpPr/>
         <p:nvPr/>
       </p:nvGrpSpPr>
@@ -3227,7 +2965,7 @@
       </p:grpSpPr>
       <p:sp>
         <p:nvSpPr>
-          <p:cNvPr id="46" name="Google Shape;46;gf9bad1e87a_0_0:notes"/>
+          <p:cNvPr id="47" name="Google Shape;47;gf9bad1e87a_0_0:notes"/>
           <p:cNvSpPr/>
           <p:nvPr>
             <p:ph idx="2" type="sldImg"/>
@@ -3262,7 +3000,7 @@
       </p:sp>
       <p:sp>
         <p:nvSpPr>
-          <p:cNvPr id="47" name="Google Shape;47;gf9bad1e87a_0_0:notes"/>
+          <p:cNvPr id="48" name="Google Shape;48;gf9bad1e87a_0_0:notes"/>
           <p:cNvSpPr txBox="1"/>
           <p:nvPr>
             <p:ph idx="1" type="body"/>
@@ -3312,7 +3050,7 @@
   <p:cSld>
     <p:spTree>
       <p:nvGrpSpPr>
-        <p:cNvPr id="234" name="Shape 234"/>
+        <p:cNvPr id="235" name="Shape 235"/>
         <p:cNvGrpSpPr/>
         <p:nvPr/>
       </p:nvGrpSpPr>
@@ -3326,7 +3064,7 @@
       </p:grpSpPr>
       <p:sp>
         <p:nvSpPr>
-          <p:cNvPr id="235" name="Google Shape;235;g21749ba1ed4_0_0:notes"/>
+          <p:cNvPr id="236" name="Google Shape;236;g21749ba1ed4_0_0:notes"/>
           <p:cNvSpPr/>
           <p:nvPr>
             <p:ph idx="2" type="sldImg"/>
@@ -3361,7 +3099,7 @@
       </p:sp>
       <p:sp>
         <p:nvSpPr>
-          <p:cNvPr id="236" name="Google Shape;236;g21749ba1ed4_0_0:notes"/>
+          <p:cNvPr id="237" name="Google Shape;237;g21749ba1ed4_0_0:notes"/>
           <p:cNvSpPr txBox="1"/>
           <p:nvPr>
             <p:ph idx="1" type="body"/>
@@ -3411,7 +3149,7 @@
   <p:cSld>
     <p:spTree>
       <p:nvGrpSpPr>
-        <p:cNvPr id="242" name="Shape 242"/>
+        <p:cNvPr id="243" name="Shape 243"/>
         <p:cNvGrpSpPr/>
         <p:nvPr/>
       </p:nvGrpSpPr>
@@ -3425,7 +3163,7 @@
       </p:grpSpPr>
       <p:sp>
         <p:nvSpPr>
-          <p:cNvPr id="243" name="Google Shape;243;g12f2b49de6e_0_1:notes"/>
+          <p:cNvPr id="244" name="Google Shape;244;g12f2b49de6e_0_1:notes"/>
           <p:cNvSpPr/>
           <p:nvPr>
             <p:ph idx="2" type="sldImg"/>
@@ -3460,7 +3198,7 @@
       </p:sp>
       <p:sp>
         <p:nvSpPr>
-          <p:cNvPr id="244" name="Google Shape;244;g12f2b49de6e_0_1:notes"/>
+          <p:cNvPr id="245" name="Google Shape;245;g12f2b49de6e_0_1:notes"/>
           <p:cNvSpPr txBox="1"/>
           <p:nvPr>
             <p:ph idx="1" type="body"/>
@@ -3510,7 +3248,7 @@
   <p:cSld>
     <p:spTree>
       <p:nvGrpSpPr>
-        <p:cNvPr id="251" name="Shape 251"/>
+        <p:cNvPr id="252" name="Shape 252"/>
         <p:cNvGrpSpPr/>
         <p:nvPr/>
       </p:nvGrpSpPr>
@@ -3524,7 +3262,7 @@
       </p:grpSpPr>
       <p:sp>
         <p:nvSpPr>
-          <p:cNvPr id="252" name="Google Shape;252;g1216d967f34_0_723:notes"/>
+          <p:cNvPr id="253" name="Google Shape;253;g1216d967f34_0_723:notes"/>
           <p:cNvSpPr/>
           <p:nvPr>
             <p:ph idx="2" type="sldImg"/>
@@ -3559,7 +3297,7 @@
       </p:sp>
       <p:sp>
         <p:nvSpPr>
-          <p:cNvPr id="253" name="Google Shape;253;g1216d967f34_0_723:notes"/>
+          <p:cNvPr id="254" name="Google Shape;254;g1216d967f34_0_723:notes"/>
           <p:cNvSpPr txBox="1"/>
           <p:nvPr>
             <p:ph idx="1" type="body"/>
@@ -3609,7 +3347,7 @@
   <p:cSld>
     <p:spTree>
       <p:nvGrpSpPr>
-        <p:cNvPr id="259" name="Shape 259"/>
+        <p:cNvPr id="260" name="Shape 260"/>
         <p:cNvGrpSpPr/>
         <p:nvPr/>
       </p:nvGrpSpPr>
@@ -3623,7 +3361,7 @@
       </p:grpSpPr>
       <p:sp>
         <p:nvSpPr>
-          <p:cNvPr id="260" name="Google Shape;260;g12f2b49de6e_0_14:notes"/>
+          <p:cNvPr id="261" name="Google Shape;261;g12f2b49de6e_0_14:notes"/>
           <p:cNvSpPr/>
           <p:nvPr>
             <p:ph idx="2" type="sldImg"/>
@@ -3658,7 +3396,7 @@
       </p:sp>
       <p:sp>
         <p:nvSpPr>
-          <p:cNvPr id="261" name="Google Shape;261;g12f2b49de6e_0_14:notes"/>
+          <p:cNvPr id="262" name="Google Shape;262;g12f2b49de6e_0_14:notes"/>
           <p:cNvSpPr txBox="1"/>
           <p:nvPr>
             <p:ph idx="1" type="body"/>
@@ -3708,7 +3446,7 @@
   <p:cSld>
     <p:spTree>
       <p:nvGrpSpPr>
-        <p:cNvPr id="266" name="Shape 266"/>
+        <p:cNvPr id="267" name="Shape 267"/>
         <p:cNvGrpSpPr/>
         <p:nvPr/>
       </p:nvGrpSpPr>
@@ -3722,7 +3460,7 @@
       </p:grpSpPr>
       <p:sp>
         <p:nvSpPr>
-          <p:cNvPr id="267" name="Google Shape;267;g2171faa0bd6_0_103:notes"/>
+          <p:cNvPr id="268" name="Google Shape;268;g2171faa0bd6_0_103:notes"/>
           <p:cNvSpPr/>
           <p:nvPr>
             <p:ph idx="2" type="sldImg"/>
@@ -3757,7 +3495,7 @@
       </p:sp>
       <p:sp>
         <p:nvSpPr>
-          <p:cNvPr id="268" name="Google Shape;268;g2171faa0bd6_0_103:notes"/>
+          <p:cNvPr id="269" name="Google Shape;269;g2171faa0bd6_0_103:notes"/>
           <p:cNvSpPr txBox="1"/>
           <p:nvPr>
             <p:ph idx="1" type="body"/>
@@ -3807,7 +3545,7 @@
   <p:cSld>
     <p:spTree>
       <p:nvGrpSpPr>
-        <p:cNvPr id="274" name="Shape 274"/>
+        <p:cNvPr id="275" name="Shape 275"/>
         <p:cNvGrpSpPr/>
         <p:nvPr/>
       </p:nvGrpSpPr>
@@ -3821,7 +3559,7 @@
       </p:grpSpPr>
       <p:sp>
         <p:nvSpPr>
-          <p:cNvPr id="275" name="Google Shape;275;g2171faa0bd6_0_83:notes"/>
+          <p:cNvPr id="276" name="Google Shape;276;g2171faa0bd6_0_83:notes"/>
           <p:cNvSpPr/>
           <p:nvPr>
             <p:ph idx="2" type="sldImg"/>
@@ -3856,7 +3594,7 @@
       </p:sp>
       <p:sp>
         <p:nvSpPr>
-          <p:cNvPr id="276" name="Google Shape;276;g2171faa0bd6_0_83:notes"/>
+          <p:cNvPr id="277" name="Google Shape;277;g2171faa0bd6_0_83:notes"/>
           <p:cNvSpPr txBox="1"/>
           <p:nvPr>
             <p:ph idx="1" type="body"/>
@@ -3906,7 +3644,7 @@
   <p:cSld>
     <p:spTree>
       <p:nvGrpSpPr>
-        <p:cNvPr id="281" name="Shape 281"/>
+        <p:cNvPr id="282" name="Shape 282"/>
         <p:cNvGrpSpPr/>
         <p:nvPr/>
       </p:nvGrpSpPr>
@@ -3920,7 +3658,7 @@
       </p:grpSpPr>
       <p:sp>
         <p:nvSpPr>
-          <p:cNvPr id="282" name="Google Shape;282;g12f2b49de6e_0_21:notes"/>
+          <p:cNvPr id="283" name="Google Shape;283;g12f2b49de6e_0_21:notes"/>
           <p:cNvSpPr/>
           <p:nvPr>
             <p:ph idx="2" type="sldImg"/>
@@ -3955,7 +3693,7 @@
       </p:sp>
       <p:sp>
         <p:nvSpPr>
-          <p:cNvPr id="283" name="Google Shape;283;g12f2b49de6e_0_21:notes"/>
+          <p:cNvPr id="284" name="Google Shape;284;g12f2b49de6e_0_21:notes"/>
           <p:cNvSpPr txBox="1"/>
           <p:nvPr>
             <p:ph idx="1" type="body"/>
@@ -4005,7 +3743,7 @@
   <p:cSld>
     <p:spTree>
       <p:nvGrpSpPr>
-        <p:cNvPr id="288" name="Shape 288"/>
+        <p:cNvPr id="289" name="Shape 289"/>
         <p:cNvGrpSpPr/>
         <p:nvPr/>
       </p:nvGrpSpPr>
@@ -4019,7 +3757,7 @@
       </p:grpSpPr>
       <p:sp>
         <p:nvSpPr>
-          <p:cNvPr id="289" name="Google Shape;289;g2171faa0bd6_0_109:notes"/>
+          <p:cNvPr id="290" name="Google Shape;290;g2171faa0bd6_0_109:notes"/>
           <p:cNvSpPr/>
           <p:nvPr>
             <p:ph idx="2" type="sldImg"/>
@@ -4054,7 +3792,7 @@
       </p:sp>
       <p:sp>
         <p:nvSpPr>
-          <p:cNvPr id="290" name="Google Shape;290;g2171faa0bd6_0_109:notes"/>
+          <p:cNvPr id="291" name="Google Shape;291;g2171faa0bd6_0_109:notes"/>
           <p:cNvSpPr txBox="1"/>
           <p:nvPr>
             <p:ph idx="1" type="body"/>
@@ -4104,7 +3842,7 @@
   <p:cSld>
     <p:spTree>
       <p:nvGrpSpPr>
-        <p:cNvPr id="295" name="Shape 295"/>
+        <p:cNvPr id="296" name="Shape 296"/>
         <p:cNvGrpSpPr/>
         <p:nvPr/>
       </p:nvGrpSpPr>
@@ -4118,7 +3856,7 @@
       </p:grpSpPr>
       <p:sp>
         <p:nvSpPr>
-          <p:cNvPr id="296" name="Google Shape;296;g1216d967f34_0_643:notes"/>
+          <p:cNvPr id="297" name="Google Shape;297;g1216d967f34_0_643:notes"/>
           <p:cNvSpPr/>
           <p:nvPr>
             <p:ph idx="2" type="sldImg"/>
@@ -4153,7 +3891,7 @@
       </p:sp>
       <p:sp>
         <p:nvSpPr>
-          <p:cNvPr id="297" name="Google Shape;297;g1216d967f34_0_643:notes"/>
+          <p:cNvPr id="298" name="Google Shape;298;g1216d967f34_0_643:notes"/>
           <p:cNvSpPr txBox="1"/>
           <p:nvPr>
             <p:ph idx="1" type="body"/>
@@ -4203,7 +3941,7 @@
   <p:cSld>
     <p:spTree>
       <p:nvGrpSpPr>
-        <p:cNvPr id="300" name="Shape 300"/>
+        <p:cNvPr id="301" name="Shape 301"/>
         <p:cNvGrpSpPr/>
         <p:nvPr/>
       </p:nvGrpSpPr>
@@ -4217,7 +3955,7 @@
       </p:grpSpPr>
       <p:sp>
         <p:nvSpPr>
-          <p:cNvPr id="301" name="Google Shape;301;g2171faa0bd6_0_90:notes"/>
+          <p:cNvPr id="302" name="Google Shape;302;g2171faa0bd6_0_90:notes"/>
           <p:cNvSpPr/>
           <p:nvPr>
             <p:ph idx="2" type="sldImg"/>
@@ -4252,7 +3990,7 @@
       </p:sp>
       <p:sp>
         <p:nvSpPr>
-          <p:cNvPr id="302" name="Google Shape;302;g2171faa0bd6_0_90:notes"/>
+          <p:cNvPr id="303" name="Google Shape;303;g2171faa0bd6_0_90:notes"/>
           <p:cNvSpPr txBox="1"/>
           <p:nvPr>
             <p:ph idx="1" type="body"/>
@@ -4302,7 +4040,7 @@
   <p:cSld>
     <p:spTree>
       <p:nvGrpSpPr>
-        <p:cNvPr id="50" name="Shape 50"/>
+        <p:cNvPr id="51" name="Shape 51"/>
         <p:cNvGrpSpPr/>
         <p:nvPr/>
       </p:nvGrpSpPr>
@@ -4316,7 +4054,7 @@
       </p:grpSpPr>
       <p:sp>
         <p:nvSpPr>
-          <p:cNvPr id="51" name="Google Shape;51;g10b1741a8de_0_20:notes"/>
+          <p:cNvPr id="52" name="Google Shape;52;g10b1741a8de_0_20:notes"/>
           <p:cNvSpPr/>
           <p:nvPr>
             <p:ph idx="2" type="sldImg"/>
@@ -4351,7 +4089,7 @@
       </p:sp>
       <p:sp>
         <p:nvSpPr>
-          <p:cNvPr id="52" name="Google Shape;52;g10b1741a8de_0_20:notes"/>
+          <p:cNvPr id="53" name="Google Shape;53;g10b1741a8de_0_20:notes"/>
           <p:cNvSpPr txBox="1"/>
           <p:nvPr>
             <p:ph idx="1" type="body"/>
@@ -4401,7 +4139,7 @@
   <p:cSld>
     <p:spTree>
       <p:nvGrpSpPr>
-        <p:cNvPr id="308" name="Shape 308"/>
+        <p:cNvPr id="309" name="Shape 309"/>
         <p:cNvGrpSpPr/>
         <p:nvPr/>
       </p:nvGrpSpPr>
@@ -4415,7 +4153,7 @@
       </p:grpSpPr>
       <p:sp>
         <p:nvSpPr>
-          <p:cNvPr id="309" name="Google Shape;309;g123ae08f9f0_0_4:notes"/>
+          <p:cNvPr id="310" name="Google Shape;310;g123ae08f9f0_0_4:notes"/>
           <p:cNvSpPr/>
           <p:nvPr>
             <p:ph idx="2" type="sldImg"/>
@@ -4450,7 +4188,7 @@
       </p:sp>
       <p:sp>
         <p:nvSpPr>
-          <p:cNvPr id="310" name="Google Shape;310;g123ae08f9f0_0_4:notes"/>
+          <p:cNvPr id="311" name="Google Shape;311;g123ae08f9f0_0_4:notes"/>
           <p:cNvSpPr txBox="1"/>
           <p:nvPr>
             <p:ph idx="1" type="body"/>
@@ -4500,7 +4238,7 @@
   <p:cSld>
     <p:spTree>
       <p:nvGrpSpPr>
-        <p:cNvPr id="315" name="Shape 315"/>
+        <p:cNvPr id="316" name="Shape 316"/>
         <p:cNvGrpSpPr/>
         <p:nvPr/>
       </p:nvGrpSpPr>
@@ -4514,7 +4252,7 @@
       </p:grpSpPr>
       <p:sp>
         <p:nvSpPr>
-          <p:cNvPr id="316" name="Google Shape;316;g232d1ef980c_0_8:notes"/>
+          <p:cNvPr id="317" name="Google Shape;317;g232d1ef980c_0_8:notes"/>
           <p:cNvSpPr/>
           <p:nvPr>
             <p:ph idx="2" type="sldImg"/>
@@ -4549,7 +4287,7 @@
       </p:sp>
       <p:sp>
         <p:nvSpPr>
-          <p:cNvPr id="317" name="Google Shape;317;g232d1ef980c_0_8:notes"/>
+          <p:cNvPr id="318" name="Google Shape;318;g232d1ef980c_0_8:notes"/>
           <p:cNvSpPr txBox="1"/>
           <p:nvPr>
             <p:ph idx="1" type="body"/>
@@ -4599,7 +4337,7 @@
   <p:cSld>
     <p:spTree>
       <p:nvGrpSpPr>
-        <p:cNvPr id="323" name="Shape 323"/>
+        <p:cNvPr id="324" name="Shape 324"/>
         <p:cNvGrpSpPr/>
         <p:nvPr/>
       </p:nvGrpSpPr>
@@ -4613,7 +4351,7 @@
       </p:grpSpPr>
       <p:sp>
         <p:nvSpPr>
-          <p:cNvPr id="324" name="Google Shape;324;g2171faa0bd6_0_54:notes"/>
+          <p:cNvPr id="325" name="Google Shape;325;g2171faa0bd6_0_54:notes"/>
           <p:cNvSpPr/>
           <p:nvPr>
             <p:ph idx="2" type="sldImg"/>
@@ -4648,7 +4386,7 @@
       </p:sp>
       <p:sp>
         <p:nvSpPr>
-          <p:cNvPr id="325" name="Google Shape;325;g2171faa0bd6_0_54:notes"/>
+          <p:cNvPr id="326" name="Google Shape;326;g2171faa0bd6_0_54:notes"/>
           <p:cNvSpPr txBox="1"/>
           <p:nvPr>
             <p:ph idx="1" type="body"/>
@@ -4698,7 +4436,7 @@
   <p:cSld>
     <p:spTree>
       <p:nvGrpSpPr>
-        <p:cNvPr id="330" name="Shape 330"/>
+        <p:cNvPr id="331" name="Shape 331"/>
         <p:cNvGrpSpPr/>
         <p:nvPr/>
       </p:nvGrpSpPr>
@@ -4712,7 +4450,7 @@
       </p:grpSpPr>
       <p:sp>
         <p:nvSpPr>
-          <p:cNvPr id="331" name="Google Shape;331;g2171faa0bd6_0_128:notes"/>
+          <p:cNvPr id="332" name="Google Shape;332;g2171faa0bd6_0_128:notes"/>
           <p:cNvSpPr/>
           <p:nvPr>
             <p:ph idx="2" type="sldImg"/>
@@ -4747,7 +4485,7 @@
       </p:sp>
       <p:sp>
         <p:nvSpPr>
-          <p:cNvPr id="332" name="Google Shape;332;g2171faa0bd6_0_128:notes"/>
+          <p:cNvPr id="333" name="Google Shape;333;g2171faa0bd6_0_128:notes"/>
           <p:cNvSpPr txBox="1"/>
           <p:nvPr>
             <p:ph idx="1" type="body"/>
@@ -4797,7 +4535,7 @@
   <p:cSld>
     <p:spTree>
       <p:nvGrpSpPr>
-        <p:cNvPr id="337" name="Shape 337"/>
+        <p:cNvPr id="338" name="Shape 338"/>
         <p:cNvGrpSpPr/>
         <p:nvPr/>
       </p:nvGrpSpPr>
@@ -4811,7 +4549,7 @@
       </p:grpSpPr>
       <p:sp>
         <p:nvSpPr>
-          <p:cNvPr id="338" name="Google Shape;338;g2171faa0bd6_0_134:notes"/>
+          <p:cNvPr id="339" name="Google Shape;339;g2171faa0bd6_0_134:notes"/>
           <p:cNvSpPr/>
           <p:nvPr>
             <p:ph idx="2" type="sldImg"/>
@@ -4846,7 +4584,7 @@
       </p:sp>
       <p:sp>
         <p:nvSpPr>
-          <p:cNvPr id="339" name="Google Shape;339;g2171faa0bd6_0_134:notes"/>
+          <p:cNvPr id="340" name="Google Shape;340;g2171faa0bd6_0_134:notes"/>
           <p:cNvSpPr txBox="1"/>
           <p:nvPr>
             <p:ph idx="1" type="body"/>
@@ -4896,7 +4634,7 @@
   <p:cSld>
     <p:spTree>
       <p:nvGrpSpPr>
-        <p:cNvPr id="342" name="Shape 342"/>
+        <p:cNvPr id="343" name="Shape 343"/>
         <p:cNvGrpSpPr/>
         <p:nvPr/>
       </p:nvGrpSpPr>
@@ -4910,7 +4648,7 @@
       </p:grpSpPr>
       <p:sp>
         <p:nvSpPr>
-          <p:cNvPr id="343" name="Google Shape;343;g2171faa0bd6_0_138:notes"/>
+          <p:cNvPr id="344" name="Google Shape;344;g2171faa0bd6_0_138:notes"/>
           <p:cNvSpPr/>
           <p:nvPr>
             <p:ph idx="2" type="sldImg"/>
@@ -4945,7 +4683,7 @@
       </p:sp>
       <p:sp>
         <p:nvSpPr>
-          <p:cNvPr id="344" name="Google Shape;344;g2171faa0bd6_0_138:notes"/>
+          <p:cNvPr id="345" name="Google Shape;345;g2171faa0bd6_0_138:notes"/>
           <p:cNvSpPr txBox="1"/>
           <p:nvPr>
             <p:ph idx="1" type="body"/>
@@ -4995,7 +4733,7 @@
   <p:cSld>
     <p:spTree>
       <p:nvGrpSpPr>
-        <p:cNvPr id="349" name="Shape 349"/>
+        <p:cNvPr id="350" name="Shape 350"/>
         <p:cNvGrpSpPr/>
         <p:nvPr/>
       </p:nvGrpSpPr>
@@ -5009,7 +4747,7 @@
       </p:grpSpPr>
       <p:sp>
         <p:nvSpPr>
-          <p:cNvPr id="350" name="Google Shape;350;g2171faa0bd6_0_144:notes"/>
+          <p:cNvPr id="351" name="Google Shape;351;g2171faa0bd6_0_144:notes"/>
           <p:cNvSpPr/>
           <p:nvPr>
             <p:ph idx="2" type="sldImg"/>
@@ -5044,7 +4782,7 @@
       </p:sp>
       <p:sp>
         <p:nvSpPr>
-          <p:cNvPr id="351" name="Google Shape;351;g2171faa0bd6_0_144:notes"/>
+          <p:cNvPr id="352" name="Google Shape;352;g2171faa0bd6_0_144:notes"/>
           <p:cNvSpPr txBox="1"/>
           <p:nvPr>
             <p:ph idx="1" type="body"/>
@@ -5094,7 +4832,7 @@
   <p:cSld>
     <p:spTree>
       <p:nvGrpSpPr>
-        <p:cNvPr id="356" name="Shape 356"/>
+        <p:cNvPr id="357" name="Shape 357"/>
         <p:cNvGrpSpPr/>
         <p:nvPr/>
       </p:nvGrpSpPr>
@@ -5108,7 +4846,7 @@
       </p:grpSpPr>
       <p:sp>
         <p:nvSpPr>
-          <p:cNvPr id="357" name="Google Shape;357;g2171faa0bd6_0_115:notes"/>
+          <p:cNvPr id="358" name="Google Shape;358;g2171faa0bd6_0_115:notes"/>
           <p:cNvSpPr/>
           <p:nvPr>
             <p:ph idx="2" type="sldImg"/>
@@ -5143,7 +4881,7 @@
       </p:sp>
       <p:sp>
         <p:nvSpPr>
-          <p:cNvPr id="358" name="Google Shape;358;g2171faa0bd6_0_115:notes"/>
+          <p:cNvPr id="359" name="Google Shape;359;g2171faa0bd6_0_115:notes"/>
           <p:cNvSpPr txBox="1"/>
           <p:nvPr>
             <p:ph idx="1" type="body"/>
@@ -5193,7 +4931,7 @@
   <p:cSld>
     <p:spTree>
       <p:nvGrpSpPr>
-        <p:cNvPr id="363" name="Shape 363"/>
+        <p:cNvPr id="364" name="Shape 364"/>
         <p:cNvGrpSpPr/>
         <p:nvPr/>
       </p:nvGrpSpPr>
@@ -5207,7 +4945,7 @@
       </p:grpSpPr>
       <p:sp>
         <p:nvSpPr>
-          <p:cNvPr id="364" name="Google Shape;364;g2394d7cc70a_0_38:notes"/>
+          <p:cNvPr id="365" name="Google Shape;365;g2394d7cc70a_0_38:notes"/>
           <p:cNvSpPr/>
           <p:nvPr>
             <p:ph idx="2" type="sldImg"/>
@@ -5242,7 +4980,7 @@
       </p:sp>
       <p:sp>
         <p:nvSpPr>
-          <p:cNvPr id="365" name="Google Shape;365;g2394d7cc70a_0_38:notes"/>
+          <p:cNvPr id="366" name="Google Shape;366;g2394d7cc70a_0_38:notes"/>
           <p:cNvSpPr txBox="1"/>
           <p:nvPr>
             <p:ph idx="1" type="body"/>
@@ -5292,7 +5030,7 @@
   <p:cSld>
     <p:spTree>
       <p:nvGrpSpPr>
-        <p:cNvPr id="369" name="Shape 369"/>
+        <p:cNvPr id="370" name="Shape 370"/>
         <p:cNvGrpSpPr/>
         <p:nvPr/>
       </p:nvGrpSpPr>
@@ -5306,7 +5044,7 @@
       </p:grpSpPr>
       <p:sp>
         <p:nvSpPr>
-          <p:cNvPr id="370" name="Google Shape;370;g2394d7cc70a_0_43:notes"/>
+          <p:cNvPr id="371" name="Google Shape;371;g2394d7cc70a_0_43:notes"/>
           <p:cNvSpPr/>
           <p:nvPr>
             <p:ph idx="2" type="sldImg"/>
@@ -5341,7 +5079,7 @@
       </p:sp>
       <p:sp>
         <p:nvSpPr>
-          <p:cNvPr id="371" name="Google Shape;371;g2394d7cc70a_0_43:notes"/>
+          <p:cNvPr id="372" name="Google Shape;372;g2394d7cc70a_0_43:notes"/>
           <p:cNvSpPr txBox="1"/>
           <p:nvPr>
             <p:ph idx="1" type="body"/>
@@ -5391,7 +5129,7 @@
   <p:cSld>
     <p:spTree>
       <p:nvGrpSpPr>
-        <p:cNvPr id="57" name="Shape 57"/>
+        <p:cNvPr id="58" name="Shape 58"/>
         <p:cNvGrpSpPr/>
         <p:nvPr/>
       </p:nvGrpSpPr>
@@ -5405,7 +5143,7 @@
       </p:grpSpPr>
       <p:sp>
         <p:nvSpPr>
-          <p:cNvPr id="58" name="Google Shape;58;g2171faa0bd6_0_0:notes"/>
+          <p:cNvPr id="59" name="Google Shape;59;g2171faa0bd6_0_0:notes"/>
           <p:cNvSpPr/>
           <p:nvPr>
             <p:ph idx="2" type="sldImg"/>
@@ -5440,7 +5178,7 @@
       </p:sp>
       <p:sp>
         <p:nvSpPr>
-          <p:cNvPr id="59" name="Google Shape;59;g2171faa0bd6_0_0:notes"/>
+          <p:cNvPr id="60" name="Google Shape;60;g2171faa0bd6_0_0:notes"/>
           <p:cNvSpPr txBox="1"/>
           <p:nvPr>
             <p:ph idx="1" type="body"/>
@@ -5490,7 +5228,7 @@
   <p:cSld>
     <p:spTree>
       <p:nvGrpSpPr>
-        <p:cNvPr id="65" name="Shape 65"/>
+        <p:cNvPr id="66" name="Shape 66"/>
         <p:cNvGrpSpPr/>
         <p:nvPr/>
       </p:nvGrpSpPr>
@@ -5504,7 +5242,7 @@
       </p:grpSpPr>
       <p:sp>
         <p:nvSpPr>
-          <p:cNvPr id="66" name="Google Shape;66;g12fde7fa670_0_21:notes"/>
+          <p:cNvPr id="67" name="Google Shape;67;g12fde7fa670_0_21:notes"/>
           <p:cNvSpPr/>
           <p:nvPr>
             <p:ph idx="2" type="sldImg"/>
@@ -5539,7 +5277,7 @@
       </p:sp>
       <p:sp>
         <p:nvSpPr>
-          <p:cNvPr id="67" name="Google Shape;67;g12fde7fa670_0_21:notes"/>
+          <p:cNvPr id="68" name="Google Shape;68;g12fde7fa670_0_21:notes"/>
           <p:cNvSpPr txBox="1"/>
           <p:nvPr>
             <p:ph idx="1" type="body"/>
@@ -5613,7 +5351,7 @@
   <p:cSld>
     <p:spTree>
       <p:nvGrpSpPr>
-        <p:cNvPr id="73" name="Shape 73"/>
+        <p:cNvPr id="74" name="Shape 74"/>
         <p:cNvGrpSpPr/>
         <p:nvPr/>
       </p:nvGrpSpPr>
@@ -5627,7 +5365,7 @@
       </p:grpSpPr>
       <p:sp>
         <p:nvSpPr>
-          <p:cNvPr id="74" name="Google Shape;74;g2c329c9c1a4_0_3:notes"/>
+          <p:cNvPr id="75" name="Google Shape;75;g2c329c9c1a4_0_3:notes"/>
           <p:cNvSpPr/>
           <p:nvPr>
             <p:ph idx="2" type="sldImg"/>
@@ -5662,7 +5400,7 @@
       </p:sp>
       <p:sp>
         <p:nvSpPr>
-          <p:cNvPr id="75" name="Google Shape;75;g2c329c9c1a4_0_3:notes"/>
+          <p:cNvPr id="76" name="Google Shape;76;g2c329c9c1a4_0_3:notes"/>
           <p:cNvSpPr txBox="1"/>
           <p:nvPr>
             <p:ph idx="1" type="body"/>
@@ -5712,7 +5450,7 @@
   <p:cSld>
     <p:spTree>
       <p:nvGrpSpPr>
-        <p:cNvPr id="80" name="Shape 80"/>
+        <p:cNvPr id="81" name="Shape 81"/>
         <p:cNvGrpSpPr/>
         <p:nvPr/>
       </p:nvGrpSpPr>
@@ -5726,7 +5464,7 @@
       </p:grpSpPr>
       <p:sp>
         <p:nvSpPr>
-          <p:cNvPr id="81" name="Google Shape;81;g21749ba1ed4_0_8:notes"/>
+          <p:cNvPr id="82" name="Google Shape;82;g21749ba1ed4_0_8:notes"/>
           <p:cNvSpPr/>
           <p:nvPr>
             <p:ph idx="2" type="sldImg"/>
@@ -5761,7 +5499,7 @@
       </p:sp>
       <p:sp>
         <p:nvSpPr>
-          <p:cNvPr id="82" name="Google Shape;82;g21749ba1ed4_0_8:notes"/>
+          <p:cNvPr id="83" name="Google Shape;83;g21749ba1ed4_0_8:notes"/>
           <p:cNvSpPr txBox="1"/>
           <p:nvPr>
             <p:ph idx="1" type="body"/>
@@ -5811,7 +5549,7 @@
   <p:cSld>
     <p:spTree>
       <p:nvGrpSpPr>
-        <p:cNvPr id="88" name="Shape 88"/>
+        <p:cNvPr id="89" name="Shape 89"/>
         <p:cNvGrpSpPr/>
         <p:nvPr/>
       </p:nvGrpSpPr>
@@ -5825,7 +5563,7 @@
       </p:grpSpPr>
       <p:sp>
         <p:nvSpPr>
-          <p:cNvPr id="89" name="Google Shape;89;g10b1741a8de_0_12:notes"/>
+          <p:cNvPr id="90" name="Google Shape;90;g10b1741a8de_0_12:notes"/>
           <p:cNvSpPr/>
           <p:nvPr>
             <p:ph idx="2" type="sldImg"/>
@@ -5860,7 +5598,7 @@
       </p:sp>
       <p:sp>
         <p:nvSpPr>
-          <p:cNvPr id="90" name="Google Shape;90;g10b1741a8de_0_12:notes"/>
+          <p:cNvPr id="91" name="Google Shape;91;g10b1741a8de_0_12:notes"/>
           <p:cNvSpPr txBox="1"/>
           <p:nvPr>
             <p:ph idx="1" type="body"/>
@@ -6443,6 +6181,144 @@
           </a:p>
         </p:txBody>
       </p:sp>
+      <p:sp>
+        <p:nvSpPr>
+          <p:cNvPr id="16" name="Google Shape;16;p3"/>
+          <p:cNvSpPr txBox="1"/>
+          <p:nvPr>
+            <p:ph idx="12" type="sldNum"/>
+          </p:nvPr>
+        </p:nvSpPr>
+        <p:spPr>
+          <a:xfrm>
+            <a:off x="7315209" y="4229101"/>
+            <a:ext cx="1828800" cy="914400"/>
+          </a:xfrm>
+          <a:prstGeom prst="rect">
+            <a:avLst/>
+          </a:prstGeom>
+        </p:spPr>
+        <p:txBody>
+          <a:bodyPr anchorCtr="0" anchor="b" bIns="91425" lIns="91425" spcFirstLastPara="1" rIns="91425" wrap="square" tIns="91425">
+            <a:noAutofit/>
+          </a:bodyPr>
+          <a:lstStyle>
+            <a:lvl1pPr lvl="0" rtl="0" algn="r">
+              <a:buNone/>
+              <a:defRPr b="1" sz="2400">
+                <a:solidFill>
+                  <a:schemeClr val="dk1"/>
+                </a:solidFill>
+              </a:defRPr>
+            </a:lvl1pPr>
+            <a:lvl2pPr lvl="1" rtl="0" algn="r">
+              <a:buNone/>
+              <a:defRPr b="1" sz="2400">
+                <a:solidFill>
+                  <a:schemeClr val="dk1"/>
+                </a:solidFill>
+              </a:defRPr>
+            </a:lvl2pPr>
+            <a:lvl3pPr lvl="2" rtl="0" algn="r">
+              <a:buNone/>
+              <a:defRPr b="1" sz="2400">
+                <a:solidFill>
+                  <a:schemeClr val="dk1"/>
+                </a:solidFill>
+              </a:defRPr>
+            </a:lvl3pPr>
+            <a:lvl4pPr lvl="3" rtl="0" algn="r">
+              <a:buNone/>
+              <a:defRPr b="1" sz="2400">
+                <a:solidFill>
+                  <a:schemeClr val="dk1"/>
+                </a:solidFill>
+              </a:defRPr>
+            </a:lvl4pPr>
+            <a:lvl5pPr lvl="4" rtl="0" algn="r">
+              <a:buNone/>
+              <a:defRPr b="1" sz="2400">
+                <a:solidFill>
+                  <a:schemeClr val="dk1"/>
+                </a:solidFill>
+              </a:defRPr>
+            </a:lvl5pPr>
+            <a:lvl6pPr lvl="5" rtl="0" algn="r">
+              <a:buNone/>
+              <a:defRPr b="1" sz="2400">
+                <a:solidFill>
+                  <a:schemeClr val="dk1"/>
+                </a:solidFill>
+              </a:defRPr>
+            </a:lvl6pPr>
+            <a:lvl7pPr lvl="6" rtl="0" algn="r">
+              <a:buNone/>
+              <a:defRPr b="1" sz="2400">
+                <a:solidFill>
+                  <a:schemeClr val="dk1"/>
+                </a:solidFill>
+              </a:defRPr>
+            </a:lvl7pPr>
+            <a:lvl8pPr lvl="7" rtl="0" algn="r">
+              <a:buNone/>
+              <a:defRPr b="1" sz="2400">
+                <a:solidFill>
+                  <a:schemeClr val="dk1"/>
+                </a:solidFill>
+              </a:defRPr>
+            </a:lvl8pPr>
+            <a:lvl9pPr lvl="8" rtl="0" algn="r">
+              <a:buNone/>
+              <a:defRPr b="1" sz="2400">
+                <a:solidFill>
+                  <a:schemeClr val="dk1"/>
+                </a:solidFill>
+              </a:defRPr>
+            </a:lvl9pPr>
+          </a:lstStyle>
+          <a:p>
+            <a:pPr indent="0" lvl="0" marL="0" rtl="0" algn="r">
+              <a:spcBef>
+                <a:spcPts val="0"/>
+              </a:spcBef>
+              <a:spcAft>
+                <a:spcPts val="0"/>
+              </a:spcAft>
+              <a:buNone/>
+            </a:pPr>
+            <a:fld id="{00000000-1234-1234-1234-123412341234}" type="slidenum">
+              <a:rPr lang="en"/>
+              <a:t>‹#›</a:t>
+            </a:fld>
+            <a:endParaRPr/>
+          </a:p>
+          <a:p>
+            <a:pPr indent="0" lvl="0" marL="0" rtl="0" algn="r">
+              <a:spcBef>
+                <a:spcPts val="0"/>
+              </a:spcBef>
+              <a:spcAft>
+                <a:spcPts val="0"/>
+              </a:spcAft>
+              <a:buNone/>
+            </a:pPr>
+            <a:r>
+              <a:rPr b="0" lang="en" sz="1000" u="sng">
+                <a:solidFill>
+                  <a:schemeClr val="hlink"/>
+                </a:solidFill>
+                <a:hlinkClick r:id="rId2"/>
+              </a:rPr>
+              <a:t>uni1.de/nyt</a:t>
+            </a:r>
+            <a:r>
+              <a:rPr b="0" lang="en" sz="1000"/>
+              <a:t> </a:t>
+            </a:r>
+            <a:endParaRPr b="0" sz="1000"/>
+          </a:p>
+        </p:txBody>
+      </p:sp>
     </p:spTree>
   </p:cSld>
   <p:clrMapOvr>
@@ -6456,7 +6332,7 @@
   <p:cSld name="TITLE_AND_BODY">
     <p:spTree>
       <p:nvGrpSpPr>
-        <p:cNvPr id="16" name="Shape 16"/>
+        <p:cNvPr id="17" name="Shape 17"/>
         <p:cNvGrpSpPr/>
         <p:nvPr/>
       </p:nvGrpSpPr>
@@ -6470,7 +6346,7 @@
       </p:grpSpPr>
       <p:sp>
         <p:nvSpPr>
-          <p:cNvPr id="17" name="Google Shape;17;p4"/>
+          <p:cNvPr id="18" name="Google Shape;18;p4"/>
           <p:cNvSpPr txBox="1"/>
           <p:nvPr>
             <p:ph type="title"/>
@@ -6595,7 +6471,7 @@
       </p:sp>
       <p:sp>
         <p:nvSpPr>
-          <p:cNvPr id="18" name="Google Shape;18;p4"/>
+          <p:cNvPr id="19" name="Google Shape;19;p4"/>
           <p:cNvSpPr txBox="1"/>
           <p:nvPr>
             <p:ph idx="1" type="body"/>
@@ -6716,152 +6592,6 @@
             </a:lvl9pPr>
           </a:lstStyle>
           <a:p/>
-        </p:txBody>
-      </p:sp>
-      <p:sp>
-        <p:nvSpPr>
-          <p:cNvPr id="19" name="Google Shape;19;p4"/>
-          <p:cNvSpPr txBox="1"/>
-          <p:nvPr>
-            <p:ph idx="12" type="sldNum"/>
-          </p:nvPr>
-        </p:nvSpPr>
-        <p:spPr>
-          <a:xfrm>
-            <a:off x="7315202" y="4416550"/>
-            <a:ext cx="1828800" cy="731400"/>
-          </a:xfrm>
-          <a:prstGeom prst="rect">
-            <a:avLst/>
-          </a:prstGeom>
-        </p:spPr>
-        <p:txBody>
-          <a:bodyPr anchorCtr="0" anchor="b" bIns="91425" lIns="91425" spcFirstLastPara="1" rIns="91425" wrap="square" tIns="91425">
-            <a:noAutofit/>
-          </a:bodyPr>
-          <a:lstStyle>
-            <a:lvl1pPr lvl="0" rtl="0">
-              <a:buNone/>
-              <a:defRPr>
-                <a:solidFill>
-                  <a:schemeClr val="dk1"/>
-                </a:solidFill>
-              </a:defRPr>
-            </a:lvl1pPr>
-            <a:lvl2pPr lvl="1" rtl="0">
-              <a:buNone/>
-              <a:defRPr>
-                <a:solidFill>
-                  <a:schemeClr val="dk1"/>
-                </a:solidFill>
-              </a:defRPr>
-            </a:lvl2pPr>
-            <a:lvl3pPr lvl="2" rtl="0">
-              <a:buNone/>
-              <a:defRPr>
-                <a:solidFill>
-                  <a:schemeClr val="dk1"/>
-                </a:solidFill>
-              </a:defRPr>
-            </a:lvl3pPr>
-            <a:lvl4pPr lvl="3" rtl="0">
-              <a:buNone/>
-              <a:defRPr>
-                <a:solidFill>
-                  <a:schemeClr val="dk1"/>
-                </a:solidFill>
-              </a:defRPr>
-            </a:lvl4pPr>
-            <a:lvl5pPr lvl="4" rtl="0">
-              <a:buNone/>
-              <a:defRPr>
-                <a:solidFill>
-                  <a:schemeClr val="dk1"/>
-                </a:solidFill>
-              </a:defRPr>
-            </a:lvl5pPr>
-            <a:lvl6pPr lvl="5" rtl="0">
-              <a:buNone/>
-              <a:defRPr>
-                <a:solidFill>
-                  <a:schemeClr val="dk1"/>
-                </a:solidFill>
-              </a:defRPr>
-            </a:lvl6pPr>
-            <a:lvl7pPr lvl="6" rtl="0">
-              <a:buNone/>
-              <a:defRPr>
-                <a:solidFill>
-                  <a:schemeClr val="dk1"/>
-                </a:solidFill>
-              </a:defRPr>
-            </a:lvl7pPr>
-            <a:lvl8pPr lvl="7" rtl="0">
-              <a:buNone/>
-              <a:defRPr>
-                <a:solidFill>
-                  <a:schemeClr val="dk1"/>
-                </a:solidFill>
-              </a:defRPr>
-            </a:lvl8pPr>
-            <a:lvl9pPr lvl="8" rtl="0">
-              <a:buNone/>
-              <a:defRPr>
-                <a:solidFill>
-                  <a:schemeClr val="dk1"/>
-                </a:solidFill>
-              </a:defRPr>
-            </a:lvl9pPr>
-          </a:lstStyle>
-          <a:p>
-            <a:pPr indent="0" lvl="0" marL="0" rtl="0" algn="r">
-              <a:spcBef>
-                <a:spcPts val="0"/>
-              </a:spcBef>
-              <a:spcAft>
-                <a:spcPts val="0"/>
-              </a:spcAft>
-              <a:buNone/>
-            </a:pPr>
-            <a:fld id="{00000000-1234-1234-1234-123412341234}" type="slidenum">
-              <a:rPr lang="en"/>
-              <a:t>‹#›</a:t>
-            </a:fld>
-            <a:endParaRPr/>
-          </a:p>
-          <a:p>
-            <a:pPr indent="0" lvl="0" marL="0" rtl="0" algn="r">
-              <a:spcBef>
-                <a:spcPts val="0"/>
-              </a:spcBef>
-              <a:spcAft>
-                <a:spcPts val="0"/>
-              </a:spcAft>
-              <a:buNone/>
-            </a:pPr>
-            <a:r>
-              <a:rPr b="0" lang="en" sz="900" u="sng">
-                <a:solidFill>
-                  <a:schemeClr val="hlink"/>
-                </a:solidFill>
-                <a:hlinkClick r:id="rId2"/>
-              </a:rPr>
-              <a:t>https://profriehle.com</a:t>
-            </a:r>
-            <a:r>
-              <a:rPr b="0" lang="en" sz="900">
-                <a:solidFill>
-                  <a:schemeClr val="dk2"/>
-                </a:solidFill>
-              </a:rPr>
-              <a:t> </a:t>
-            </a:r>
-            <a:endParaRPr b="0" sz="900">
-              <a:solidFill>
-                <a:schemeClr val="dk2"/>
-              </a:solidFill>
-            </a:endParaRPr>
-          </a:p>
         </p:txBody>
       </p:sp>
       <p:sp>
@@ -6904,6 +6634,144 @@
               <a:t/>
             </a:r>
             <a:endParaRPr/>
+          </a:p>
+        </p:txBody>
+      </p:sp>
+      <p:sp>
+        <p:nvSpPr>
+          <p:cNvPr id="21" name="Google Shape;21;p4"/>
+          <p:cNvSpPr txBox="1"/>
+          <p:nvPr>
+            <p:ph idx="12" type="sldNum"/>
+          </p:nvPr>
+        </p:nvSpPr>
+        <p:spPr>
+          <a:xfrm>
+            <a:off x="7315209" y="4229101"/>
+            <a:ext cx="1828800" cy="914400"/>
+          </a:xfrm>
+          <a:prstGeom prst="rect">
+            <a:avLst/>
+          </a:prstGeom>
+        </p:spPr>
+        <p:txBody>
+          <a:bodyPr anchorCtr="0" anchor="b" bIns="91425" lIns="91425" spcFirstLastPara="1" rIns="91425" wrap="square" tIns="91425">
+            <a:noAutofit/>
+          </a:bodyPr>
+          <a:lstStyle>
+            <a:lvl1pPr lvl="0" rtl="0" algn="r">
+              <a:buNone/>
+              <a:defRPr b="1" sz="2400">
+                <a:solidFill>
+                  <a:schemeClr val="dk1"/>
+                </a:solidFill>
+              </a:defRPr>
+            </a:lvl1pPr>
+            <a:lvl2pPr lvl="1" rtl="0" algn="r">
+              <a:buNone/>
+              <a:defRPr b="1" sz="2400">
+                <a:solidFill>
+                  <a:schemeClr val="dk1"/>
+                </a:solidFill>
+              </a:defRPr>
+            </a:lvl2pPr>
+            <a:lvl3pPr lvl="2" rtl="0" algn="r">
+              <a:buNone/>
+              <a:defRPr b="1" sz="2400">
+                <a:solidFill>
+                  <a:schemeClr val="dk1"/>
+                </a:solidFill>
+              </a:defRPr>
+            </a:lvl3pPr>
+            <a:lvl4pPr lvl="3" rtl="0" algn="r">
+              <a:buNone/>
+              <a:defRPr b="1" sz="2400">
+                <a:solidFill>
+                  <a:schemeClr val="dk1"/>
+                </a:solidFill>
+              </a:defRPr>
+            </a:lvl4pPr>
+            <a:lvl5pPr lvl="4" rtl="0" algn="r">
+              <a:buNone/>
+              <a:defRPr b="1" sz="2400">
+                <a:solidFill>
+                  <a:schemeClr val="dk1"/>
+                </a:solidFill>
+              </a:defRPr>
+            </a:lvl5pPr>
+            <a:lvl6pPr lvl="5" rtl="0" algn="r">
+              <a:buNone/>
+              <a:defRPr b="1" sz="2400">
+                <a:solidFill>
+                  <a:schemeClr val="dk1"/>
+                </a:solidFill>
+              </a:defRPr>
+            </a:lvl6pPr>
+            <a:lvl7pPr lvl="6" rtl="0" algn="r">
+              <a:buNone/>
+              <a:defRPr b="1" sz="2400">
+                <a:solidFill>
+                  <a:schemeClr val="dk1"/>
+                </a:solidFill>
+              </a:defRPr>
+            </a:lvl7pPr>
+            <a:lvl8pPr lvl="7" rtl="0" algn="r">
+              <a:buNone/>
+              <a:defRPr b="1" sz="2400">
+                <a:solidFill>
+                  <a:schemeClr val="dk1"/>
+                </a:solidFill>
+              </a:defRPr>
+            </a:lvl8pPr>
+            <a:lvl9pPr lvl="8" rtl="0" algn="r">
+              <a:buNone/>
+              <a:defRPr b="1" sz="2400">
+                <a:solidFill>
+                  <a:schemeClr val="dk1"/>
+                </a:solidFill>
+              </a:defRPr>
+            </a:lvl9pPr>
+          </a:lstStyle>
+          <a:p>
+            <a:pPr indent="0" lvl="0" marL="0" rtl="0" algn="r">
+              <a:spcBef>
+                <a:spcPts val="0"/>
+              </a:spcBef>
+              <a:spcAft>
+                <a:spcPts val="0"/>
+              </a:spcAft>
+              <a:buNone/>
+            </a:pPr>
+            <a:fld id="{00000000-1234-1234-1234-123412341234}" type="slidenum">
+              <a:rPr lang="en"/>
+              <a:t>‹#›</a:t>
+            </a:fld>
+            <a:endParaRPr/>
+          </a:p>
+          <a:p>
+            <a:pPr indent="0" lvl="0" marL="0" rtl="0" algn="r">
+              <a:spcBef>
+                <a:spcPts val="0"/>
+              </a:spcBef>
+              <a:spcAft>
+                <a:spcPts val="0"/>
+              </a:spcAft>
+              <a:buNone/>
+            </a:pPr>
+            <a:r>
+              <a:rPr b="0" lang="en" sz="1000" u="sng">
+                <a:solidFill>
+                  <a:schemeClr val="hlink"/>
+                </a:solidFill>
+                <a:hlinkClick r:id="rId2"/>
+              </a:rPr>
+              <a:t>uni1.de/nyt</a:t>
+            </a:r>
+            <a:r>
+              <a:rPr b="0" lang="en" sz="1000"/>
+              <a:t> </a:t>
+            </a:r>
+            <a:endParaRPr b="0" sz="1000"/>
           </a:p>
         </p:txBody>
       </p:sp>
@@ -6920,7 +6788,7 @@
   <p:cSld name="TITLE_AND_TWO_COLUMNS">
     <p:spTree>
       <p:nvGrpSpPr>
-        <p:cNvPr id="21" name="Shape 21"/>
+        <p:cNvPr id="22" name="Shape 22"/>
         <p:cNvGrpSpPr/>
         <p:nvPr/>
       </p:nvGrpSpPr>
@@ -6934,7 +6802,7 @@
       </p:grpSpPr>
       <p:sp>
         <p:nvSpPr>
-          <p:cNvPr id="22" name="Google Shape;22;p5"/>
+          <p:cNvPr id="23" name="Google Shape;23;p5"/>
           <p:cNvSpPr txBox="1"/>
           <p:nvPr>
             <p:ph type="title"/>
@@ -7062,7 +6930,7 @@
       </p:sp>
       <p:sp>
         <p:nvSpPr>
-          <p:cNvPr id="23" name="Google Shape;23;p5"/>
+          <p:cNvPr id="24" name="Google Shape;24;p5"/>
           <p:cNvSpPr txBox="1"/>
           <p:nvPr>
             <p:ph idx="1" type="body"/>
@@ -7187,7 +7055,7 @@
       </p:sp>
       <p:sp>
         <p:nvSpPr>
-          <p:cNvPr id="24" name="Google Shape;24;p5"/>
+          <p:cNvPr id="25" name="Google Shape;25;p5"/>
           <p:cNvSpPr txBox="1"/>
           <p:nvPr>
             <p:ph idx="2" type="body"/>
@@ -7308,152 +7176,6 @@
             </a:lvl9pPr>
           </a:lstStyle>
           <a:p/>
-        </p:txBody>
-      </p:sp>
-      <p:sp>
-        <p:nvSpPr>
-          <p:cNvPr id="25" name="Google Shape;25;p5"/>
-          <p:cNvSpPr txBox="1"/>
-          <p:nvPr>
-            <p:ph idx="12" type="sldNum"/>
-          </p:nvPr>
-        </p:nvSpPr>
-        <p:spPr>
-          <a:xfrm>
-            <a:off x="7315202" y="4416550"/>
-            <a:ext cx="1828800" cy="731400"/>
-          </a:xfrm>
-          <a:prstGeom prst="rect">
-            <a:avLst/>
-          </a:prstGeom>
-        </p:spPr>
-        <p:txBody>
-          <a:bodyPr anchorCtr="0" anchor="b" bIns="91425" lIns="91425" spcFirstLastPara="1" rIns="91425" wrap="square" tIns="91425">
-            <a:noAutofit/>
-          </a:bodyPr>
-          <a:lstStyle>
-            <a:lvl1pPr lvl="0">
-              <a:buNone/>
-              <a:defRPr>
-                <a:solidFill>
-                  <a:schemeClr val="dk1"/>
-                </a:solidFill>
-              </a:defRPr>
-            </a:lvl1pPr>
-            <a:lvl2pPr lvl="1">
-              <a:buNone/>
-              <a:defRPr>
-                <a:solidFill>
-                  <a:schemeClr val="dk1"/>
-                </a:solidFill>
-              </a:defRPr>
-            </a:lvl2pPr>
-            <a:lvl3pPr lvl="2">
-              <a:buNone/>
-              <a:defRPr>
-                <a:solidFill>
-                  <a:schemeClr val="dk1"/>
-                </a:solidFill>
-              </a:defRPr>
-            </a:lvl3pPr>
-            <a:lvl4pPr lvl="3">
-              <a:buNone/>
-              <a:defRPr>
-                <a:solidFill>
-                  <a:schemeClr val="dk1"/>
-                </a:solidFill>
-              </a:defRPr>
-            </a:lvl4pPr>
-            <a:lvl5pPr lvl="4">
-              <a:buNone/>
-              <a:defRPr>
-                <a:solidFill>
-                  <a:schemeClr val="dk1"/>
-                </a:solidFill>
-              </a:defRPr>
-            </a:lvl5pPr>
-            <a:lvl6pPr lvl="5">
-              <a:buNone/>
-              <a:defRPr>
-                <a:solidFill>
-                  <a:schemeClr val="dk1"/>
-                </a:solidFill>
-              </a:defRPr>
-            </a:lvl6pPr>
-            <a:lvl7pPr lvl="6">
-              <a:buNone/>
-              <a:defRPr>
-                <a:solidFill>
-                  <a:schemeClr val="dk1"/>
-                </a:solidFill>
-              </a:defRPr>
-            </a:lvl7pPr>
-            <a:lvl8pPr lvl="7">
-              <a:buNone/>
-              <a:defRPr>
-                <a:solidFill>
-                  <a:schemeClr val="dk1"/>
-                </a:solidFill>
-              </a:defRPr>
-            </a:lvl8pPr>
-            <a:lvl9pPr lvl="8">
-              <a:buNone/>
-              <a:defRPr>
-                <a:solidFill>
-                  <a:schemeClr val="dk1"/>
-                </a:solidFill>
-              </a:defRPr>
-            </a:lvl9pPr>
-          </a:lstStyle>
-          <a:p>
-            <a:pPr indent="0" lvl="0" marL="0" rtl="0" algn="r">
-              <a:spcBef>
-                <a:spcPts val="0"/>
-              </a:spcBef>
-              <a:spcAft>
-                <a:spcPts val="0"/>
-              </a:spcAft>
-              <a:buNone/>
-            </a:pPr>
-            <a:fld id="{00000000-1234-1234-1234-123412341234}" type="slidenum">
-              <a:rPr lang="en"/>
-              <a:t>‹#›</a:t>
-            </a:fld>
-            <a:endParaRPr/>
-          </a:p>
-          <a:p>
-            <a:pPr indent="0" lvl="0" marL="0" rtl="0" algn="r">
-              <a:spcBef>
-                <a:spcPts val="0"/>
-              </a:spcBef>
-              <a:spcAft>
-                <a:spcPts val="0"/>
-              </a:spcAft>
-              <a:buNone/>
-            </a:pPr>
-            <a:r>
-              <a:rPr b="0" lang="en" sz="900" u="sng">
-                <a:solidFill>
-                  <a:schemeClr val="hlink"/>
-                </a:solidFill>
-                <a:hlinkClick r:id="rId2"/>
-              </a:rPr>
-              <a:t>https://profriehle.com</a:t>
-            </a:r>
-            <a:r>
-              <a:rPr b="0" lang="en" sz="900">
-                <a:solidFill>
-                  <a:schemeClr val="dk2"/>
-                </a:solidFill>
-              </a:rPr>
-              <a:t> </a:t>
-            </a:r>
-            <a:endParaRPr>
-              <a:solidFill>
-                <a:schemeClr val="dk2"/>
-              </a:solidFill>
-            </a:endParaRPr>
-          </a:p>
         </p:txBody>
       </p:sp>
       <p:sp>
@@ -7496,6 +7218,144 @@
               <a:t/>
             </a:r>
             <a:endParaRPr/>
+          </a:p>
+        </p:txBody>
+      </p:sp>
+      <p:sp>
+        <p:nvSpPr>
+          <p:cNvPr id="27" name="Google Shape;27;p5"/>
+          <p:cNvSpPr txBox="1"/>
+          <p:nvPr>
+            <p:ph idx="12" type="sldNum"/>
+          </p:nvPr>
+        </p:nvSpPr>
+        <p:spPr>
+          <a:xfrm>
+            <a:off x="7315209" y="4229101"/>
+            <a:ext cx="1828800" cy="914400"/>
+          </a:xfrm>
+          <a:prstGeom prst="rect">
+            <a:avLst/>
+          </a:prstGeom>
+        </p:spPr>
+        <p:txBody>
+          <a:bodyPr anchorCtr="0" anchor="b" bIns="91425" lIns="91425" spcFirstLastPara="1" rIns="91425" wrap="square" tIns="91425">
+            <a:noAutofit/>
+          </a:bodyPr>
+          <a:lstStyle>
+            <a:lvl1pPr lvl="0" rtl="0" algn="r">
+              <a:buNone/>
+              <a:defRPr b="1" sz="2400">
+                <a:solidFill>
+                  <a:schemeClr val="dk1"/>
+                </a:solidFill>
+              </a:defRPr>
+            </a:lvl1pPr>
+            <a:lvl2pPr lvl="1" rtl="0" algn="r">
+              <a:buNone/>
+              <a:defRPr b="1" sz="2400">
+                <a:solidFill>
+                  <a:schemeClr val="dk1"/>
+                </a:solidFill>
+              </a:defRPr>
+            </a:lvl2pPr>
+            <a:lvl3pPr lvl="2" rtl="0" algn="r">
+              <a:buNone/>
+              <a:defRPr b="1" sz="2400">
+                <a:solidFill>
+                  <a:schemeClr val="dk1"/>
+                </a:solidFill>
+              </a:defRPr>
+            </a:lvl3pPr>
+            <a:lvl4pPr lvl="3" rtl="0" algn="r">
+              <a:buNone/>
+              <a:defRPr b="1" sz="2400">
+                <a:solidFill>
+                  <a:schemeClr val="dk1"/>
+                </a:solidFill>
+              </a:defRPr>
+            </a:lvl4pPr>
+            <a:lvl5pPr lvl="4" rtl="0" algn="r">
+              <a:buNone/>
+              <a:defRPr b="1" sz="2400">
+                <a:solidFill>
+                  <a:schemeClr val="dk1"/>
+                </a:solidFill>
+              </a:defRPr>
+            </a:lvl5pPr>
+            <a:lvl6pPr lvl="5" rtl="0" algn="r">
+              <a:buNone/>
+              <a:defRPr b="1" sz="2400">
+                <a:solidFill>
+                  <a:schemeClr val="dk1"/>
+                </a:solidFill>
+              </a:defRPr>
+            </a:lvl6pPr>
+            <a:lvl7pPr lvl="6" rtl="0" algn="r">
+              <a:buNone/>
+              <a:defRPr b="1" sz="2400">
+                <a:solidFill>
+                  <a:schemeClr val="dk1"/>
+                </a:solidFill>
+              </a:defRPr>
+            </a:lvl7pPr>
+            <a:lvl8pPr lvl="7" rtl="0" algn="r">
+              <a:buNone/>
+              <a:defRPr b="1" sz="2400">
+                <a:solidFill>
+                  <a:schemeClr val="dk1"/>
+                </a:solidFill>
+              </a:defRPr>
+            </a:lvl8pPr>
+            <a:lvl9pPr lvl="8" rtl="0" algn="r">
+              <a:buNone/>
+              <a:defRPr b="1" sz="2400">
+                <a:solidFill>
+                  <a:schemeClr val="dk1"/>
+                </a:solidFill>
+              </a:defRPr>
+            </a:lvl9pPr>
+          </a:lstStyle>
+          <a:p>
+            <a:pPr indent="0" lvl="0" marL="0" rtl="0" algn="r">
+              <a:spcBef>
+                <a:spcPts val="0"/>
+              </a:spcBef>
+              <a:spcAft>
+                <a:spcPts val="0"/>
+              </a:spcAft>
+              <a:buNone/>
+            </a:pPr>
+            <a:fld id="{00000000-1234-1234-1234-123412341234}" type="slidenum">
+              <a:rPr lang="en"/>
+              <a:t>‹#›</a:t>
+            </a:fld>
+            <a:endParaRPr/>
+          </a:p>
+          <a:p>
+            <a:pPr indent="0" lvl="0" marL="0" rtl="0" algn="r">
+              <a:spcBef>
+                <a:spcPts val="0"/>
+              </a:spcBef>
+              <a:spcAft>
+                <a:spcPts val="0"/>
+              </a:spcAft>
+              <a:buNone/>
+            </a:pPr>
+            <a:r>
+              <a:rPr b="0" lang="en" sz="1000" u="sng">
+                <a:solidFill>
+                  <a:schemeClr val="hlink"/>
+                </a:solidFill>
+                <a:hlinkClick r:id="rId2"/>
+              </a:rPr>
+              <a:t>uni1.de/nyt</a:t>
+            </a:r>
+            <a:r>
+              <a:rPr b="0" lang="en" sz="1000"/>
+              <a:t> </a:t>
+            </a:r>
+            <a:endParaRPr b="0" sz="1000"/>
           </a:p>
         </p:txBody>
       </p:sp>
@@ -7512,7 +7372,7 @@
   <p:cSld name="TITLE_ONLY">
     <p:spTree>
       <p:nvGrpSpPr>
-        <p:cNvPr id="27" name="Shape 27"/>
+        <p:cNvPr id="28" name="Shape 28"/>
         <p:cNvGrpSpPr/>
         <p:nvPr/>
       </p:nvGrpSpPr>
@@ -7526,7 +7386,7 @@
       </p:grpSpPr>
       <p:sp>
         <p:nvSpPr>
-          <p:cNvPr id="28" name="Google Shape;28;p6"/>
+          <p:cNvPr id="29" name="Google Shape;29;p6"/>
           <p:cNvSpPr txBox="1"/>
           <p:nvPr>
             <p:ph type="title"/>
@@ -7647,152 +7507,6 @@
             </a:lvl9pPr>
           </a:lstStyle>
           <a:p/>
-        </p:txBody>
-      </p:sp>
-      <p:sp>
-        <p:nvSpPr>
-          <p:cNvPr id="29" name="Google Shape;29;p6"/>
-          <p:cNvSpPr txBox="1"/>
-          <p:nvPr>
-            <p:ph idx="12" type="sldNum"/>
-          </p:nvPr>
-        </p:nvSpPr>
-        <p:spPr>
-          <a:xfrm>
-            <a:off x="7315202" y="4416550"/>
-            <a:ext cx="1828800" cy="731400"/>
-          </a:xfrm>
-          <a:prstGeom prst="rect">
-            <a:avLst/>
-          </a:prstGeom>
-        </p:spPr>
-        <p:txBody>
-          <a:bodyPr anchorCtr="0" anchor="b" bIns="91425" lIns="91425" spcFirstLastPara="1" rIns="91425" wrap="square" tIns="91425">
-            <a:noAutofit/>
-          </a:bodyPr>
-          <a:lstStyle>
-            <a:lvl1pPr lvl="0">
-              <a:buNone/>
-              <a:defRPr>
-                <a:solidFill>
-                  <a:schemeClr val="dk1"/>
-                </a:solidFill>
-              </a:defRPr>
-            </a:lvl1pPr>
-            <a:lvl2pPr lvl="1">
-              <a:buNone/>
-              <a:defRPr>
-                <a:solidFill>
-                  <a:schemeClr val="dk1"/>
-                </a:solidFill>
-              </a:defRPr>
-            </a:lvl2pPr>
-            <a:lvl3pPr lvl="2">
-              <a:buNone/>
-              <a:defRPr>
-                <a:solidFill>
-                  <a:schemeClr val="dk1"/>
-                </a:solidFill>
-              </a:defRPr>
-            </a:lvl3pPr>
-            <a:lvl4pPr lvl="3">
-              <a:buNone/>
-              <a:defRPr>
-                <a:solidFill>
-                  <a:schemeClr val="dk1"/>
-                </a:solidFill>
-              </a:defRPr>
-            </a:lvl4pPr>
-            <a:lvl5pPr lvl="4">
-              <a:buNone/>
-              <a:defRPr>
-                <a:solidFill>
-                  <a:schemeClr val="dk1"/>
-                </a:solidFill>
-              </a:defRPr>
-            </a:lvl5pPr>
-            <a:lvl6pPr lvl="5">
-              <a:buNone/>
-              <a:defRPr>
-                <a:solidFill>
-                  <a:schemeClr val="dk1"/>
-                </a:solidFill>
-              </a:defRPr>
-            </a:lvl6pPr>
-            <a:lvl7pPr lvl="6">
-              <a:buNone/>
-              <a:defRPr>
-                <a:solidFill>
-                  <a:schemeClr val="dk1"/>
-                </a:solidFill>
-              </a:defRPr>
-            </a:lvl7pPr>
-            <a:lvl8pPr lvl="7">
-              <a:buNone/>
-              <a:defRPr>
-                <a:solidFill>
-                  <a:schemeClr val="dk1"/>
-                </a:solidFill>
-              </a:defRPr>
-            </a:lvl8pPr>
-            <a:lvl9pPr lvl="8">
-              <a:buNone/>
-              <a:defRPr>
-                <a:solidFill>
-                  <a:schemeClr val="dk1"/>
-                </a:solidFill>
-              </a:defRPr>
-            </a:lvl9pPr>
-          </a:lstStyle>
-          <a:p>
-            <a:pPr indent="0" lvl="0" marL="0" rtl="0" algn="r">
-              <a:spcBef>
-                <a:spcPts val="0"/>
-              </a:spcBef>
-              <a:spcAft>
-                <a:spcPts val="0"/>
-              </a:spcAft>
-              <a:buNone/>
-            </a:pPr>
-            <a:fld id="{00000000-1234-1234-1234-123412341234}" type="slidenum">
-              <a:rPr lang="en"/>
-              <a:t>‹#›</a:t>
-            </a:fld>
-            <a:endParaRPr/>
-          </a:p>
-          <a:p>
-            <a:pPr indent="0" lvl="0" marL="0" rtl="0" algn="r">
-              <a:spcBef>
-                <a:spcPts val="0"/>
-              </a:spcBef>
-              <a:spcAft>
-                <a:spcPts val="0"/>
-              </a:spcAft>
-              <a:buNone/>
-            </a:pPr>
-            <a:r>
-              <a:rPr b="0" lang="en" sz="900" u="sng">
-                <a:solidFill>
-                  <a:schemeClr val="hlink"/>
-                </a:solidFill>
-                <a:hlinkClick r:id="rId2"/>
-              </a:rPr>
-              <a:t>https://profriehle.com</a:t>
-            </a:r>
-            <a:r>
-              <a:rPr b="0" lang="en" sz="900">
-                <a:solidFill>
-                  <a:schemeClr val="dk2"/>
-                </a:solidFill>
-              </a:rPr>
-              <a:t> </a:t>
-            </a:r>
-            <a:endParaRPr>
-              <a:solidFill>
-                <a:schemeClr val="dk2"/>
-              </a:solidFill>
-            </a:endParaRPr>
-          </a:p>
         </p:txBody>
       </p:sp>
       <p:sp>
@@ -7835,6 +7549,144 @@
               <a:t/>
             </a:r>
             <a:endParaRPr/>
+          </a:p>
+        </p:txBody>
+      </p:sp>
+      <p:sp>
+        <p:nvSpPr>
+          <p:cNvPr id="31" name="Google Shape;31;p6"/>
+          <p:cNvSpPr txBox="1"/>
+          <p:nvPr>
+            <p:ph idx="12" type="sldNum"/>
+          </p:nvPr>
+        </p:nvSpPr>
+        <p:spPr>
+          <a:xfrm>
+            <a:off x="7315209" y="4229101"/>
+            <a:ext cx="1828800" cy="914400"/>
+          </a:xfrm>
+          <a:prstGeom prst="rect">
+            <a:avLst/>
+          </a:prstGeom>
+        </p:spPr>
+        <p:txBody>
+          <a:bodyPr anchorCtr="0" anchor="b" bIns="91425" lIns="91425" spcFirstLastPara="1" rIns="91425" wrap="square" tIns="91425">
+            <a:noAutofit/>
+          </a:bodyPr>
+          <a:lstStyle>
+            <a:lvl1pPr lvl="0" rtl="0" algn="r">
+              <a:buNone/>
+              <a:defRPr b="1" sz="2400">
+                <a:solidFill>
+                  <a:schemeClr val="dk1"/>
+                </a:solidFill>
+              </a:defRPr>
+            </a:lvl1pPr>
+            <a:lvl2pPr lvl="1" rtl="0" algn="r">
+              <a:buNone/>
+              <a:defRPr b="1" sz="2400">
+                <a:solidFill>
+                  <a:schemeClr val="dk1"/>
+                </a:solidFill>
+              </a:defRPr>
+            </a:lvl2pPr>
+            <a:lvl3pPr lvl="2" rtl="0" algn="r">
+              <a:buNone/>
+              <a:defRPr b="1" sz="2400">
+                <a:solidFill>
+                  <a:schemeClr val="dk1"/>
+                </a:solidFill>
+              </a:defRPr>
+            </a:lvl3pPr>
+            <a:lvl4pPr lvl="3" rtl="0" algn="r">
+              <a:buNone/>
+              <a:defRPr b="1" sz="2400">
+                <a:solidFill>
+                  <a:schemeClr val="dk1"/>
+                </a:solidFill>
+              </a:defRPr>
+            </a:lvl4pPr>
+            <a:lvl5pPr lvl="4" rtl="0" algn="r">
+              <a:buNone/>
+              <a:defRPr b="1" sz="2400">
+                <a:solidFill>
+                  <a:schemeClr val="dk1"/>
+                </a:solidFill>
+              </a:defRPr>
+            </a:lvl5pPr>
+            <a:lvl6pPr lvl="5" rtl="0" algn="r">
+              <a:buNone/>
+              <a:defRPr b="1" sz="2400">
+                <a:solidFill>
+                  <a:schemeClr val="dk1"/>
+                </a:solidFill>
+              </a:defRPr>
+            </a:lvl6pPr>
+            <a:lvl7pPr lvl="6" rtl="0" algn="r">
+              <a:buNone/>
+              <a:defRPr b="1" sz="2400">
+                <a:solidFill>
+                  <a:schemeClr val="dk1"/>
+                </a:solidFill>
+              </a:defRPr>
+            </a:lvl7pPr>
+            <a:lvl8pPr lvl="7" rtl="0" algn="r">
+              <a:buNone/>
+              <a:defRPr b="1" sz="2400">
+                <a:solidFill>
+                  <a:schemeClr val="dk1"/>
+                </a:solidFill>
+              </a:defRPr>
+            </a:lvl8pPr>
+            <a:lvl9pPr lvl="8" rtl="0" algn="r">
+              <a:buNone/>
+              <a:defRPr b="1" sz="2400">
+                <a:solidFill>
+                  <a:schemeClr val="dk1"/>
+                </a:solidFill>
+              </a:defRPr>
+            </a:lvl9pPr>
+          </a:lstStyle>
+          <a:p>
+            <a:pPr indent="0" lvl="0" marL="0" rtl="0" algn="r">
+              <a:spcBef>
+                <a:spcPts val="0"/>
+              </a:spcBef>
+              <a:spcAft>
+                <a:spcPts val="0"/>
+              </a:spcAft>
+              <a:buNone/>
+            </a:pPr>
+            <a:fld id="{00000000-1234-1234-1234-123412341234}" type="slidenum">
+              <a:rPr lang="en"/>
+              <a:t>‹#›</a:t>
+            </a:fld>
+            <a:endParaRPr/>
+          </a:p>
+          <a:p>
+            <a:pPr indent="0" lvl="0" marL="0" rtl="0" algn="r">
+              <a:spcBef>
+                <a:spcPts val="0"/>
+              </a:spcBef>
+              <a:spcAft>
+                <a:spcPts val="0"/>
+              </a:spcAft>
+              <a:buNone/>
+            </a:pPr>
+            <a:r>
+              <a:rPr b="0" lang="en" sz="1000" u="sng">
+                <a:solidFill>
+                  <a:schemeClr val="hlink"/>
+                </a:solidFill>
+                <a:hlinkClick r:id="rId2"/>
+              </a:rPr>
+              <a:t>uni1.de/nyt</a:t>
+            </a:r>
+            <a:r>
+              <a:rPr b="0" lang="en" sz="1000"/>
+              <a:t> </a:t>
+            </a:r>
+            <a:endParaRPr b="0" sz="1000"/>
           </a:p>
         </p:txBody>
       </p:sp>
@@ -7851,7 +7703,7 @@
   <p:cSld name="BLANK">
     <p:spTree>
       <p:nvGrpSpPr>
-        <p:cNvPr id="31" name="Shape 31"/>
+        <p:cNvPr id="32" name="Shape 32"/>
         <p:cNvGrpSpPr/>
         <p:nvPr/>
       </p:nvGrpSpPr>
@@ -8316,8 +8168,8 @@
         </p:nvSpPr>
         <p:spPr>
           <a:xfrm>
-            <a:off x="7315202" y="4416550"/>
-            <a:ext cx="1828800" cy="731400"/>
+            <a:off x="7315209" y="4229101"/>
+            <a:ext cx="1828800" cy="914400"/>
           </a:xfrm>
           <a:prstGeom prst="rect">
             <a:avLst/>
@@ -8336,7 +8188,7 @@
               <a:buNone/>
               <a:defRPr b="1" sz="2400">
                 <a:solidFill>
-                  <a:schemeClr val="dk2"/>
+                  <a:schemeClr val="dk1"/>
                 </a:solidFill>
               </a:defRPr>
             </a:lvl1pPr>
@@ -8344,7 +8196,7 @@
               <a:buNone/>
               <a:defRPr b="1" sz="2400">
                 <a:solidFill>
-                  <a:schemeClr val="dk2"/>
+                  <a:schemeClr val="dk1"/>
                 </a:solidFill>
               </a:defRPr>
             </a:lvl2pPr>
@@ -8352,7 +8204,7 @@
               <a:buNone/>
               <a:defRPr b="1" sz="2400">
                 <a:solidFill>
-                  <a:schemeClr val="dk2"/>
+                  <a:schemeClr val="dk1"/>
                 </a:solidFill>
               </a:defRPr>
             </a:lvl3pPr>
@@ -8360,7 +8212,7 @@
               <a:buNone/>
               <a:defRPr b="1" sz="2400">
                 <a:solidFill>
-                  <a:schemeClr val="dk2"/>
+                  <a:schemeClr val="dk1"/>
                 </a:solidFill>
               </a:defRPr>
             </a:lvl4pPr>
@@ -8368,7 +8220,7 @@
               <a:buNone/>
               <a:defRPr b="1" sz="2400">
                 <a:solidFill>
-                  <a:schemeClr val="dk2"/>
+                  <a:schemeClr val="dk1"/>
                 </a:solidFill>
               </a:defRPr>
             </a:lvl5pPr>
@@ -8376,7 +8228,7 @@
               <a:buNone/>
               <a:defRPr b="1" sz="2400">
                 <a:solidFill>
-                  <a:schemeClr val="dk2"/>
+                  <a:schemeClr val="dk1"/>
                 </a:solidFill>
               </a:defRPr>
             </a:lvl6pPr>
@@ -8384,7 +8236,7 @@
               <a:buNone/>
               <a:defRPr b="1" sz="2400">
                 <a:solidFill>
-                  <a:schemeClr val="dk2"/>
+                  <a:schemeClr val="dk1"/>
                 </a:solidFill>
               </a:defRPr>
             </a:lvl7pPr>
@@ -8392,7 +8244,7 @@
               <a:buNone/>
               <a:defRPr b="1" sz="2400">
                 <a:solidFill>
-                  <a:schemeClr val="dk2"/>
+                  <a:schemeClr val="dk1"/>
                 </a:solidFill>
               </a:defRPr>
             </a:lvl8pPr>
@@ -8400,7 +8252,7 @@
               <a:buNone/>
               <a:defRPr b="1" sz="2400">
                 <a:solidFill>
-                  <a:schemeClr val="dk2"/>
+                  <a:schemeClr val="dk1"/>
                 </a:solidFill>
               </a:defRPr>
             </a:lvl9pPr>
@@ -8432,19 +8284,19 @@
               <a:buNone/>
             </a:pPr>
             <a:r>
-              <a:rPr b="0" lang="en" sz="900" u="sng">
+              <a:rPr b="0" lang="en" sz="1000" u="sng">
                 <a:solidFill>
                   <a:schemeClr val="hlink"/>
                 </a:solidFill>
                 <a:hlinkClick r:id="rId1"/>
               </a:rPr>
-              <a:t>https://profriehle.com</a:t>
-            </a:r>
-            <a:r>
-              <a:rPr b="0" lang="en" sz="900"/>
+              <a:t>uni1.de/nyt</a:t>
+            </a:r>
+            <a:r>
+              <a:rPr b="0" lang="en" sz="1000"/>
               <a:t> </a:t>
             </a:r>
-            <a:endParaRPr b="0" sz="900"/>
+            <a:endParaRPr b="0" sz="1000"/>
           </a:p>
         </p:txBody>
       </p:sp>
@@ -9157,7 +9009,7 @@
   <p:cSld>
     <p:spTree>
       <p:nvGrpSpPr>
-        <p:cNvPr id="35" name="Shape 35"/>
+        <p:cNvPr id="36" name="Shape 36"/>
         <p:cNvGrpSpPr/>
         <p:nvPr/>
       </p:nvGrpSpPr>
@@ -9171,7 +9023,7 @@
       </p:grpSpPr>
       <p:sp>
         <p:nvSpPr>
-          <p:cNvPr id="36" name="Google Shape;36;p8"/>
+          <p:cNvPr id="37" name="Google Shape;37;p8"/>
           <p:cNvSpPr txBox="1"/>
           <p:nvPr>
             <p:ph type="ctrTitle"/>
@@ -9203,7 +9055,7 @@
             </a:pPr>
             <a:r>
               <a:rPr lang="en"/>
-              <a:t>Qualitative Survey</a:t>
+              <a:t>Qualitative Surveys</a:t>
             </a:r>
             <a:endParaRPr/>
           </a:p>
@@ -9211,7 +9063,7 @@
       </p:sp>
       <p:sp>
         <p:nvSpPr>
-          <p:cNvPr id="37" name="Google Shape;37;p8"/>
+          <p:cNvPr id="38" name="Google Shape;38;p8"/>
           <p:cNvSpPr txBox="1"/>
           <p:nvPr>
             <p:ph idx="1" type="subTitle"/>
@@ -9318,7 +9170,7 @@
   <p:cSld>
     <p:spTree>
       <p:nvGrpSpPr>
-        <p:cNvPr id="96" name="Shape 96"/>
+        <p:cNvPr id="97" name="Shape 97"/>
         <p:cNvGrpSpPr/>
         <p:nvPr/>
       </p:nvGrpSpPr>
@@ -9332,7 +9184,7 @@
       </p:grpSpPr>
       <p:sp>
         <p:nvSpPr>
-          <p:cNvPr id="97" name="Google Shape;97;p17"/>
+          <p:cNvPr id="98" name="Google Shape;98;p17"/>
           <p:cNvSpPr txBox="1"/>
           <p:nvPr>
             <p:ph type="title"/>
@@ -9372,7 +9224,7 @@
       </p:sp>
       <p:sp>
         <p:nvSpPr>
-          <p:cNvPr id="98" name="Google Shape;98;p17"/>
+          <p:cNvPr id="99" name="Google Shape;99;p17"/>
           <p:cNvSpPr txBox="1"/>
           <p:nvPr>
             <p:ph idx="1" type="body"/>
@@ -9487,7 +9339,7 @@
       </p:sp>
       <p:sp>
         <p:nvSpPr>
-          <p:cNvPr id="99" name="Google Shape;99;p17"/>
+          <p:cNvPr id="100" name="Google Shape;100;p17"/>
           <p:cNvSpPr txBox="1"/>
           <p:nvPr>
             <p:ph idx="12" type="sldNum"/>
@@ -9495,8 +9347,8 @@
         </p:nvSpPr>
         <p:spPr>
           <a:xfrm>
-            <a:off x="7315202" y="4416550"/>
-            <a:ext cx="1828800" cy="731400"/>
+            <a:off x="7315209" y="4229101"/>
+            <a:ext cx="1828800" cy="914400"/>
           </a:xfrm>
           <a:prstGeom prst="rect">
             <a:avLst/>
@@ -9534,27 +9386,19 @@
               <a:buNone/>
             </a:pPr>
             <a:r>
-              <a:rPr b="0" lang="en" sz="900" u="sng">
+              <a:rPr b="0" lang="en" sz="1000" u="sng">
                 <a:solidFill>
                   <a:schemeClr val="hlink"/>
                 </a:solidFill>
                 <a:hlinkClick r:id="rId3"/>
               </a:rPr>
-              <a:t>https://profriehle.com</a:t>
-            </a:r>
-            <a:r>
-              <a:rPr b="0" lang="en" sz="900">
-                <a:solidFill>
-                  <a:schemeClr val="dk2"/>
-                </a:solidFill>
-              </a:rPr>
+              <a:t>uni1.de/nyt</a:t>
+            </a:r>
+            <a:r>
+              <a:rPr b="0" lang="en" sz="1000"/>
               <a:t> </a:t>
             </a:r>
-            <a:endParaRPr b="0" sz="900">
-              <a:solidFill>
-                <a:schemeClr val="dk2"/>
-              </a:solidFill>
-            </a:endParaRPr>
+            <a:endParaRPr b="0" sz="1000"/>
           </a:p>
         </p:txBody>
       </p:sp>
@@ -9571,7 +9415,7 @@
   <p:cSld>
     <p:spTree>
       <p:nvGrpSpPr>
-        <p:cNvPr id="103" name="Shape 103"/>
+        <p:cNvPr id="104" name="Shape 104"/>
         <p:cNvGrpSpPr/>
         <p:nvPr/>
       </p:nvGrpSpPr>
@@ -9585,7 +9429,7 @@
       </p:grpSpPr>
       <p:sp>
         <p:nvSpPr>
-          <p:cNvPr id="104" name="Google Shape;104;p18"/>
+          <p:cNvPr id="105" name="Google Shape;105;p18"/>
           <p:cNvSpPr txBox="1"/>
           <p:nvPr>
             <p:ph type="title"/>
@@ -9633,7 +9477,7 @@
       </p:sp>
       <p:sp>
         <p:nvSpPr>
-          <p:cNvPr id="105" name="Google Shape;105;p18"/>
+          <p:cNvPr id="106" name="Google Shape;106;p18"/>
           <p:cNvSpPr txBox="1"/>
           <p:nvPr>
             <p:ph idx="1" type="body"/>
@@ -9737,7 +9581,7 @@
       </p:sp>
       <p:sp>
         <p:nvSpPr>
-          <p:cNvPr id="106" name="Google Shape;106;p18"/>
+          <p:cNvPr id="107" name="Google Shape;107;p18"/>
           <p:cNvSpPr txBox="1"/>
           <p:nvPr>
             <p:ph idx="12" type="sldNum"/>
@@ -9745,8 +9589,8 @@
         </p:nvSpPr>
         <p:spPr>
           <a:xfrm>
-            <a:off x="7315202" y="4416550"/>
-            <a:ext cx="1828800" cy="731400"/>
+            <a:off x="7315209" y="4229101"/>
+            <a:ext cx="1828800" cy="914400"/>
           </a:xfrm>
           <a:prstGeom prst="rect">
             <a:avLst/>
@@ -9784,33 +9628,25 @@
               <a:buNone/>
             </a:pPr>
             <a:r>
-              <a:rPr b="0" lang="en" sz="900" u="sng">
+              <a:rPr b="0" lang="en" sz="1000" u="sng">
                 <a:solidFill>
                   <a:schemeClr val="hlink"/>
                 </a:solidFill>
                 <a:hlinkClick r:id="rId3"/>
               </a:rPr>
-              <a:t>https://profriehle.com</a:t>
-            </a:r>
-            <a:r>
-              <a:rPr b="0" lang="en" sz="900">
-                <a:solidFill>
-                  <a:schemeClr val="dk2"/>
-                </a:solidFill>
-              </a:rPr>
+              <a:t>uni1.de/nyt</a:t>
+            </a:r>
+            <a:r>
+              <a:rPr b="0" lang="en" sz="1000"/>
               <a:t> </a:t>
             </a:r>
-            <a:endParaRPr b="0" sz="900">
-              <a:solidFill>
-                <a:schemeClr val="dk2"/>
-              </a:solidFill>
-            </a:endParaRPr>
+            <a:endParaRPr b="0" sz="1000"/>
           </a:p>
         </p:txBody>
       </p:sp>
       <p:sp>
         <p:nvSpPr>
-          <p:cNvPr id="107" name="Google Shape;107;p18"/>
+          <p:cNvPr id="108" name="Google Shape;108;p18"/>
           <p:cNvSpPr txBox="1"/>
           <p:nvPr/>
         </p:nvSpPr>
@@ -9863,7 +9699,7 @@
   <p:cSld>
     <p:spTree>
       <p:nvGrpSpPr>
-        <p:cNvPr id="111" name="Shape 111"/>
+        <p:cNvPr id="112" name="Shape 112"/>
         <p:cNvGrpSpPr/>
         <p:nvPr/>
       </p:nvGrpSpPr>
@@ -9877,7 +9713,7 @@
       </p:grpSpPr>
       <p:sp>
         <p:nvSpPr>
-          <p:cNvPr id="112" name="Google Shape;112;p19"/>
+          <p:cNvPr id="113" name="Google Shape;113;p19"/>
           <p:cNvSpPr txBox="1"/>
           <p:nvPr>
             <p:ph type="title"/>
@@ -9917,7 +9753,7 @@
       </p:sp>
       <p:sp>
         <p:nvSpPr>
-          <p:cNvPr id="113" name="Google Shape;113;p19"/>
+          <p:cNvPr id="114" name="Google Shape;114;p19"/>
           <p:cNvSpPr txBox="1"/>
           <p:nvPr>
             <p:ph idx="1" type="body"/>
@@ -10042,7 +9878,7 @@
       </p:sp>
       <p:sp>
         <p:nvSpPr>
-          <p:cNvPr id="114" name="Google Shape;114;p19"/>
+          <p:cNvPr id="115" name="Google Shape;115;p19"/>
           <p:cNvSpPr txBox="1"/>
           <p:nvPr>
             <p:ph idx="12" type="sldNum"/>
@@ -10050,8 +9886,8 @@
         </p:nvSpPr>
         <p:spPr>
           <a:xfrm>
-            <a:off x="7315202" y="4416550"/>
-            <a:ext cx="1828800" cy="731400"/>
+            <a:off x="7315209" y="4229101"/>
+            <a:ext cx="1828800" cy="914400"/>
           </a:xfrm>
           <a:prstGeom prst="rect">
             <a:avLst/>
@@ -10089,27 +9925,19 @@
               <a:buNone/>
             </a:pPr>
             <a:r>
-              <a:rPr b="0" lang="en" sz="900" u="sng">
+              <a:rPr b="0" lang="en" sz="1000" u="sng">
                 <a:solidFill>
                   <a:schemeClr val="hlink"/>
                 </a:solidFill>
                 <a:hlinkClick r:id="rId3"/>
               </a:rPr>
-              <a:t>https://profriehle.com</a:t>
-            </a:r>
-            <a:r>
-              <a:rPr b="0" lang="en" sz="900">
-                <a:solidFill>
-                  <a:schemeClr val="dk2"/>
-                </a:solidFill>
-              </a:rPr>
+              <a:t>uni1.de/nyt</a:t>
+            </a:r>
+            <a:r>
+              <a:rPr b="0" lang="en" sz="1000"/>
               <a:t> </a:t>
             </a:r>
-            <a:endParaRPr b="0" sz="900">
-              <a:solidFill>
-                <a:schemeClr val="dk2"/>
-              </a:solidFill>
-            </a:endParaRPr>
+            <a:endParaRPr b="0" sz="1000"/>
           </a:p>
         </p:txBody>
       </p:sp>
@@ -10126,7 +9954,7 @@
   <p:cSld>
     <p:spTree>
       <p:nvGrpSpPr>
-        <p:cNvPr id="118" name="Shape 118"/>
+        <p:cNvPr id="119" name="Shape 119"/>
         <p:cNvGrpSpPr/>
         <p:nvPr/>
       </p:nvGrpSpPr>
@@ -10140,7 +9968,7 @@
       </p:grpSpPr>
       <p:sp>
         <p:nvSpPr>
-          <p:cNvPr id="119" name="Google Shape;119;p20"/>
+          <p:cNvPr id="120" name="Google Shape;120;p20"/>
           <p:cNvSpPr txBox="1"/>
           <p:nvPr>
             <p:ph type="title"/>
@@ -10180,7 +10008,7 @@
       </p:sp>
       <p:sp>
         <p:nvSpPr>
-          <p:cNvPr id="120" name="Google Shape;120;p20"/>
+          <p:cNvPr id="121" name="Google Shape;121;p20"/>
           <p:cNvSpPr txBox="1"/>
           <p:nvPr>
             <p:ph idx="1" type="body"/>
@@ -10342,7 +10170,7 @@
       </p:sp>
       <p:sp>
         <p:nvSpPr>
-          <p:cNvPr id="121" name="Google Shape;121;p20"/>
+          <p:cNvPr id="122" name="Google Shape;122;p20"/>
           <p:cNvSpPr txBox="1"/>
           <p:nvPr>
             <p:ph idx="12" type="sldNum"/>
@@ -10350,8 +10178,8 @@
         </p:nvSpPr>
         <p:spPr>
           <a:xfrm>
-            <a:off x="7315202" y="4416550"/>
-            <a:ext cx="1828800" cy="731400"/>
+            <a:off x="7315209" y="4229101"/>
+            <a:ext cx="1828800" cy="914400"/>
           </a:xfrm>
           <a:prstGeom prst="rect">
             <a:avLst/>
@@ -10389,33 +10217,25 @@
               <a:buNone/>
             </a:pPr>
             <a:r>
-              <a:rPr b="0" lang="en" sz="900" u="sng">
+              <a:rPr b="0" lang="en" sz="1000" u="sng">
                 <a:solidFill>
                   <a:schemeClr val="hlink"/>
                 </a:solidFill>
                 <a:hlinkClick r:id="rId3"/>
               </a:rPr>
-              <a:t>https://profriehle.com</a:t>
-            </a:r>
-            <a:r>
-              <a:rPr b="0" lang="en" sz="900">
-                <a:solidFill>
-                  <a:schemeClr val="dk2"/>
-                </a:solidFill>
-              </a:rPr>
+              <a:t>uni1.de/nyt</a:t>
+            </a:r>
+            <a:r>
+              <a:rPr b="0" lang="en" sz="1000"/>
               <a:t> </a:t>
             </a:r>
-            <a:endParaRPr b="0" sz="900">
-              <a:solidFill>
-                <a:schemeClr val="dk2"/>
-              </a:solidFill>
-            </a:endParaRPr>
+            <a:endParaRPr b="0" sz="1000"/>
           </a:p>
         </p:txBody>
       </p:sp>
       <p:sp>
         <p:nvSpPr>
-          <p:cNvPr id="122" name="Google Shape;122;p20"/>
+          <p:cNvPr id="123" name="Google Shape;123;p20"/>
           <p:cNvSpPr txBox="1"/>
           <p:nvPr/>
         </p:nvSpPr>
@@ -10468,7 +10288,7 @@
   <p:cSld>
     <p:spTree>
       <p:nvGrpSpPr>
-        <p:cNvPr id="126" name="Shape 126"/>
+        <p:cNvPr id="127" name="Shape 127"/>
         <p:cNvGrpSpPr/>
         <p:nvPr/>
       </p:nvGrpSpPr>
@@ -10482,7 +10302,7 @@
       </p:grpSpPr>
       <p:sp>
         <p:nvSpPr>
-          <p:cNvPr id="127" name="Google Shape;127;p21"/>
+          <p:cNvPr id="128" name="Google Shape;128;p21"/>
           <p:cNvSpPr txBox="1"/>
           <p:nvPr>
             <p:ph type="title"/>
@@ -10522,7 +10342,7 @@
       </p:sp>
       <p:sp>
         <p:nvSpPr>
-          <p:cNvPr id="128" name="Google Shape;128;p21"/>
+          <p:cNvPr id="129" name="Google Shape;129;p21"/>
           <p:cNvSpPr txBox="1"/>
           <p:nvPr>
             <p:ph idx="12" type="sldNum"/>
@@ -10530,8 +10350,8 @@
         </p:nvSpPr>
         <p:spPr>
           <a:xfrm>
-            <a:off x="7315202" y="4416550"/>
-            <a:ext cx="1828800" cy="731400"/>
+            <a:off x="7315209" y="4229101"/>
+            <a:ext cx="1828800" cy="914400"/>
           </a:xfrm>
           <a:prstGeom prst="rect">
             <a:avLst/>
@@ -10569,33 +10389,25 @@
               <a:buNone/>
             </a:pPr>
             <a:r>
-              <a:rPr b="0" lang="en" sz="900" u="sng">
+              <a:rPr b="0" lang="en" sz="1000" u="sng">
                 <a:solidFill>
                   <a:schemeClr val="hlink"/>
                 </a:solidFill>
                 <a:hlinkClick r:id="rId3"/>
               </a:rPr>
-              <a:t>https://profriehle.com</a:t>
-            </a:r>
-            <a:r>
-              <a:rPr b="0" lang="en" sz="900">
-                <a:solidFill>
-                  <a:schemeClr val="dk2"/>
-                </a:solidFill>
-              </a:rPr>
+              <a:t>uni1.de/nyt</a:t>
+            </a:r>
+            <a:r>
+              <a:rPr b="0" lang="en" sz="1000"/>
               <a:t> </a:t>
             </a:r>
-            <a:endParaRPr>
-              <a:solidFill>
-                <a:schemeClr val="dk2"/>
-              </a:solidFill>
-            </a:endParaRPr>
+            <a:endParaRPr b="0" sz="1000"/>
           </a:p>
         </p:txBody>
       </p:sp>
       <p:graphicFrame>
         <p:nvGraphicFramePr>
-          <p:cNvPr id="129" name="Google Shape;129;p21"/>
+          <p:cNvPr id="130" name="Google Shape;130;p21"/>
           <p:cNvGraphicFramePr/>
           <p:nvPr/>
         </p:nvGraphicFramePr>
@@ -10608,7 +10420,7 @@
             <a:tbl>
               <a:tblPr>
                 <a:noFill/>
-                <a:tableStyleId>{76C0D67B-39C2-4360-A60F-3FD4491F70BC}</a:tableStyleId>
+                <a:tableStyleId>{AE168904-E788-4300-90B8-15F616D5DE38}</a:tableStyleId>
               </a:tblPr>
               <a:tblGrid>
                 <a:gridCol w="2148825"/>
@@ -10755,7 +10567,7 @@
                       <a:tailEnd len="sm" w="sm" type="none"/>
                     </a:lnB>
                     <a:solidFill>
-                      <a:schemeClr val="dk2"/>
+                      <a:schemeClr val="accent5"/>
                     </a:solidFill>
                   </a:tcPr>
                 </a:tc>
@@ -11991,7 +11803,7 @@
                       </a:pPr>
                       <a:r>
                         <a:rPr lang="en"/>
-                        <a:t>Hypotheses</a:t>
+                        <a:t>Theory and hypotheses</a:t>
                       </a:r>
                       <a:endParaRPr/>
                     </a:p>
@@ -12173,7 +11985,7 @@
   <p:cSld>
     <p:spTree>
       <p:nvGrpSpPr>
-        <p:cNvPr id="133" name="Shape 133"/>
+        <p:cNvPr id="134" name="Shape 134"/>
         <p:cNvGrpSpPr/>
         <p:nvPr/>
       </p:nvGrpSpPr>
@@ -12187,7 +11999,7 @@
       </p:grpSpPr>
       <p:sp>
         <p:nvSpPr>
-          <p:cNvPr id="134" name="Google Shape;134;p22"/>
+          <p:cNvPr id="135" name="Google Shape;135;p22"/>
           <p:cNvSpPr txBox="1"/>
           <p:nvPr>
             <p:ph type="title"/>
@@ -12227,7 +12039,7 @@
       </p:sp>
       <p:graphicFrame>
         <p:nvGraphicFramePr>
-          <p:cNvPr id="135" name="Google Shape;135;p22"/>
+          <p:cNvPr id="136" name="Google Shape;136;p22"/>
           <p:cNvGraphicFramePr/>
           <p:nvPr/>
         </p:nvGraphicFramePr>
@@ -12240,7 +12052,7 @@
             <a:tbl>
               <a:tblPr>
                 <a:noFill/>
-                <a:tableStyleId>{76C0D67B-39C2-4360-A60F-3FD4491F70BC}</a:tableStyleId>
+                <a:tableStyleId>{AE168904-E788-4300-90B8-15F616D5DE38}</a:tableStyleId>
               </a:tblPr>
               <a:tblGrid>
                 <a:gridCol w="2865100"/>
@@ -13429,7 +13241,7 @@
       </p:graphicFrame>
       <p:sp>
         <p:nvSpPr>
-          <p:cNvPr id="136" name="Google Shape;136;p22"/>
+          <p:cNvPr id="137" name="Google Shape;137;p22"/>
           <p:cNvSpPr txBox="1"/>
           <p:nvPr>
             <p:ph idx="12" type="sldNum"/>
@@ -13437,8 +13249,8 @@
         </p:nvSpPr>
         <p:spPr>
           <a:xfrm>
-            <a:off x="7315202" y="4416550"/>
-            <a:ext cx="1828800" cy="731400"/>
+            <a:off x="7315209" y="4229101"/>
+            <a:ext cx="1828800" cy="914400"/>
           </a:xfrm>
           <a:prstGeom prst="rect">
             <a:avLst/>
@@ -13476,27 +13288,19 @@
               <a:buNone/>
             </a:pPr>
             <a:r>
-              <a:rPr b="0" lang="en" sz="900" u="sng">
+              <a:rPr b="0" lang="en" sz="1000" u="sng">
                 <a:solidFill>
                   <a:schemeClr val="hlink"/>
                 </a:solidFill>
                 <a:hlinkClick r:id="rId3"/>
               </a:rPr>
-              <a:t>https://profriehle.com</a:t>
-            </a:r>
-            <a:r>
-              <a:rPr b="0" lang="en" sz="900">
-                <a:solidFill>
-                  <a:schemeClr val="dk2"/>
-                </a:solidFill>
-              </a:rPr>
+              <a:t>uni1.de/nyt</a:t>
+            </a:r>
+            <a:r>
+              <a:rPr b="0" lang="en" sz="1000"/>
               <a:t> </a:t>
             </a:r>
-            <a:endParaRPr>
-              <a:solidFill>
-                <a:schemeClr val="dk2"/>
-              </a:solidFill>
-            </a:endParaRPr>
+            <a:endParaRPr b="0" sz="1000"/>
           </a:p>
         </p:txBody>
       </p:sp>
@@ -13513,7 +13317,7 @@
   <p:cSld>
     <p:spTree>
       <p:nvGrpSpPr>
-        <p:cNvPr id="140" name="Shape 140"/>
+        <p:cNvPr id="141" name="Shape 141"/>
         <p:cNvGrpSpPr/>
         <p:nvPr/>
       </p:nvGrpSpPr>
@@ -13527,7 +13331,7 @@
       </p:grpSpPr>
       <p:sp>
         <p:nvSpPr>
-          <p:cNvPr id="141" name="Google Shape;141;p23"/>
+          <p:cNvPr id="142" name="Google Shape;142;p23"/>
           <p:cNvSpPr txBox="1"/>
           <p:nvPr>
             <p:ph type="title"/>
@@ -13582,7 +13386,7 @@
   <p:cSld>
     <p:spTree>
       <p:nvGrpSpPr>
-        <p:cNvPr id="145" name="Shape 145"/>
+        <p:cNvPr id="146" name="Shape 146"/>
         <p:cNvGrpSpPr/>
         <p:nvPr/>
       </p:nvGrpSpPr>
@@ -13596,7 +13400,7 @@
       </p:grpSpPr>
       <p:sp>
         <p:nvSpPr>
-          <p:cNvPr id="146" name="Google Shape;146;p24"/>
+          <p:cNvPr id="147" name="Google Shape;147;p24"/>
           <p:cNvSpPr txBox="1"/>
           <p:nvPr>
             <p:ph idx="1" type="body"/>
@@ -13727,7 +13531,7 @@
       </p:sp>
       <p:sp>
         <p:nvSpPr>
-          <p:cNvPr id="147" name="Google Shape;147;p24"/>
+          <p:cNvPr id="148" name="Google Shape;148;p24"/>
           <p:cNvSpPr txBox="1"/>
           <p:nvPr>
             <p:ph type="title"/>
@@ -13767,7 +13571,7 @@
       </p:sp>
       <p:sp>
         <p:nvSpPr>
-          <p:cNvPr id="148" name="Google Shape;148;p24"/>
+          <p:cNvPr id="149" name="Google Shape;149;p24"/>
           <p:cNvSpPr txBox="1"/>
           <p:nvPr>
             <p:ph idx="12" type="sldNum"/>
@@ -13775,8 +13579,8 @@
         </p:nvSpPr>
         <p:spPr>
           <a:xfrm>
-            <a:off x="7315202" y="4416550"/>
-            <a:ext cx="1828800" cy="731400"/>
+            <a:off x="7315209" y="4229101"/>
+            <a:ext cx="1828800" cy="914400"/>
           </a:xfrm>
           <a:prstGeom prst="rect">
             <a:avLst/>
@@ -13814,33 +13618,25 @@
               <a:buNone/>
             </a:pPr>
             <a:r>
-              <a:rPr b="0" lang="en" sz="900" u="sng">
+              <a:rPr b="0" lang="en" sz="1000" u="sng">
                 <a:solidFill>
                   <a:schemeClr val="hlink"/>
                 </a:solidFill>
                 <a:hlinkClick r:id="rId3"/>
               </a:rPr>
-              <a:t>https://profriehle.com</a:t>
-            </a:r>
-            <a:r>
-              <a:rPr b="0" lang="en" sz="900">
-                <a:solidFill>
-                  <a:schemeClr val="dk2"/>
-                </a:solidFill>
-              </a:rPr>
+              <a:t>uni1.de/nyt</a:t>
+            </a:r>
+            <a:r>
+              <a:rPr b="0" lang="en" sz="1000"/>
               <a:t> </a:t>
             </a:r>
-            <a:endParaRPr b="0" sz="900">
-              <a:solidFill>
-                <a:schemeClr val="dk2"/>
-              </a:solidFill>
-            </a:endParaRPr>
+            <a:endParaRPr b="0" sz="1000"/>
           </a:p>
         </p:txBody>
       </p:sp>
       <p:pic>
         <p:nvPicPr>
-          <p:cNvPr id="149" name="Google Shape;149;p24"/>
+          <p:cNvPr id="150" name="Google Shape;150;p24"/>
           <p:cNvPicPr preferRelativeResize="0"/>
           <p:nvPr/>
         </p:nvPicPr>
@@ -13879,7 +13675,7 @@
   <p:cSld>
     <p:spTree>
       <p:nvGrpSpPr>
-        <p:cNvPr id="153" name="Shape 153"/>
+        <p:cNvPr id="154" name="Shape 154"/>
         <p:cNvGrpSpPr/>
         <p:nvPr/>
       </p:nvGrpSpPr>
@@ -13893,7 +13689,7 @@
       </p:grpSpPr>
       <p:sp>
         <p:nvSpPr>
-          <p:cNvPr id="154" name="Google Shape;154;p25"/>
+          <p:cNvPr id="155" name="Google Shape;155;p25"/>
           <p:cNvSpPr txBox="1"/>
           <p:nvPr>
             <p:ph idx="1" type="body"/>
@@ -14012,7 +13808,7 @@
       </p:sp>
       <p:sp>
         <p:nvSpPr>
-          <p:cNvPr id="155" name="Google Shape;155;p25"/>
+          <p:cNvPr id="156" name="Google Shape;156;p25"/>
           <p:cNvSpPr txBox="1"/>
           <p:nvPr>
             <p:ph type="title"/>
@@ -14052,7 +13848,7 @@
       </p:sp>
       <p:sp>
         <p:nvSpPr>
-          <p:cNvPr id="156" name="Google Shape;156;p25"/>
+          <p:cNvPr id="157" name="Google Shape;157;p25"/>
           <p:cNvSpPr txBox="1"/>
           <p:nvPr>
             <p:ph idx="12" type="sldNum"/>
@@ -14060,8 +13856,8 @@
         </p:nvSpPr>
         <p:spPr>
           <a:xfrm>
-            <a:off x="7315202" y="4416550"/>
-            <a:ext cx="1828800" cy="731400"/>
+            <a:off x="7315209" y="4229101"/>
+            <a:ext cx="1828800" cy="914400"/>
           </a:xfrm>
           <a:prstGeom prst="rect">
             <a:avLst/>
@@ -14099,27 +13895,19 @@
               <a:buNone/>
             </a:pPr>
             <a:r>
-              <a:rPr b="0" lang="en" sz="900" u="sng">
+              <a:rPr b="0" lang="en" sz="1000" u="sng">
                 <a:solidFill>
                   <a:schemeClr val="hlink"/>
                 </a:solidFill>
                 <a:hlinkClick r:id="rId3"/>
               </a:rPr>
-              <a:t>https://profriehle.com</a:t>
-            </a:r>
-            <a:r>
-              <a:rPr b="0" lang="en" sz="900">
-                <a:solidFill>
-                  <a:schemeClr val="dk2"/>
-                </a:solidFill>
-              </a:rPr>
+              <a:t>uni1.de/nyt</a:t>
+            </a:r>
+            <a:r>
+              <a:rPr b="0" lang="en" sz="1000"/>
               <a:t> </a:t>
             </a:r>
-            <a:endParaRPr b="0" sz="900">
-              <a:solidFill>
-                <a:schemeClr val="dk2"/>
-              </a:solidFill>
-            </a:endParaRPr>
+            <a:endParaRPr b="0" sz="1000"/>
           </a:p>
         </p:txBody>
       </p:sp>
@@ -14136,7 +13924,7 @@
   <p:cSld>
     <p:spTree>
       <p:nvGrpSpPr>
-        <p:cNvPr id="160" name="Shape 160"/>
+        <p:cNvPr id="161" name="Shape 161"/>
         <p:cNvGrpSpPr/>
         <p:nvPr/>
       </p:nvGrpSpPr>
@@ -14150,7 +13938,7 @@
       </p:grpSpPr>
       <p:sp>
         <p:nvSpPr>
-          <p:cNvPr id="161" name="Google Shape;161;p26"/>
+          <p:cNvPr id="162" name="Google Shape;162;p26"/>
           <p:cNvSpPr txBox="1"/>
           <p:nvPr>
             <p:ph type="title"/>
@@ -14190,7 +13978,7 @@
       </p:sp>
       <p:sp>
         <p:nvSpPr>
-          <p:cNvPr id="162" name="Google Shape;162;p26"/>
+          <p:cNvPr id="163" name="Google Shape;163;p26"/>
           <p:cNvSpPr txBox="1"/>
           <p:nvPr>
             <p:ph idx="12" type="sldNum"/>
@@ -14198,8 +13986,8 @@
         </p:nvSpPr>
         <p:spPr>
           <a:xfrm>
-            <a:off x="7315202" y="4416550"/>
-            <a:ext cx="1828800" cy="731400"/>
+            <a:off x="7315209" y="4229101"/>
+            <a:ext cx="1828800" cy="914400"/>
           </a:xfrm>
           <a:prstGeom prst="rect">
             <a:avLst/>
@@ -14237,33 +14025,25 @@
               <a:buNone/>
             </a:pPr>
             <a:r>
-              <a:rPr b="0" lang="en" sz="900" u="sng">
+              <a:rPr b="0" lang="en" sz="1000" u="sng">
                 <a:solidFill>
                   <a:schemeClr val="hlink"/>
                 </a:solidFill>
                 <a:hlinkClick r:id="rId3"/>
               </a:rPr>
-              <a:t>https://profriehle.com</a:t>
-            </a:r>
-            <a:r>
-              <a:rPr b="0" lang="en" sz="900">
-                <a:solidFill>
-                  <a:schemeClr val="dk2"/>
-                </a:solidFill>
-              </a:rPr>
+              <a:t>uni1.de/nyt</a:t>
+            </a:r>
+            <a:r>
+              <a:rPr b="0" lang="en" sz="1000"/>
               <a:t> </a:t>
             </a:r>
-            <a:endParaRPr b="0" sz="900">
-              <a:solidFill>
-                <a:schemeClr val="dk2"/>
-              </a:solidFill>
-            </a:endParaRPr>
+            <a:endParaRPr b="0" sz="1000"/>
           </a:p>
         </p:txBody>
       </p:sp>
       <p:pic>
         <p:nvPicPr>
-          <p:cNvPr id="163" name="Google Shape;163;p26"/>
+          <p:cNvPr id="164" name="Google Shape;164;p26"/>
           <p:cNvPicPr preferRelativeResize="0"/>
           <p:nvPr/>
         </p:nvPicPr>
@@ -14278,7 +14058,7 @@
         <p:spPr>
           <a:xfrm>
             <a:off x="274320" y="914400"/>
-            <a:ext cx="8595360" cy="3502840"/>
+            <a:ext cx="8595360" cy="3495446"/>
           </a:xfrm>
           <a:prstGeom prst="rect">
             <a:avLst/>
@@ -14302,7 +14082,7 @@
   <p:cSld>
     <p:spTree>
       <p:nvGrpSpPr>
-        <p:cNvPr id="41" name="Shape 41"/>
+        <p:cNvPr id="42" name="Shape 42"/>
         <p:cNvGrpSpPr/>
         <p:nvPr/>
       </p:nvGrpSpPr>
@@ -14316,7 +14096,7 @@
       </p:grpSpPr>
       <p:sp>
         <p:nvSpPr>
-          <p:cNvPr id="42" name="Google Shape;42;p9"/>
+          <p:cNvPr id="43" name="Google Shape;43;p9"/>
           <p:cNvSpPr txBox="1"/>
           <p:nvPr>
             <p:ph type="title"/>
@@ -14356,7 +14136,7 @@
       </p:sp>
       <p:sp>
         <p:nvSpPr>
-          <p:cNvPr id="43" name="Google Shape;43;p9"/>
+          <p:cNvPr id="44" name="Google Shape;44;p9"/>
           <p:cNvSpPr txBox="1"/>
           <p:nvPr>
             <p:ph idx="1" type="body"/>
@@ -14497,7 +14277,7 @@
       </p:sp>
       <p:sp>
         <p:nvSpPr>
-          <p:cNvPr id="44" name="Google Shape;44;p9"/>
+          <p:cNvPr id="45" name="Google Shape;45;p9"/>
           <p:cNvSpPr txBox="1"/>
           <p:nvPr>
             <p:ph idx="12" type="sldNum"/>
@@ -14505,8 +14285,8 @@
         </p:nvSpPr>
         <p:spPr>
           <a:xfrm>
-            <a:off x="7315202" y="4416550"/>
-            <a:ext cx="1828800" cy="731400"/>
+            <a:off x="7315209" y="4229101"/>
+            <a:ext cx="1828800" cy="914400"/>
           </a:xfrm>
           <a:prstGeom prst="rect">
             <a:avLst/>
@@ -14544,27 +14324,19 @@
               <a:buNone/>
             </a:pPr>
             <a:r>
-              <a:rPr b="0" lang="en" sz="900" u="sng">
+              <a:rPr b="0" lang="en" sz="1000" u="sng">
                 <a:solidFill>
                   <a:schemeClr val="hlink"/>
                 </a:solidFill>
                 <a:hlinkClick r:id="rId3"/>
               </a:rPr>
-              <a:t>https://profriehle.com</a:t>
-            </a:r>
-            <a:r>
-              <a:rPr b="0" lang="en" sz="900">
-                <a:solidFill>
-                  <a:schemeClr val="dk2"/>
-                </a:solidFill>
-              </a:rPr>
+              <a:t>uni1.de/nyt</a:t>
+            </a:r>
+            <a:r>
+              <a:rPr b="0" lang="en" sz="1000"/>
               <a:t> </a:t>
             </a:r>
-            <a:endParaRPr b="0" sz="900">
-              <a:solidFill>
-                <a:schemeClr val="dk2"/>
-              </a:solidFill>
-            </a:endParaRPr>
+            <a:endParaRPr b="0" sz="1000"/>
           </a:p>
         </p:txBody>
       </p:sp>
@@ -14581,7 +14353,7 @@
   <p:cSld>
     <p:spTree>
       <p:nvGrpSpPr>
-        <p:cNvPr id="167" name="Shape 167"/>
+        <p:cNvPr id="168" name="Shape 168"/>
         <p:cNvGrpSpPr/>
         <p:nvPr/>
       </p:nvGrpSpPr>
@@ -14595,7 +14367,7 @@
       </p:grpSpPr>
       <p:sp>
         <p:nvSpPr>
-          <p:cNvPr id="168" name="Google Shape;168;p27"/>
+          <p:cNvPr id="169" name="Google Shape;169;p27"/>
           <p:cNvSpPr txBox="1"/>
           <p:nvPr>
             <p:ph type="title"/>
@@ -14635,7 +14407,7 @@
       </p:sp>
       <p:sp>
         <p:nvSpPr>
-          <p:cNvPr id="169" name="Google Shape;169;p27"/>
+          <p:cNvPr id="170" name="Google Shape;170;p27"/>
           <p:cNvSpPr txBox="1"/>
           <p:nvPr>
             <p:ph idx="1" type="body"/>
@@ -14684,7 +14456,7 @@
             </a:pPr>
             <a:r>
               <a:rPr lang="en"/>
-              <a:t>It should be derived from prior work, for example, a systematic literature review</a:t>
+              <a:t>It should be derived from prior work, for example, a systematic review</a:t>
             </a:r>
             <a:endParaRPr/>
           </a:p>
@@ -14708,7 +14480,7 @@
       </p:sp>
       <p:sp>
         <p:nvSpPr>
-          <p:cNvPr id="170" name="Google Shape;170;p27"/>
+          <p:cNvPr id="171" name="Google Shape;171;p27"/>
           <p:cNvSpPr txBox="1"/>
           <p:nvPr>
             <p:ph idx="12" type="sldNum"/>
@@ -14716,8 +14488,8 @@
         </p:nvSpPr>
         <p:spPr>
           <a:xfrm>
-            <a:off x="7315202" y="4416550"/>
-            <a:ext cx="1828800" cy="731400"/>
+            <a:off x="7315209" y="4229101"/>
+            <a:ext cx="1828800" cy="914400"/>
           </a:xfrm>
           <a:prstGeom prst="rect">
             <a:avLst/>
@@ -14755,27 +14527,19 @@
               <a:buNone/>
             </a:pPr>
             <a:r>
-              <a:rPr b="0" lang="en" sz="900" u="sng">
+              <a:rPr b="0" lang="en" sz="1000" u="sng">
                 <a:solidFill>
                   <a:schemeClr val="hlink"/>
                 </a:solidFill>
                 <a:hlinkClick r:id="rId3"/>
               </a:rPr>
-              <a:t>https://profriehle.com</a:t>
-            </a:r>
-            <a:r>
-              <a:rPr b="0" lang="en" sz="900">
-                <a:solidFill>
-                  <a:schemeClr val="dk2"/>
-                </a:solidFill>
-              </a:rPr>
+              <a:t>uni1.de/nyt</a:t>
+            </a:r>
+            <a:r>
+              <a:rPr b="0" lang="en" sz="1000"/>
               <a:t> </a:t>
             </a:r>
-            <a:endParaRPr b="0" sz="900">
-              <a:solidFill>
-                <a:schemeClr val="dk2"/>
-              </a:solidFill>
-            </a:endParaRPr>
+            <a:endParaRPr b="0" sz="1000"/>
           </a:p>
         </p:txBody>
       </p:sp>
@@ -14792,7 +14556,7 @@
   <p:cSld>
     <p:spTree>
       <p:nvGrpSpPr>
-        <p:cNvPr id="174" name="Shape 174"/>
+        <p:cNvPr id="175" name="Shape 175"/>
         <p:cNvGrpSpPr/>
         <p:nvPr/>
       </p:nvGrpSpPr>
@@ -14806,7 +14570,7 @@
       </p:grpSpPr>
       <p:sp>
         <p:nvSpPr>
-          <p:cNvPr id="175" name="Google Shape;175;p28"/>
+          <p:cNvPr id="176" name="Google Shape;176;p28"/>
           <p:cNvSpPr txBox="1"/>
           <p:nvPr>
             <p:ph type="title"/>
@@ -14846,7 +14610,7 @@
       </p:sp>
       <p:sp>
         <p:nvSpPr>
-          <p:cNvPr id="176" name="Google Shape;176;p28"/>
+          <p:cNvPr id="177" name="Google Shape;177;p28"/>
           <p:cNvSpPr txBox="1"/>
           <p:nvPr>
             <p:ph idx="1" type="body"/>
@@ -14933,7 +14697,7 @@
       </p:sp>
       <p:sp>
         <p:nvSpPr>
-          <p:cNvPr id="177" name="Google Shape;177;p28"/>
+          <p:cNvPr id="178" name="Google Shape;178;p28"/>
           <p:cNvSpPr txBox="1"/>
           <p:nvPr>
             <p:ph idx="12" type="sldNum"/>
@@ -14941,8 +14705,8 @@
         </p:nvSpPr>
         <p:spPr>
           <a:xfrm>
-            <a:off x="7315202" y="4416550"/>
-            <a:ext cx="1828800" cy="731400"/>
+            <a:off x="7315209" y="4229101"/>
+            <a:ext cx="1828800" cy="914400"/>
           </a:xfrm>
           <a:prstGeom prst="rect">
             <a:avLst/>
@@ -14980,33 +14744,25 @@
               <a:buNone/>
             </a:pPr>
             <a:r>
-              <a:rPr b="0" lang="en" sz="900" u="sng">
+              <a:rPr b="0" lang="en" sz="1000" u="sng">
                 <a:solidFill>
                   <a:schemeClr val="hlink"/>
                 </a:solidFill>
                 <a:hlinkClick r:id="rId3"/>
               </a:rPr>
-              <a:t>https://profriehle.com</a:t>
-            </a:r>
-            <a:r>
-              <a:rPr b="0" lang="en" sz="900">
-                <a:solidFill>
-                  <a:schemeClr val="dk2"/>
-                </a:solidFill>
-              </a:rPr>
+              <a:t>uni1.de/nyt</a:t>
+            </a:r>
+            <a:r>
+              <a:rPr b="0" lang="en" sz="1000"/>
               <a:t> </a:t>
             </a:r>
-            <a:endParaRPr b="0" sz="900">
-              <a:solidFill>
-                <a:schemeClr val="dk2"/>
-              </a:solidFill>
-            </a:endParaRPr>
+            <a:endParaRPr b="0" sz="1000"/>
           </a:p>
         </p:txBody>
       </p:sp>
       <p:pic>
         <p:nvPicPr>
-          <p:cNvPr id="178" name="Google Shape;178;p28"/>
+          <p:cNvPr id="179" name="Google Shape;179;p28"/>
           <p:cNvPicPr preferRelativeResize="0"/>
           <p:nvPr/>
         </p:nvPicPr>
@@ -15045,7 +14801,7 @@
   <p:cSld>
     <p:spTree>
       <p:nvGrpSpPr>
-        <p:cNvPr id="182" name="Shape 182"/>
+        <p:cNvPr id="183" name="Shape 183"/>
         <p:cNvGrpSpPr/>
         <p:nvPr/>
       </p:nvGrpSpPr>
@@ -15059,7 +14815,7 @@
       </p:grpSpPr>
       <p:sp>
         <p:nvSpPr>
-          <p:cNvPr id="183" name="Google Shape;183;p29"/>
+          <p:cNvPr id="184" name="Google Shape;184;p29"/>
           <p:cNvSpPr txBox="1"/>
           <p:nvPr>
             <p:ph type="title"/>
@@ -15103,7 +14859,7 @@
       </p:sp>
       <p:sp>
         <p:nvSpPr>
-          <p:cNvPr id="184" name="Google Shape;184;p29"/>
+          <p:cNvPr id="185" name="Google Shape;185;p29"/>
           <p:cNvSpPr txBox="1"/>
           <p:nvPr>
             <p:ph idx="12" type="sldNum"/>
@@ -15111,8 +14867,8 @@
         </p:nvSpPr>
         <p:spPr>
           <a:xfrm>
-            <a:off x="7315202" y="4416550"/>
-            <a:ext cx="1828800" cy="731400"/>
+            <a:off x="7315209" y="4229101"/>
+            <a:ext cx="1828800" cy="914400"/>
           </a:xfrm>
           <a:prstGeom prst="rect">
             <a:avLst/>
@@ -15150,33 +14906,25 @@
               <a:buNone/>
             </a:pPr>
             <a:r>
-              <a:rPr b="0" lang="en" sz="900" u="sng">
+              <a:rPr b="0" lang="en" sz="1000" u="sng">
                 <a:solidFill>
                   <a:schemeClr val="hlink"/>
                 </a:solidFill>
                 <a:hlinkClick r:id="rId3"/>
               </a:rPr>
-              <a:t>https://profriehle.com</a:t>
-            </a:r>
-            <a:r>
-              <a:rPr b="0" lang="en" sz="900">
-                <a:solidFill>
-                  <a:schemeClr val="dk2"/>
-                </a:solidFill>
-              </a:rPr>
+              <a:t>uni1.de/nyt</a:t>
+            </a:r>
+            <a:r>
+              <a:rPr b="0" lang="en" sz="1000"/>
               <a:t> </a:t>
             </a:r>
-            <a:endParaRPr b="0" sz="900">
-              <a:solidFill>
-                <a:schemeClr val="dk2"/>
-              </a:solidFill>
-            </a:endParaRPr>
+            <a:endParaRPr b="0" sz="1000"/>
           </a:p>
         </p:txBody>
       </p:sp>
       <p:sp>
         <p:nvSpPr>
-          <p:cNvPr id="185" name="Google Shape;185;p29"/>
+          <p:cNvPr id="186" name="Google Shape;186;p29"/>
           <p:cNvSpPr txBox="1"/>
           <p:nvPr>
             <p:ph idx="1" type="body"/>
@@ -15207,10 +14955,10 @@
               <a:buNone/>
             </a:pPr>
             <a:r>
-              <a:rPr lang="en"/>
-              <a:t>Purposive sampling strategies</a:t>
-            </a:r>
-            <a:endParaRPr/>
+              <a:rPr b="1" lang="en"/>
+              <a:t>Typical case sampling</a:t>
+            </a:r>
+            <a:endParaRPr b="1"/>
           </a:p>
           <a:p>
             <a:pPr indent="-342900" lvl="0" marL="457200" rtl="0" algn="l">
@@ -15225,31 +14973,30 @@
             </a:pPr>
             <a:r>
               <a:rPr lang="en"/>
-              <a:t>Typical case sampling</a:t>
-            </a:r>
-            <a:endParaRPr/>
-          </a:p>
-          <a:p>
-            <a:pPr indent="-317500" lvl="1" marL="914400" rtl="0" algn="l">
-              <a:spcBef>
-                <a:spcPts val="0"/>
-              </a:spcBef>
-              <a:spcAft>
-                <a:spcPts val="0"/>
-              </a:spcAft>
-              <a:buSzPts val="1400"/>
-              <a:buChar char="○"/>
-            </a:pPr>
-            <a:r>
-              <a:rPr lang="en"/>
               <a:t>Chooses a common representative case</a:t>
             </a:r>
             <a:endParaRPr/>
           </a:p>
           <a:p>
+            <a:pPr indent="0" lvl="0" marL="0" rtl="0" algn="l">
+              <a:spcBef>
+                <a:spcPts val="1000"/>
+              </a:spcBef>
+              <a:spcAft>
+                <a:spcPts val="0"/>
+              </a:spcAft>
+              <a:buNone/>
+            </a:pPr>
+            <a:r>
+              <a:rPr b="1" lang="en"/>
+              <a:t>Critical case sampling</a:t>
+            </a:r>
+            <a:endParaRPr b="1"/>
+          </a:p>
+          <a:p>
             <a:pPr indent="-342900" lvl="0" marL="457200" rtl="0" algn="l">
               <a:spcBef>
-                <a:spcPts val="1000"/>
+                <a:spcPts val="1200"/>
               </a:spcBef>
               <a:spcAft>
                 <a:spcPts val="0"/>
@@ -15259,23 +15006,6 @@
             </a:pPr>
             <a:r>
               <a:rPr lang="en"/>
-              <a:t>Critical case sampling</a:t>
-            </a:r>
-            <a:endParaRPr/>
-          </a:p>
-          <a:p>
-            <a:pPr indent="-317500" lvl="1" marL="914400" rtl="0" algn="l">
-              <a:spcBef>
-                <a:spcPts val="0"/>
-              </a:spcBef>
-              <a:spcAft>
-                <a:spcPts val="0"/>
-              </a:spcAft>
-              <a:buSzPts val="1400"/>
-              <a:buChar char="○"/>
-            </a:pPr>
-            <a:r>
-              <a:rPr lang="en"/>
               <a:t>Chooses</a:t>
             </a:r>
             <a:r>
@@ -15285,32 +15015,31 @@
             <a:endParaRPr/>
           </a:p>
           <a:p>
+            <a:pPr indent="0" lvl="0" marL="0" rtl="0" algn="l">
+              <a:spcBef>
+                <a:spcPts val="1000"/>
+              </a:spcBef>
+              <a:spcAft>
+                <a:spcPts val="0"/>
+              </a:spcAft>
+              <a:buNone/>
+            </a:pPr>
+            <a:r>
+              <a:rPr b="1" lang="en"/>
+              <a:t>Polar sampling</a:t>
+            </a:r>
+            <a:endParaRPr b="1"/>
+          </a:p>
+          <a:p>
             <a:pPr indent="-342900" lvl="0" marL="457200" rtl="0" algn="l">
               <a:spcBef>
-                <a:spcPts val="1000"/>
+                <a:spcPts val="1200"/>
               </a:spcBef>
               <a:spcAft>
                 <a:spcPts val="0"/>
               </a:spcAft>
               <a:buSzPts val="1800"/>
               <a:buChar char="●"/>
-            </a:pPr>
-            <a:r>
-              <a:rPr lang="en"/>
-              <a:t>Polar sampling</a:t>
-            </a:r>
-            <a:endParaRPr/>
-          </a:p>
-          <a:p>
-            <a:pPr indent="-317500" lvl="1" marL="914400" rtl="0" algn="l">
-              <a:spcBef>
-                <a:spcPts val="0"/>
-              </a:spcBef>
-              <a:spcAft>
-                <a:spcPts val="0"/>
-              </a:spcAft>
-              <a:buSzPts val="1400"/>
-              <a:buChar char="○"/>
             </a:pPr>
             <a:r>
               <a:rPr lang="en"/>
@@ -15363,7 +15092,7 @@
   <p:cSld>
     <p:spTree>
       <p:nvGrpSpPr>
-        <p:cNvPr id="189" name="Shape 189"/>
+        <p:cNvPr id="190" name="Shape 190"/>
         <p:cNvGrpSpPr/>
         <p:nvPr/>
       </p:nvGrpSpPr>
@@ -15377,7 +15106,7 @@
       </p:grpSpPr>
       <p:sp>
         <p:nvSpPr>
-          <p:cNvPr id="190" name="Google Shape;190;p30"/>
+          <p:cNvPr id="191" name="Google Shape;191;p30"/>
           <p:cNvSpPr txBox="1"/>
           <p:nvPr>
             <p:ph type="title"/>
@@ -15417,7 +15146,7 @@
       </p:sp>
       <p:sp>
         <p:nvSpPr>
-          <p:cNvPr id="191" name="Google Shape;191;p30"/>
+          <p:cNvPr id="192" name="Google Shape;192;p30"/>
           <p:cNvSpPr txBox="1"/>
           <p:nvPr>
             <p:ph idx="1" type="body"/>
@@ -15556,7 +15285,7 @@
       </p:sp>
       <p:sp>
         <p:nvSpPr>
-          <p:cNvPr id="192" name="Google Shape;192;p30"/>
+          <p:cNvPr id="193" name="Google Shape;193;p30"/>
           <p:cNvSpPr txBox="1"/>
           <p:nvPr>
             <p:ph idx="12" type="sldNum"/>
@@ -15564,8 +15293,8 @@
         </p:nvSpPr>
         <p:spPr>
           <a:xfrm>
-            <a:off x="7315202" y="4416550"/>
-            <a:ext cx="1828800" cy="731400"/>
+            <a:off x="7315209" y="4229101"/>
+            <a:ext cx="1828800" cy="914400"/>
           </a:xfrm>
           <a:prstGeom prst="rect">
             <a:avLst/>
@@ -15603,33 +15332,25 @@
               <a:buNone/>
             </a:pPr>
             <a:r>
-              <a:rPr b="0" lang="en" sz="900" u="sng">
+              <a:rPr b="0" lang="en" sz="1000" u="sng">
                 <a:solidFill>
                   <a:schemeClr val="hlink"/>
                 </a:solidFill>
                 <a:hlinkClick r:id="rId3"/>
               </a:rPr>
-              <a:t>https://profriehle.com</a:t>
-            </a:r>
-            <a:r>
-              <a:rPr b="0" lang="en" sz="900">
-                <a:solidFill>
-                  <a:schemeClr val="dk2"/>
-                </a:solidFill>
-              </a:rPr>
+              <a:t>uni1.de/nyt</a:t>
+            </a:r>
+            <a:r>
+              <a:rPr b="0" lang="en" sz="1000"/>
               <a:t> </a:t>
             </a:r>
-            <a:endParaRPr b="0" sz="900">
-              <a:solidFill>
-                <a:schemeClr val="dk2"/>
-              </a:solidFill>
-            </a:endParaRPr>
+            <a:endParaRPr b="0" sz="1000"/>
           </a:p>
         </p:txBody>
       </p:sp>
       <p:sp>
         <p:nvSpPr>
-          <p:cNvPr id="193" name="Google Shape;193;p30"/>
+          <p:cNvPr id="194" name="Google Shape;194;p30"/>
           <p:cNvSpPr txBox="1"/>
           <p:nvPr/>
         </p:nvSpPr>
@@ -15682,7 +15403,7 @@
   <p:cSld>
     <p:spTree>
       <p:nvGrpSpPr>
-        <p:cNvPr id="197" name="Shape 197"/>
+        <p:cNvPr id="198" name="Shape 198"/>
         <p:cNvGrpSpPr/>
         <p:nvPr/>
       </p:nvGrpSpPr>
@@ -15696,7 +15417,7 @@
       </p:grpSpPr>
       <p:sp>
         <p:nvSpPr>
-          <p:cNvPr id="198" name="Google Shape;198;p31"/>
+          <p:cNvPr id="199" name="Google Shape;199;p31"/>
           <p:cNvSpPr txBox="1"/>
           <p:nvPr>
             <p:ph type="title"/>
@@ -15736,7 +15457,7 @@
       </p:sp>
       <p:sp>
         <p:nvSpPr>
-          <p:cNvPr id="199" name="Google Shape;199;p31"/>
+          <p:cNvPr id="200" name="Google Shape;200;p31"/>
           <p:cNvSpPr txBox="1"/>
           <p:nvPr>
             <p:ph idx="1" type="body"/>
@@ -15902,7 +15623,7 @@
       </p:sp>
       <p:sp>
         <p:nvSpPr>
-          <p:cNvPr id="200" name="Google Shape;200;p31"/>
+          <p:cNvPr id="201" name="Google Shape;201;p31"/>
           <p:cNvSpPr txBox="1"/>
           <p:nvPr>
             <p:ph idx="12" type="sldNum"/>
@@ -15910,8 +15631,8 @@
         </p:nvSpPr>
         <p:spPr>
           <a:xfrm>
-            <a:off x="7315202" y="4416550"/>
-            <a:ext cx="1828800" cy="731400"/>
+            <a:off x="7315209" y="4229101"/>
+            <a:ext cx="1828800" cy="914400"/>
           </a:xfrm>
           <a:prstGeom prst="rect">
             <a:avLst/>
@@ -15949,27 +15670,19 @@
               <a:buNone/>
             </a:pPr>
             <a:r>
-              <a:rPr b="0" lang="en" sz="900" u="sng">
+              <a:rPr b="0" lang="en" sz="1000" u="sng">
                 <a:solidFill>
                   <a:schemeClr val="hlink"/>
                 </a:solidFill>
                 <a:hlinkClick r:id="rId3"/>
               </a:rPr>
-              <a:t>https://profriehle.com</a:t>
-            </a:r>
-            <a:r>
-              <a:rPr b="0" lang="en" sz="900">
-                <a:solidFill>
-                  <a:schemeClr val="dk2"/>
-                </a:solidFill>
-              </a:rPr>
+              <a:t>uni1.de/nyt</a:t>
+            </a:r>
+            <a:r>
+              <a:rPr b="0" lang="en" sz="1000"/>
               <a:t> </a:t>
             </a:r>
-            <a:endParaRPr b="0" sz="900">
-              <a:solidFill>
-                <a:schemeClr val="dk2"/>
-              </a:solidFill>
-            </a:endParaRPr>
+            <a:endParaRPr b="0" sz="1000"/>
           </a:p>
         </p:txBody>
       </p:sp>
@@ -15986,7 +15699,7 @@
   <p:cSld>
     <p:spTree>
       <p:nvGrpSpPr>
-        <p:cNvPr id="204" name="Shape 204"/>
+        <p:cNvPr id="205" name="Shape 205"/>
         <p:cNvGrpSpPr/>
         <p:nvPr/>
       </p:nvGrpSpPr>
@@ -16000,7 +15713,7 @@
       </p:grpSpPr>
       <p:sp>
         <p:nvSpPr>
-          <p:cNvPr id="205" name="Google Shape;205;p32"/>
+          <p:cNvPr id="206" name="Google Shape;206;p32"/>
           <p:cNvSpPr txBox="1"/>
           <p:nvPr>
             <p:ph type="title"/>
@@ -16055,7 +15768,7 @@
   <p:cSld>
     <p:spTree>
       <p:nvGrpSpPr>
-        <p:cNvPr id="209" name="Shape 209"/>
+        <p:cNvPr id="210" name="Shape 210"/>
         <p:cNvGrpSpPr/>
         <p:nvPr/>
       </p:nvGrpSpPr>
@@ -16069,7 +15782,7 @@
       </p:grpSpPr>
       <p:sp>
         <p:nvSpPr>
-          <p:cNvPr id="210" name="Google Shape;210;p33"/>
+          <p:cNvPr id="211" name="Google Shape;211;p33"/>
           <p:cNvSpPr txBox="1"/>
           <p:nvPr>
             <p:ph type="title"/>
@@ -16109,7 +15822,7 @@
       </p:sp>
       <p:sp>
         <p:nvSpPr>
-          <p:cNvPr id="211" name="Google Shape;211;p33"/>
+          <p:cNvPr id="212" name="Google Shape;212;p33"/>
           <p:cNvSpPr txBox="1"/>
           <p:nvPr>
             <p:ph idx="1" type="body"/>
@@ -16250,7 +15963,7 @@
       </p:sp>
       <p:sp>
         <p:nvSpPr>
-          <p:cNvPr id="212" name="Google Shape;212;p33"/>
+          <p:cNvPr id="213" name="Google Shape;213;p33"/>
           <p:cNvSpPr txBox="1"/>
           <p:nvPr>
             <p:ph idx="12" type="sldNum"/>
@@ -16258,8 +15971,8 @@
         </p:nvSpPr>
         <p:spPr>
           <a:xfrm>
-            <a:off x="7315202" y="4416550"/>
-            <a:ext cx="1828800" cy="731400"/>
+            <a:off x="7315209" y="4229101"/>
+            <a:ext cx="1828800" cy="914400"/>
           </a:xfrm>
           <a:prstGeom prst="rect">
             <a:avLst/>
@@ -16297,27 +16010,19 @@
               <a:buNone/>
             </a:pPr>
             <a:r>
-              <a:rPr b="0" lang="en" sz="900" u="sng">
+              <a:rPr b="0" lang="en" sz="1000" u="sng">
                 <a:solidFill>
                   <a:schemeClr val="hlink"/>
                 </a:solidFill>
                 <a:hlinkClick r:id="rId3"/>
               </a:rPr>
-              <a:t>https://profriehle.com</a:t>
-            </a:r>
-            <a:r>
-              <a:rPr b="0" lang="en" sz="900">
-                <a:solidFill>
-                  <a:schemeClr val="dk2"/>
-                </a:solidFill>
-              </a:rPr>
+              <a:t>uni1.de/nyt</a:t>
+            </a:r>
+            <a:r>
+              <a:rPr b="0" lang="en" sz="1000"/>
               <a:t> </a:t>
             </a:r>
-            <a:endParaRPr b="0" sz="900">
-              <a:solidFill>
-                <a:schemeClr val="dk2"/>
-              </a:solidFill>
-            </a:endParaRPr>
+            <a:endParaRPr b="0" sz="1000"/>
           </a:p>
         </p:txBody>
       </p:sp>
@@ -16334,7 +16039,7 @@
   <p:cSld>
     <p:spTree>
       <p:nvGrpSpPr>
-        <p:cNvPr id="216" name="Shape 216"/>
+        <p:cNvPr id="217" name="Shape 217"/>
         <p:cNvGrpSpPr/>
         <p:nvPr/>
       </p:nvGrpSpPr>
@@ -16348,7 +16053,7 @@
       </p:grpSpPr>
       <p:sp>
         <p:nvSpPr>
-          <p:cNvPr id="217" name="Google Shape;217;p34"/>
+          <p:cNvPr id="218" name="Google Shape;218;p34"/>
           <p:cNvSpPr txBox="1"/>
           <p:nvPr>
             <p:ph type="title"/>
@@ -16388,7 +16093,7 @@
       </p:sp>
       <p:sp>
         <p:nvSpPr>
-          <p:cNvPr id="218" name="Google Shape;218;p34"/>
+          <p:cNvPr id="219" name="Google Shape;219;p34"/>
           <p:cNvSpPr txBox="1"/>
           <p:nvPr>
             <p:ph idx="1" type="body"/>
@@ -16496,7 +16201,7 @@
       </p:sp>
       <p:sp>
         <p:nvSpPr>
-          <p:cNvPr id="219" name="Google Shape;219;p34"/>
+          <p:cNvPr id="220" name="Google Shape;220;p34"/>
           <p:cNvSpPr txBox="1"/>
           <p:nvPr>
             <p:ph idx="12" type="sldNum"/>
@@ -16504,8 +16209,8 @@
         </p:nvSpPr>
         <p:spPr>
           <a:xfrm>
-            <a:off x="7315202" y="4416550"/>
-            <a:ext cx="1828800" cy="731400"/>
+            <a:off x="7315209" y="4229101"/>
+            <a:ext cx="1828800" cy="914400"/>
           </a:xfrm>
           <a:prstGeom prst="rect">
             <a:avLst/>
@@ -16543,27 +16248,19 @@
               <a:buNone/>
             </a:pPr>
             <a:r>
-              <a:rPr b="0" lang="en" sz="900" u="sng">
+              <a:rPr b="0" lang="en" sz="1000" u="sng">
                 <a:solidFill>
                   <a:schemeClr val="hlink"/>
                 </a:solidFill>
                 <a:hlinkClick r:id="rId3"/>
               </a:rPr>
-              <a:t>https://profriehle.com</a:t>
-            </a:r>
-            <a:r>
-              <a:rPr b="0" lang="en" sz="900">
-                <a:solidFill>
-                  <a:schemeClr val="dk2"/>
-                </a:solidFill>
-              </a:rPr>
+              <a:t>uni1.de/nyt</a:t>
+            </a:r>
+            <a:r>
+              <a:rPr b="0" lang="en" sz="1000"/>
               <a:t> </a:t>
             </a:r>
-            <a:endParaRPr b="0" sz="900">
-              <a:solidFill>
-                <a:schemeClr val="dk2"/>
-              </a:solidFill>
-            </a:endParaRPr>
+            <a:endParaRPr b="0" sz="1000"/>
           </a:p>
         </p:txBody>
       </p:sp>
@@ -16580,7 +16277,7 @@
   <p:cSld>
     <p:spTree>
       <p:nvGrpSpPr>
-        <p:cNvPr id="223" name="Shape 223"/>
+        <p:cNvPr id="224" name="Shape 224"/>
         <p:cNvGrpSpPr/>
         <p:nvPr/>
       </p:nvGrpSpPr>
@@ -16594,7 +16291,7 @@
       </p:grpSpPr>
       <p:sp>
         <p:nvSpPr>
-          <p:cNvPr id="224" name="Google Shape;224;p35"/>
+          <p:cNvPr id="225" name="Google Shape;225;p35"/>
           <p:cNvSpPr txBox="1"/>
           <p:nvPr>
             <p:ph idx="1" type="body"/>
@@ -16775,7 +16472,7 @@
       </p:sp>
       <p:sp>
         <p:nvSpPr>
-          <p:cNvPr id="225" name="Google Shape;225;p35"/>
+          <p:cNvPr id="226" name="Google Shape;226;p35"/>
           <p:cNvSpPr txBox="1"/>
           <p:nvPr>
             <p:ph type="title"/>
@@ -16815,7 +16512,7 @@
       </p:sp>
       <p:sp>
         <p:nvSpPr>
-          <p:cNvPr id="226" name="Google Shape;226;p35"/>
+          <p:cNvPr id="227" name="Google Shape;227;p35"/>
           <p:cNvSpPr txBox="1"/>
           <p:nvPr>
             <p:ph idx="12" type="sldNum"/>
@@ -16823,8 +16520,8 @@
         </p:nvSpPr>
         <p:spPr>
           <a:xfrm>
-            <a:off x="7315202" y="4416550"/>
-            <a:ext cx="1828800" cy="731400"/>
+            <a:off x="7315209" y="4229101"/>
+            <a:ext cx="1828800" cy="914400"/>
           </a:xfrm>
           <a:prstGeom prst="rect">
             <a:avLst/>
@@ -16862,27 +16559,19 @@
               <a:buNone/>
             </a:pPr>
             <a:r>
-              <a:rPr b="0" lang="en" sz="900" u="sng">
+              <a:rPr b="0" lang="en" sz="1000" u="sng">
                 <a:solidFill>
                   <a:schemeClr val="hlink"/>
                 </a:solidFill>
                 <a:hlinkClick r:id="rId3"/>
               </a:rPr>
-              <a:t>https://profriehle.com</a:t>
-            </a:r>
-            <a:r>
-              <a:rPr b="0" lang="en" sz="900">
-                <a:solidFill>
-                  <a:schemeClr val="dk2"/>
-                </a:solidFill>
-              </a:rPr>
+              <a:t>uni1.de/nyt</a:t>
+            </a:r>
+            <a:r>
+              <a:rPr b="0" lang="en" sz="1000"/>
               <a:t> </a:t>
             </a:r>
-            <a:endParaRPr b="0" sz="900">
-              <a:solidFill>
-                <a:schemeClr val="dk2"/>
-              </a:solidFill>
-            </a:endParaRPr>
+            <a:endParaRPr b="0" sz="1000"/>
           </a:p>
         </p:txBody>
       </p:sp>
@@ -16899,7 +16588,7 @@
   <p:cSld>
     <p:spTree>
       <p:nvGrpSpPr>
-        <p:cNvPr id="230" name="Shape 230"/>
+        <p:cNvPr id="231" name="Shape 231"/>
         <p:cNvGrpSpPr/>
         <p:nvPr/>
       </p:nvGrpSpPr>
@@ -16913,7 +16602,7 @@
       </p:grpSpPr>
       <p:sp>
         <p:nvSpPr>
-          <p:cNvPr id="231" name="Google Shape;231;p36"/>
+          <p:cNvPr id="232" name="Google Shape;232;p36"/>
           <p:cNvSpPr txBox="1"/>
           <p:nvPr>
             <p:ph type="title"/>
@@ -16953,7 +16642,7 @@
       </p:sp>
       <p:sp>
         <p:nvSpPr>
-          <p:cNvPr id="232" name="Google Shape;232;p36"/>
+          <p:cNvPr id="233" name="Google Shape;233;p36"/>
           <p:cNvSpPr txBox="1"/>
           <p:nvPr>
             <p:ph idx="1" type="body"/>
@@ -17062,7 +16751,7 @@
       </p:sp>
       <p:sp>
         <p:nvSpPr>
-          <p:cNvPr id="233" name="Google Shape;233;p36"/>
+          <p:cNvPr id="234" name="Google Shape;234;p36"/>
           <p:cNvSpPr txBox="1"/>
           <p:nvPr>
             <p:ph idx="12" type="sldNum"/>
@@ -17070,8 +16759,8 @@
         </p:nvSpPr>
         <p:spPr>
           <a:xfrm>
-            <a:off x="7315202" y="4416550"/>
-            <a:ext cx="1828800" cy="731400"/>
+            <a:off x="7315209" y="4229101"/>
+            <a:ext cx="1828800" cy="914400"/>
           </a:xfrm>
           <a:prstGeom prst="rect">
             <a:avLst/>
@@ -17109,27 +16798,19 @@
               <a:buNone/>
             </a:pPr>
             <a:r>
-              <a:rPr b="0" lang="en" sz="900" u="sng">
+              <a:rPr b="0" lang="en" sz="1000" u="sng">
                 <a:solidFill>
                   <a:schemeClr val="hlink"/>
                 </a:solidFill>
                 <a:hlinkClick r:id="rId3"/>
               </a:rPr>
-              <a:t>https://profriehle.com</a:t>
-            </a:r>
-            <a:r>
-              <a:rPr b="0" lang="en" sz="900">
-                <a:solidFill>
-                  <a:schemeClr val="dk2"/>
-                </a:solidFill>
-              </a:rPr>
+              <a:t>uni1.de/nyt</a:t>
+            </a:r>
+            <a:r>
+              <a:rPr b="0" lang="en" sz="1000"/>
               <a:t> </a:t>
             </a:r>
-            <a:endParaRPr b="0" sz="900">
-              <a:solidFill>
-                <a:schemeClr val="dk2"/>
-              </a:solidFill>
-            </a:endParaRPr>
+            <a:endParaRPr b="0" sz="1000"/>
           </a:p>
         </p:txBody>
       </p:sp>
@@ -17146,7 +16827,7 @@
   <p:cSld>
     <p:spTree>
       <p:nvGrpSpPr>
-        <p:cNvPr id="48" name="Shape 48"/>
+        <p:cNvPr id="49" name="Shape 49"/>
         <p:cNvGrpSpPr/>
         <p:nvPr/>
       </p:nvGrpSpPr>
@@ -17160,7 +16841,7 @@
       </p:grpSpPr>
       <p:sp>
         <p:nvSpPr>
-          <p:cNvPr id="49" name="Google Shape;49;p10"/>
+          <p:cNvPr id="50" name="Google Shape;50;p10"/>
           <p:cNvSpPr txBox="1"/>
           <p:nvPr>
             <p:ph type="title"/>
@@ -17215,7 +16896,7 @@
   <p:cSld>
     <p:spTree>
       <p:nvGrpSpPr>
-        <p:cNvPr id="237" name="Shape 237"/>
+        <p:cNvPr id="238" name="Shape 238"/>
         <p:cNvGrpSpPr/>
         <p:nvPr/>
       </p:nvGrpSpPr>
@@ -17229,7 +16910,7 @@
       </p:grpSpPr>
       <p:sp>
         <p:nvSpPr>
-          <p:cNvPr id="238" name="Google Shape;238;p37"/>
+          <p:cNvPr id="239" name="Google Shape;239;p37"/>
           <p:cNvSpPr txBox="1"/>
           <p:nvPr>
             <p:ph type="title"/>
@@ -17269,7 +16950,7 @@
       </p:sp>
       <p:sp>
         <p:nvSpPr>
-          <p:cNvPr id="239" name="Google Shape;239;p37"/>
+          <p:cNvPr id="240" name="Google Shape;240;p37"/>
           <p:cNvSpPr txBox="1"/>
           <p:nvPr>
             <p:ph idx="1" type="body"/>
@@ -17317,7 +16998,7 @@
       </p:sp>
       <p:sp>
         <p:nvSpPr>
-          <p:cNvPr id="240" name="Google Shape;240;p37"/>
+          <p:cNvPr id="241" name="Google Shape;241;p37"/>
           <p:cNvSpPr txBox="1"/>
           <p:nvPr>
             <p:ph idx="12" type="sldNum"/>
@@ -17325,8 +17006,8 @@
         </p:nvSpPr>
         <p:spPr>
           <a:xfrm>
-            <a:off x="7315202" y="4416550"/>
-            <a:ext cx="1828800" cy="731400"/>
+            <a:off x="7315209" y="4229101"/>
+            <a:ext cx="1828800" cy="914400"/>
           </a:xfrm>
           <a:prstGeom prst="rect">
             <a:avLst/>
@@ -17364,33 +17045,25 @@
               <a:buNone/>
             </a:pPr>
             <a:r>
-              <a:rPr b="0" lang="en" sz="900" u="sng">
+              <a:rPr b="0" lang="en" sz="1000" u="sng">
                 <a:solidFill>
                   <a:schemeClr val="hlink"/>
                 </a:solidFill>
                 <a:hlinkClick r:id="rId3"/>
               </a:rPr>
-              <a:t>https://profriehle.com</a:t>
-            </a:r>
-            <a:r>
-              <a:rPr b="0" lang="en" sz="900">
-                <a:solidFill>
-                  <a:schemeClr val="dk2"/>
-                </a:solidFill>
-              </a:rPr>
+              <a:t>uni1.de/nyt</a:t>
+            </a:r>
+            <a:r>
+              <a:rPr b="0" lang="en" sz="1000"/>
               <a:t> </a:t>
             </a:r>
-            <a:endParaRPr b="0" sz="900">
-              <a:solidFill>
-                <a:schemeClr val="dk2"/>
-              </a:solidFill>
-            </a:endParaRPr>
+            <a:endParaRPr b="0" sz="1000"/>
           </a:p>
         </p:txBody>
       </p:sp>
       <p:sp>
         <p:nvSpPr>
-          <p:cNvPr id="241" name="Google Shape;241;p37"/>
+          <p:cNvPr id="242" name="Google Shape;242;p37"/>
           <p:cNvSpPr txBox="1"/>
           <p:nvPr/>
         </p:nvSpPr>
@@ -17443,7 +17116,7 @@
   <p:cSld>
     <p:spTree>
       <p:nvGrpSpPr>
-        <p:cNvPr id="245" name="Shape 245"/>
+        <p:cNvPr id="246" name="Shape 246"/>
         <p:cNvGrpSpPr/>
         <p:nvPr/>
       </p:nvGrpSpPr>
@@ -17457,7 +17130,7 @@
       </p:grpSpPr>
       <p:sp>
         <p:nvSpPr>
-          <p:cNvPr id="246" name="Google Shape;246;p38"/>
+          <p:cNvPr id="247" name="Google Shape;247;p38"/>
           <p:cNvSpPr txBox="1"/>
           <p:nvPr>
             <p:ph type="title"/>
@@ -17497,7 +17170,7 @@
       </p:sp>
       <p:sp>
         <p:nvSpPr>
-          <p:cNvPr id="247" name="Google Shape;247;p38"/>
+          <p:cNvPr id="248" name="Google Shape;248;p38"/>
           <p:cNvSpPr txBox="1"/>
           <p:nvPr>
             <p:ph idx="12" type="sldNum"/>
@@ -17505,8 +17178,8 @@
         </p:nvSpPr>
         <p:spPr>
           <a:xfrm>
-            <a:off x="7315202" y="4416550"/>
-            <a:ext cx="1828800" cy="731400"/>
+            <a:off x="7315209" y="4229101"/>
+            <a:ext cx="1828800" cy="914400"/>
           </a:xfrm>
           <a:prstGeom prst="rect">
             <a:avLst/>
@@ -17544,33 +17217,25 @@
               <a:buNone/>
             </a:pPr>
             <a:r>
-              <a:rPr b="0" lang="en" sz="900" u="sng">
+              <a:rPr b="0" lang="en" sz="1000" u="sng">
                 <a:solidFill>
                   <a:schemeClr val="hlink"/>
                 </a:solidFill>
                 <a:hlinkClick r:id="rId3"/>
               </a:rPr>
-              <a:t>https://profriehle.com</a:t>
-            </a:r>
-            <a:r>
-              <a:rPr b="0" lang="en" sz="900">
-                <a:solidFill>
-                  <a:schemeClr val="dk2"/>
-                </a:solidFill>
-              </a:rPr>
+              <a:t>uni1.de/nyt</a:t>
+            </a:r>
+            <a:r>
+              <a:rPr b="0" lang="en" sz="1000"/>
               <a:t> </a:t>
             </a:r>
-            <a:endParaRPr b="0" sz="900">
-              <a:solidFill>
-                <a:schemeClr val="dk2"/>
-              </a:solidFill>
-            </a:endParaRPr>
+            <a:endParaRPr b="0" sz="1000"/>
           </a:p>
         </p:txBody>
       </p:sp>
       <p:sp>
         <p:nvSpPr>
-          <p:cNvPr id="248" name="Google Shape;248;p38"/>
+          <p:cNvPr id="249" name="Google Shape;249;p38"/>
           <p:cNvSpPr txBox="1"/>
           <p:nvPr>
             <p:ph idx="1" type="body"/>
@@ -17779,7 +17444,7 @@
       </p:sp>
       <p:sp>
         <p:nvSpPr>
-          <p:cNvPr id="249" name="Google Shape;249;p38"/>
+          <p:cNvPr id="250" name="Google Shape;250;p38"/>
           <p:cNvSpPr txBox="1"/>
           <p:nvPr/>
         </p:nvSpPr>
@@ -17825,7 +17490,7 @@
       </p:sp>
       <p:pic>
         <p:nvPicPr>
-          <p:cNvPr id="250" name="Google Shape;250;p38"/>
+          <p:cNvPr id="251" name="Google Shape;251;p38"/>
           <p:cNvPicPr preferRelativeResize="0"/>
           <p:nvPr/>
         </p:nvPicPr>
@@ -17864,7 +17529,7 @@
   <p:cSld>
     <p:spTree>
       <p:nvGrpSpPr>
-        <p:cNvPr id="254" name="Shape 254"/>
+        <p:cNvPr id="255" name="Shape 255"/>
         <p:cNvGrpSpPr/>
         <p:nvPr/>
       </p:nvGrpSpPr>
@@ -17878,7 +17543,7 @@
       </p:grpSpPr>
       <p:sp>
         <p:nvSpPr>
-          <p:cNvPr id="255" name="Google Shape;255;p39"/>
+          <p:cNvPr id="256" name="Google Shape;256;p39"/>
           <p:cNvSpPr txBox="1"/>
           <p:nvPr>
             <p:ph type="title"/>
@@ -17918,7 +17583,7 @@
       </p:sp>
       <p:sp>
         <p:nvSpPr>
-          <p:cNvPr id="256" name="Google Shape;256;p39"/>
+          <p:cNvPr id="257" name="Google Shape;257;p39"/>
           <p:cNvSpPr txBox="1"/>
           <p:nvPr>
             <p:ph idx="1" type="body"/>
@@ -18108,7 +17773,7 @@
       </p:sp>
       <p:sp>
         <p:nvSpPr>
-          <p:cNvPr id="257" name="Google Shape;257;p39"/>
+          <p:cNvPr id="258" name="Google Shape;258;p39"/>
           <p:cNvSpPr txBox="1"/>
           <p:nvPr>
             <p:ph idx="12" type="sldNum"/>
@@ -18116,8 +17781,8 @@
         </p:nvSpPr>
         <p:spPr>
           <a:xfrm>
-            <a:off x="7315202" y="4416550"/>
-            <a:ext cx="1828800" cy="731400"/>
+            <a:off x="7315209" y="4229101"/>
+            <a:ext cx="1828800" cy="914400"/>
           </a:xfrm>
           <a:prstGeom prst="rect">
             <a:avLst/>
@@ -18155,33 +17820,25 @@
               <a:buNone/>
             </a:pPr>
             <a:r>
-              <a:rPr b="0" lang="en" sz="900" u="sng">
+              <a:rPr b="0" lang="en" sz="1000" u="sng">
                 <a:solidFill>
                   <a:schemeClr val="hlink"/>
                 </a:solidFill>
                 <a:hlinkClick r:id="rId3"/>
               </a:rPr>
-              <a:t>https://profriehle.com</a:t>
-            </a:r>
-            <a:r>
-              <a:rPr b="0" lang="en" sz="900">
-                <a:solidFill>
-                  <a:schemeClr val="dk2"/>
-                </a:solidFill>
-              </a:rPr>
+              <a:t>uni1.de/nyt</a:t>
+            </a:r>
+            <a:r>
+              <a:rPr b="0" lang="en" sz="1000"/>
               <a:t> </a:t>
             </a:r>
-            <a:endParaRPr b="0" sz="900">
-              <a:solidFill>
-                <a:schemeClr val="dk2"/>
-              </a:solidFill>
-            </a:endParaRPr>
+            <a:endParaRPr b="0" sz="1000"/>
           </a:p>
         </p:txBody>
       </p:sp>
       <p:sp>
         <p:nvSpPr>
-          <p:cNvPr id="258" name="Google Shape;258;p39"/>
+          <p:cNvPr id="259" name="Google Shape;259;p39"/>
           <p:cNvSpPr txBox="1"/>
           <p:nvPr/>
         </p:nvSpPr>
@@ -18234,7 +17891,7 @@
   <p:cSld>
     <p:spTree>
       <p:nvGrpSpPr>
-        <p:cNvPr id="262" name="Shape 262"/>
+        <p:cNvPr id="263" name="Shape 263"/>
         <p:cNvGrpSpPr/>
         <p:nvPr/>
       </p:nvGrpSpPr>
@@ -18248,7 +17905,7 @@
       </p:grpSpPr>
       <p:sp>
         <p:nvSpPr>
-          <p:cNvPr id="263" name="Google Shape;263;p40"/>
+          <p:cNvPr id="264" name="Google Shape;264;p40"/>
           <p:cNvSpPr txBox="1"/>
           <p:nvPr>
             <p:ph type="title"/>
@@ -18288,7 +17945,7 @@
       </p:sp>
       <p:sp>
         <p:nvSpPr>
-          <p:cNvPr id="264" name="Google Shape;264;p40"/>
+          <p:cNvPr id="265" name="Google Shape;265;p40"/>
           <p:cNvSpPr txBox="1"/>
           <p:nvPr>
             <p:ph idx="1" type="body"/>
@@ -18498,7 +18155,7 @@
       </p:sp>
       <p:sp>
         <p:nvSpPr>
-          <p:cNvPr id="265" name="Google Shape;265;p40"/>
+          <p:cNvPr id="266" name="Google Shape;266;p40"/>
           <p:cNvSpPr txBox="1"/>
           <p:nvPr>
             <p:ph idx="12" type="sldNum"/>
@@ -18506,8 +18163,8 @@
         </p:nvSpPr>
         <p:spPr>
           <a:xfrm>
-            <a:off x="7315202" y="4416550"/>
-            <a:ext cx="1828800" cy="731400"/>
+            <a:off x="7315209" y="4229101"/>
+            <a:ext cx="1828800" cy="914400"/>
           </a:xfrm>
           <a:prstGeom prst="rect">
             <a:avLst/>
@@ -18545,27 +18202,19 @@
               <a:buNone/>
             </a:pPr>
             <a:r>
-              <a:rPr b="0" lang="en" sz="900" u="sng">
+              <a:rPr b="0" lang="en" sz="1000" u="sng">
                 <a:solidFill>
                   <a:schemeClr val="hlink"/>
                 </a:solidFill>
                 <a:hlinkClick r:id="rId3"/>
               </a:rPr>
-              <a:t>https://profriehle.com</a:t>
-            </a:r>
-            <a:r>
-              <a:rPr b="0" lang="en" sz="900">
-                <a:solidFill>
-                  <a:schemeClr val="dk2"/>
-                </a:solidFill>
-              </a:rPr>
+              <a:t>uni1.de/nyt</a:t>
+            </a:r>
+            <a:r>
+              <a:rPr b="0" lang="en" sz="1000"/>
               <a:t> </a:t>
             </a:r>
-            <a:endParaRPr b="0" sz="900">
-              <a:solidFill>
-                <a:schemeClr val="dk2"/>
-              </a:solidFill>
-            </a:endParaRPr>
+            <a:endParaRPr b="0" sz="1000"/>
           </a:p>
         </p:txBody>
       </p:sp>
@@ -18582,7 +18231,7 @@
   <p:cSld>
     <p:spTree>
       <p:nvGrpSpPr>
-        <p:cNvPr id="269" name="Shape 269"/>
+        <p:cNvPr id="270" name="Shape 270"/>
         <p:cNvGrpSpPr/>
         <p:nvPr/>
       </p:nvGrpSpPr>
@@ -18596,7 +18245,7 @@
       </p:grpSpPr>
       <p:sp>
         <p:nvSpPr>
-          <p:cNvPr id="270" name="Google Shape;270;p41"/>
+          <p:cNvPr id="271" name="Google Shape;271;p41"/>
           <p:cNvSpPr txBox="1"/>
           <p:nvPr>
             <p:ph type="title"/>
@@ -18636,7 +18285,7 @@
       </p:sp>
       <p:sp>
         <p:nvSpPr>
-          <p:cNvPr id="271" name="Google Shape;271;p41"/>
+          <p:cNvPr id="272" name="Google Shape;272;p41"/>
           <p:cNvSpPr txBox="1"/>
           <p:nvPr>
             <p:ph idx="1" type="body"/>
@@ -18667,10 +18316,10 @@
               <a:buNone/>
             </a:pPr>
             <a:r>
-              <a:rPr b="1" lang="en"/>
+              <a:rPr lang="en"/>
               <a:t>Guide for community managers</a:t>
             </a:r>
-            <a:endParaRPr b="1"/>
+            <a:endParaRPr/>
           </a:p>
           <a:p>
             <a:pPr indent="-317500" lvl="0" marL="457200" rtl="0" algn="l">
@@ -18684,10 +18333,10 @@
               <a:buAutoNum type="arabicPeriod"/>
             </a:pPr>
             <a:r>
-              <a:rPr i="1" lang="en" sz="1400"/>
+              <a:rPr lang="en" sz="1400"/>
               <a:t>Introduction</a:t>
             </a:r>
-            <a:endParaRPr i="1" sz="1400"/>
+            <a:endParaRPr sz="1400"/>
           </a:p>
           <a:p>
             <a:pPr indent="-317500" lvl="0" marL="457200" rtl="0" algn="l">
@@ -18701,10 +18350,10 @@
               <a:buAutoNum type="arabicPeriod"/>
             </a:pPr>
             <a:r>
-              <a:rPr i="1" lang="en" sz="1400"/>
+              <a:rPr lang="en" sz="1400"/>
               <a:t>Establish subject’s authority</a:t>
             </a:r>
-            <a:endParaRPr i="1" sz="1400"/>
+            <a:endParaRPr sz="1400"/>
           </a:p>
           <a:p>
             <a:pPr indent="-317500" lvl="0" marL="457200" rtl="0" algn="l">
@@ -18718,10 +18367,10 @@
               <a:buAutoNum type="arabicPeriod"/>
             </a:pPr>
             <a:r>
-              <a:rPr i="1" lang="en" sz="1400"/>
+              <a:rPr lang="en" sz="1400"/>
               <a:t>Understand what the interview subject means by volunteering</a:t>
             </a:r>
-            <a:endParaRPr i="1" sz="1400"/>
+            <a:endParaRPr sz="1400"/>
           </a:p>
           <a:p>
             <a:pPr indent="-317500" lvl="0" marL="457200" rtl="0" algn="l">
@@ -18735,10 +18384,10 @@
               <a:buAutoNum type="arabicPeriod"/>
             </a:pPr>
             <a:r>
-              <a:rPr i="1" lang="en" sz="1400"/>
+              <a:rPr lang="en" sz="1400"/>
               <a:t>What types of episodic volunteering are present</a:t>
             </a:r>
-            <a:endParaRPr i="1" sz="1400"/>
+            <a:endParaRPr sz="1400"/>
           </a:p>
           <a:p>
             <a:pPr indent="-317500" lvl="0" marL="457200" rtl="0" algn="l">
@@ -18752,10 +18401,10 @@
               <a:buAutoNum type="arabicPeriod"/>
             </a:pPr>
             <a:r>
-              <a:rPr i="1" lang="en" sz="1400"/>
+              <a:rPr lang="en" sz="1400"/>
               <a:t>What does episodic volunteering look like</a:t>
             </a:r>
-            <a:endParaRPr i="1" sz="1400"/>
+            <a:endParaRPr sz="1400"/>
           </a:p>
           <a:p>
             <a:pPr indent="-317500" lvl="0" marL="457200" rtl="0" algn="l">
@@ -18769,10 +18418,10 @@
               <a:buAutoNum type="arabicPeriod"/>
             </a:pPr>
             <a:r>
-              <a:rPr i="1" lang="en" sz="1400"/>
+              <a:rPr lang="en" sz="1400"/>
               <a:t>How are episodic volunteers managed</a:t>
             </a:r>
-            <a:endParaRPr i="1" sz="1400"/>
+            <a:endParaRPr sz="1400"/>
           </a:p>
           <a:p>
             <a:pPr indent="-317500" lvl="1" marL="914400" rtl="0" algn="l">
@@ -18824,31 +18473,16 @@
               <a:buAutoNum type="arabicPeriod"/>
             </a:pPr>
             <a:r>
-              <a:rPr i="1" lang="en" sz="1400"/>
+              <a:rPr lang="en" sz="1400"/>
               <a:t>Conclusion</a:t>
             </a:r>
-            <a:endParaRPr i="1" sz="1400"/>
-          </a:p>
-          <a:p>
-            <a:pPr indent="0" lvl="0" marL="0" rtl="0" algn="l">
-              <a:spcBef>
-                <a:spcPts val="1200"/>
-              </a:spcBef>
-              <a:spcAft>
-                <a:spcPts val="1200"/>
-              </a:spcAft>
-              <a:buNone/>
-            </a:pPr>
-            <a:r>
-              <a:t/>
-            </a:r>
             <a:endParaRPr sz="1400"/>
           </a:p>
         </p:txBody>
       </p:sp>
       <p:sp>
         <p:nvSpPr>
-          <p:cNvPr id="272" name="Google Shape;272;p41"/>
+          <p:cNvPr id="273" name="Google Shape;273;p41"/>
           <p:cNvSpPr txBox="1"/>
           <p:nvPr>
             <p:ph idx="12" type="sldNum"/>
@@ -18856,8 +18490,8 @@
         </p:nvSpPr>
         <p:spPr>
           <a:xfrm>
-            <a:off x="7315202" y="4416550"/>
-            <a:ext cx="1828800" cy="731400"/>
+            <a:off x="7315209" y="4229101"/>
+            <a:ext cx="1828800" cy="914400"/>
           </a:xfrm>
           <a:prstGeom prst="rect">
             <a:avLst/>
@@ -18895,33 +18529,25 @@
               <a:buNone/>
             </a:pPr>
             <a:r>
-              <a:rPr b="0" lang="en" sz="900" u="sng">
+              <a:rPr b="0" lang="en" sz="1000" u="sng">
                 <a:solidFill>
                   <a:schemeClr val="hlink"/>
                 </a:solidFill>
                 <a:hlinkClick r:id="rId3"/>
               </a:rPr>
-              <a:t>https://profriehle.com</a:t>
-            </a:r>
-            <a:r>
-              <a:rPr b="0" lang="en" sz="900">
-                <a:solidFill>
-                  <a:schemeClr val="dk2"/>
-                </a:solidFill>
-              </a:rPr>
+              <a:t>uni1.de/nyt</a:t>
+            </a:r>
+            <a:r>
+              <a:rPr b="0" lang="en" sz="1000"/>
               <a:t> </a:t>
             </a:r>
-            <a:endParaRPr>
-              <a:solidFill>
-                <a:schemeClr val="dk2"/>
-              </a:solidFill>
-            </a:endParaRPr>
+            <a:endParaRPr b="0" sz="1000"/>
           </a:p>
         </p:txBody>
       </p:sp>
       <p:sp>
         <p:nvSpPr>
-          <p:cNvPr id="273" name="Google Shape;273;p41"/>
+          <p:cNvPr id="274" name="Google Shape;274;p41"/>
           <p:cNvSpPr txBox="1"/>
           <p:nvPr>
             <p:ph idx="2" type="body"/>
@@ -18969,10 +18595,10 @@
               <a:buAutoNum type="arabicPeriod"/>
             </a:pPr>
             <a:r>
-              <a:rPr i="1" lang="en" sz="1400"/>
+              <a:rPr lang="en" sz="1400"/>
               <a:t>Introduction</a:t>
             </a:r>
-            <a:endParaRPr i="1" sz="1400"/>
+            <a:endParaRPr sz="1400"/>
           </a:p>
           <a:p>
             <a:pPr indent="-317500" lvl="0" marL="457200" rtl="0" algn="l">
@@ -18986,10 +18612,10 @@
               <a:buAutoNum type="arabicPeriod"/>
             </a:pPr>
             <a:r>
-              <a:rPr i="1" lang="en" sz="1400"/>
+              <a:rPr lang="en" sz="1400"/>
               <a:t>Episodic volunteering pattern in a community</a:t>
             </a:r>
-            <a:endParaRPr i="1" sz="1400"/>
+            <a:endParaRPr sz="1400"/>
           </a:p>
           <a:p>
             <a:pPr indent="-317500" lvl="0" marL="457200" rtl="0" algn="l">
@@ -19003,10 +18629,10 @@
               <a:buAutoNum type="arabicPeriod"/>
             </a:pPr>
             <a:r>
-              <a:rPr i="1" lang="en" sz="1400"/>
+              <a:rPr lang="en" sz="1400"/>
               <a:t>Motives and Intentions</a:t>
             </a:r>
-            <a:endParaRPr i="1" sz="1400"/>
+            <a:endParaRPr sz="1400"/>
           </a:p>
           <a:p>
             <a:pPr indent="-317500" lvl="1" marL="914400" rtl="0" algn="l">
@@ -19071,10 +18697,10 @@
               <a:buAutoNum type="arabicPeriod"/>
             </a:pPr>
             <a:r>
-              <a:rPr i="1" lang="en" sz="1400"/>
+              <a:rPr lang="en" sz="1400"/>
               <a:t>Experiences</a:t>
             </a:r>
-            <a:endParaRPr i="1" sz="1400"/>
+            <a:endParaRPr sz="1400"/>
           </a:p>
           <a:p>
             <a:pPr indent="-317500" lvl="0" marL="457200" rtl="0" algn="l">
@@ -19088,10 +18714,10 @@
               <a:buAutoNum type="arabicPeriod"/>
             </a:pPr>
             <a:r>
-              <a:rPr i="1" lang="en" sz="1400"/>
+              <a:rPr lang="en" sz="1400"/>
               <a:t>Practices</a:t>
             </a:r>
-            <a:endParaRPr i="1" sz="1400"/>
+            <a:endParaRPr sz="1400"/>
           </a:p>
           <a:p>
             <a:pPr indent="-317500" lvl="0" marL="457200" rtl="0" algn="l">
@@ -19105,10 +18731,10 @@
               <a:buAutoNum type="arabicPeriod"/>
             </a:pPr>
             <a:r>
-              <a:rPr i="1" lang="en" sz="1400"/>
+              <a:rPr lang="en" sz="1400"/>
               <a:t>Volunteering identity/behavior</a:t>
             </a:r>
-            <a:endParaRPr i="1" sz="1400"/>
+            <a:endParaRPr sz="1400"/>
           </a:p>
           <a:p>
             <a:pPr indent="-317500" lvl="0" marL="457200" rtl="0" algn="l">
@@ -19122,10 +18748,10 @@
               <a:buAutoNum type="arabicPeriod"/>
             </a:pPr>
             <a:r>
-              <a:rPr i="1" lang="en" sz="1400"/>
+              <a:rPr lang="en" sz="1400"/>
               <a:t>Conclusion</a:t>
             </a:r>
-            <a:endParaRPr i="1" sz="1400"/>
+            <a:endParaRPr sz="1400"/>
           </a:p>
           <a:p>
             <a:pPr indent="-317500" lvl="1" marL="914400" rtl="0" algn="l">
@@ -19139,10 +18765,10 @@
               <a:buAutoNum type="alphaLcPeriod"/>
             </a:pPr>
             <a:r>
-              <a:rPr lang="en" sz="1400"/>
+              <a:rPr lang="en"/>
               <a:t>Do you have additional insights</a:t>
             </a:r>
-            <a:endParaRPr sz="1400"/>
+            <a:endParaRPr/>
           </a:p>
         </p:txBody>
       </p:sp>
@@ -19159,7 +18785,7 @@
   <p:cSld>
     <p:spTree>
       <p:nvGrpSpPr>
-        <p:cNvPr id="277" name="Shape 277"/>
+        <p:cNvPr id="278" name="Shape 278"/>
         <p:cNvGrpSpPr/>
         <p:nvPr/>
       </p:nvGrpSpPr>
@@ -19173,7 +18799,7 @@
       </p:grpSpPr>
       <p:sp>
         <p:nvSpPr>
-          <p:cNvPr id="278" name="Google Shape;278;p42"/>
+          <p:cNvPr id="279" name="Google Shape;279;p42"/>
           <p:cNvSpPr txBox="1"/>
           <p:nvPr>
             <p:ph type="title"/>
@@ -19213,7 +18839,7 @@
       </p:sp>
       <p:sp>
         <p:nvSpPr>
-          <p:cNvPr id="279" name="Google Shape;279;p42"/>
+          <p:cNvPr id="280" name="Google Shape;280;p42"/>
           <p:cNvSpPr txBox="1"/>
           <p:nvPr>
             <p:ph idx="1" type="body"/>
@@ -19341,7 +18967,7 @@
       </p:sp>
       <p:sp>
         <p:nvSpPr>
-          <p:cNvPr id="280" name="Google Shape;280;p42"/>
+          <p:cNvPr id="281" name="Google Shape;281;p42"/>
           <p:cNvSpPr txBox="1"/>
           <p:nvPr>
             <p:ph idx="12" type="sldNum"/>
@@ -19349,8 +18975,8 @@
         </p:nvSpPr>
         <p:spPr>
           <a:xfrm>
-            <a:off x="7315202" y="4416550"/>
-            <a:ext cx="1828800" cy="731400"/>
+            <a:off x="7315209" y="4229101"/>
+            <a:ext cx="1828800" cy="914400"/>
           </a:xfrm>
           <a:prstGeom prst="rect">
             <a:avLst/>
@@ -19388,27 +19014,19 @@
               <a:buNone/>
             </a:pPr>
             <a:r>
-              <a:rPr b="0" lang="en" sz="900" u="sng">
+              <a:rPr b="0" lang="en" sz="1000" u="sng">
                 <a:solidFill>
                   <a:schemeClr val="hlink"/>
                 </a:solidFill>
                 <a:hlinkClick r:id="rId3"/>
               </a:rPr>
-              <a:t>https://profriehle.com</a:t>
-            </a:r>
-            <a:r>
-              <a:rPr b="0" lang="en" sz="900">
-                <a:solidFill>
-                  <a:schemeClr val="dk2"/>
-                </a:solidFill>
-              </a:rPr>
+              <a:t>uni1.de/nyt</a:t>
+            </a:r>
+            <a:r>
+              <a:rPr b="0" lang="en" sz="1000"/>
               <a:t> </a:t>
             </a:r>
-            <a:endParaRPr b="0" sz="900">
-              <a:solidFill>
-                <a:schemeClr val="dk2"/>
-              </a:solidFill>
-            </a:endParaRPr>
+            <a:endParaRPr b="0" sz="1000"/>
           </a:p>
         </p:txBody>
       </p:sp>
@@ -19425,7 +19043,7 @@
   <p:cSld>
     <p:spTree>
       <p:nvGrpSpPr>
-        <p:cNvPr id="284" name="Shape 284"/>
+        <p:cNvPr id="285" name="Shape 285"/>
         <p:cNvGrpSpPr/>
         <p:nvPr/>
       </p:nvGrpSpPr>
@@ -19439,7 +19057,7 @@
       </p:grpSpPr>
       <p:sp>
         <p:nvSpPr>
-          <p:cNvPr id="285" name="Google Shape;285;p43"/>
+          <p:cNvPr id="286" name="Google Shape;286;p43"/>
           <p:cNvSpPr txBox="1"/>
           <p:nvPr>
             <p:ph type="title"/>
@@ -19479,7 +19097,7 @@
       </p:sp>
       <p:sp>
         <p:nvSpPr>
-          <p:cNvPr id="286" name="Google Shape;286;p43"/>
+          <p:cNvPr id="287" name="Google Shape;287;p43"/>
           <p:cNvSpPr txBox="1"/>
           <p:nvPr>
             <p:ph idx="1" type="body"/>
@@ -19604,7 +19222,7 @@
       </p:sp>
       <p:sp>
         <p:nvSpPr>
-          <p:cNvPr id="287" name="Google Shape;287;p43"/>
+          <p:cNvPr id="288" name="Google Shape;288;p43"/>
           <p:cNvSpPr txBox="1"/>
           <p:nvPr>
             <p:ph idx="12" type="sldNum"/>
@@ -19612,8 +19230,8 @@
         </p:nvSpPr>
         <p:spPr>
           <a:xfrm>
-            <a:off x="7315202" y="4416550"/>
-            <a:ext cx="1828800" cy="731400"/>
+            <a:off x="7315209" y="4229101"/>
+            <a:ext cx="1828800" cy="914400"/>
           </a:xfrm>
           <a:prstGeom prst="rect">
             <a:avLst/>
@@ -19651,27 +19269,19 @@
               <a:buNone/>
             </a:pPr>
             <a:r>
-              <a:rPr b="0" lang="en" sz="900" u="sng">
+              <a:rPr b="0" lang="en" sz="1000" u="sng">
                 <a:solidFill>
                   <a:schemeClr val="hlink"/>
                 </a:solidFill>
                 <a:hlinkClick r:id="rId3"/>
               </a:rPr>
-              <a:t>https://profriehle.com</a:t>
-            </a:r>
-            <a:r>
-              <a:rPr b="0" lang="en" sz="900">
-                <a:solidFill>
-                  <a:schemeClr val="dk2"/>
-                </a:solidFill>
-              </a:rPr>
+              <a:t>uni1.de/nyt</a:t>
+            </a:r>
+            <a:r>
+              <a:rPr b="0" lang="en" sz="1000"/>
               <a:t> </a:t>
             </a:r>
-            <a:endParaRPr b="0" sz="900">
-              <a:solidFill>
-                <a:schemeClr val="dk2"/>
-              </a:solidFill>
-            </a:endParaRPr>
+            <a:endParaRPr b="0" sz="1000"/>
           </a:p>
         </p:txBody>
       </p:sp>
@@ -19688,7 +19298,7 @@
   <p:cSld>
     <p:spTree>
       <p:nvGrpSpPr>
-        <p:cNvPr id="291" name="Shape 291"/>
+        <p:cNvPr id="292" name="Shape 292"/>
         <p:cNvGrpSpPr/>
         <p:nvPr/>
       </p:nvGrpSpPr>
@@ -19702,7 +19312,7 @@
       </p:grpSpPr>
       <p:sp>
         <p:nvSpPr>
-          <p:cNvPr id="292" name="Google Shape;292;p44"/>
+          <p:cNvPr id="293" name="Google Shape;293;p44"/>
           <p:cNvSpPr txBox="1"/>
           <p:nvPr>
             <p:ph type="title"/>
@@ -19742,7 +19352,7 @@
       </p:sp>
       <p:sp>
         <p:nvSpPr>
-          <p:cNvPr id="293" name="Google Shape;293;p44"/>
+          <p:cNvPr id="294" name="Google Shape;294;p44"/>
           <p:cNvSpPr txBox="1"/>
           <p:nvPr>
             <p:ph idx="12" type="sldNum"/>
@@ -19750,8 +19360,8 @@
         </p:nvSpPr>
         <p:spPr>
           <a:xfrm>
-            <a:off x="7315202" y="4416550"/>
-            <a:ext cx="1828800" cy="731400"/>
+            <a:off x="7315209" y="4229101"/>
+            <a:ext cx="1828800" cy="914400"/>
           </a:xfrm>
           <a:prstGeom prst="rect">
             <a:avLst/>
@@ -19789,33 +19399,25 @@
               <a:buNone/>
             </a:pPr>
             <a:r>
-              <a:rPr b="0" lang="en" sz="900" u="sng">
+              <a:rPr b="0" lang="en" sz="1000" u="sng">
                 <a:solidFill>
                   <a:schemeClr val="hlink"/>
                 </a:solidFill>
                 <a:hlinkClick r:id="rId3"/>
               </a:rPr>
-              <a:t>https://profriehle.com</a:t>
-            </a:r>
-            <a:r>
-              <a:rPr b="0" lang="en" sz="900">
-                <a:solidFill>
-                  <a:schemeClr val="dk2"/>
-                </a:solidFill>
-              </a:rPr>
+              <a:t>uni1.de/nyt</a:t>
+            </a:r>
+            <a:r>
+              <a:rPr b="0" lang="en" sz="1000"/>
               <a:t> </a:t>
             </a:r>
-            <a:endParaRPr b="0" sz="900">
-              <a:solidFill>
-                <a:schemeClr val="dk2"/>
-              </a:solidFill>
-            </a:endParaRPr>
+            <a:endParaRPr b="0" sz="1000"/>
           </a:p>
         </p:txBody>
       </p:sp>
       <p:sp>
         <p:nvSpPr>
-          <p:cNvPr id="294" name="Google Shape;294;p44"/>
+          <p:cNvPr id="295" name="Google Shape;295;p44"/>
           <p:cNvSpPr txBox="1"/>
           <p:nvPr>
             <p:ph idx="1" type="body"/>
@@ -19951,7 +19553,7 @@
   <p:cSld>
     <p:spTree>
       <p:nvGrpSpPr>
-        <p:cNvPr id="298" name="Shape 298"/>
+        <p:cNvPr id="299" name="Shape 299"/>
         <p:cNvGrpSpPr/>
         <p:nvPr/>
       </p:nvGrpSpPr>
@@ -19965,7 +19567,7 @@
       </p:grpSpPr>
       <p:sp>
         <p:nvSpPr>
-          <p:cNvPr id="299" name="Google Shape;299;p45"/>
+          <p:cNvPr id="300" name="Google Shape;300;p45"/>
           <p:cNvSpPr txBox="1"/>
           <p:nvPr>
             <p:ph type="title"/>
@@ -20020,7 +19622,7 @@
   <p:cSld>
     <p:spTree>
       <p:nvGrpSpPr>
-        <p:cNvPr id="303" name="Shape 303"/>
+        <p:cNvPr id="304" name="Shape 304"/>
         <p:cNvGrpSpPr/>
         <p:nvPr/>
       </p:nvGrpSpPr>
@@ -20034,7 +19636,7 @@
       </p:grpSpPr>
       <p:sp>
         <p:nvSpPr>
-          <p:cNvPr id="304" name="Google Shape;304;p46"/>
+          <p:cNvPr id="305" name="Google Shape;305;p46"/>
           <p:cNvSpPr txBox="1"/>
           <p:nvPr>
             <p:ph type="title"/>
@@ -20074,7 +19676,7 @@
       </p:sp>
       <p:sp>
         <p:nvSpPr>
-          <p:cNvPr id="305" name="Google Shape;305;p46"/>
+          <p:cNvPr id="306" name="Google Shape;306;p46"/>
           <p:cNvSpPr txBox="1"/>
           <p:nvPr>
             <p:ph idx="12" type="sldNum"/>
@@ -20082,8 +19684,8 @@
         </p:nvSpPr>
         <p:spPr>
           <a:xfrm>
-            <a:off x="7315202" y="4416550"/>
-            <a:ext cx="1828800" cy="731400"/>
+            <a:off x="7315209" y="4229101"/>
+            <a:ext cx="1828800" cy="914400"/>
           </a:xfrm>
           <a:prstGeom prst="rect">
             <a:avLst/>
@@ -20121,33 +19723,25 @@
               <a:buNone/>
             </a:pPr>
             <a:r>
-              <a:rPr b="0" lang="en" sz="900" u="sng">
+              <a:rPr b="0" lang="en" sz="1000" u="sng">
                 <a:solidFill>
                   <a:schemeClr val="hlink"/>
                 </a:solidFill>
                 <a:hlinkClick r:id="rId3"/>
               </a:rPr>
-              <a:t>https://profriehle.com</a:t>
-            </a:r>
-            <a:r>
-              <a:rPr b="0" lang="en" sz="900">
-                <a:solidFill>
-                  <a:schemeClr val="dk2"/>
-                </a:solidFill>
-              </a:rPr>
+              <a:t>uni1.de/nyt</a:t>
+            </a:r>
+            <a:r>
+              <a:rPr b="0" lang="en" sz="1000"/>
               <a:t> </a:t>
             </a:r>
-            <a:endParaRPr b="0" sz="900">
-              <a:solidFill>
-                <a:schemeClr val="dk2"/>
-              </a:solidFill>
-            </a:endParaRPr>
+            <a:endParaRPr b="0" sz="1000"/>
           </a:p>
         </p:txBody>
       </p:sp>
       <p:sp>
         <p:nvSpPr>
-          <p:cNvPr id="306" name="Google Shape;306;p46"/>
+          <p:cNvPr id="307" name="Google Shape;307;p46"/>
           <p:cNvSpPr txBox="1"/>
           <p:nvPr>
             <p:ph idx="1" type="body"/>
@@ -20340,7 +19934,7 @@
       </p:sp>
       <p:pic>
         <p:nvPicPr>
-          <p:cNvPr id="307" name="Google Shape;307;p46"/>
+          <p:cNvPr id="308" name="Google Shape;308;p46"/>
           <p:cNvPicPr preferRelativeResize="0"/>
           <p:nvPr/>
         </p:nvPicPr>
@@ -20379,7 +19973,7 @@
   <p:cSld>
     <p:spTree>
       <p:nvGrpSpPr>
-        <p:cNvPr id="53" name="Shape 53"/>
+        <p:cNvPr id="54" name="Shape 54"/>
         <p:cNvGrpSpPr/>
         <p:nvPr/>
       </p:nvGrpSpPr>
@@ -20393,7 +19987,7 @@
       </p:grpSpPr>
       <p:sp>
         <p:nvSpPr>
-          <p:cNvPr id="54" name="Google Shape;54;p11"/>
+          <p:cNvPr id="55" name="Google Shape;55;p11"/>
           <p:cNvSpPr txBox="1"/>
           <p:nvPr>
             <p:ph type="title"/>
@@ -20433,7 +20027,7 @@
       </p:sp>
       <p:sp>
         <p:nvSpPr>
-          <p:cNvPr id="55" name="Google Shape;55;p11"/>
+          <p:cNvPr id="56" name="Google Shape;56;p11"/>
           <p:cNvSpPr txBox="1"/>
           <p:nvPr>
             <p:ph idx="1" type="body"/>
@@ -20591,7 +20185,7 @@
       </p:sp>
       <p:sp>
         <p:nvSpPr>
-          <p:cNvPr id="56" name="Google Shape;56;p11"/>
+          <p:cNvPr id="57" name="Google Shape;57;p11"/>
           <p:cNvSpPr txBox="1"/>
           <p:nvPr>
             <p:ph idx="12" type="sldNum"/>
@@ -20599,8 +20193,8 @@
         </p:nvSpPr>
         <p:spPr>
           <a:xfrm>
-            <a:off x="7315202" y="4416550"/>
-            <a:ext cx="1828800" cy="731400"/>
+            <a:off x="7315209" y="4229101"/>
+            <a:ext cx="1828800" cy="914400"/>
           </a:xfrm>
           <a:prstGeom prst="rect">
             <a:avLst/>
@@ -20638,27 +20232,19 @@
               <a:buNone/>
             </a:pPr>
             <a:r>
-              <a:rPr b="0" lang="en" sz="900" u="sng">
+              <a:rPr b="0" lang="en" sz="1000" u="sng">
                 <a:solidFill>
                   <a:schemeClr val="hlink"/>
                 </a:solidFill>
                 <a:hlinkClick r:id="rId3"/>
               </a:rPr>
-              <a:t>https://profriehle.com</a:t>
-            </a:r>
-            <a:r>
-              <a:rPr b="0" lang="en" sz="900">
-                <a:solidFill>
-                  <a:schemeClr val="dk2"/>
-                </a:solidFill>
-              </a:rPr>
+              <a:t>uni1.de/nyt</a:t>
+            </a:r>
+            <a:r>
+              <a:rPr b="0" lang="en" sz="1000"/>
               <a:t> </a:t>
             </a:r>
-            <a:endParaRPr b="0" sz="900">
-              <a:solidFill>
-                <a:schemeClr val="dk2"/>
-              </a:solidFill>
-            </a:endParaRPr>
+            <a:endParaRPr b="0" sz="1000"/>
           </a:p>
         </p:txBody>
       </p:sp>
@@ -20675,7 +20261,7 @@
   <p:cSld>
     <p:spTree>
       <p:nvGrpSpPr>
-        <p:cNvPr id="311" name="Shape 311"/>
+        <p:cNvPr id="312" name="Shape 312"/>
         <p:cNvGrpSpPr/>
         <p:nvPr/>
       </p:nvGrpSpPr>
@@ -20689,7 +20275,7 @@
       </p:grpSpPr>
       <p:sp>
         <p:nvSpPr>
-          <p:cNvPr id="312" name="Google Shape;312;p47"/>
+          <p:cNvPr id="313" name="Google Shape;313;p47"/>
           <p:cNvSpPr txBox="1"/>
           <p:nvPr>
             <p:ph type="title"/>
@@ -20729,7 +20315,7 @@
       </p:sp>
       <p:sp>
         <p:nvSpPr>
-          <p:cNvPr id="313" name="Google Shape;313;p47"/>
+          <p:cNvPr id="314" name="Google Shape;314;p47"/>
           <p:cNvSpPr txBox="1"/>
           <p:nvPr>
             <p:ph idx="1" type="body"/>
@@ -20915,7 +20501,7 @@
       </p:sp>
       <p:sp>
         <p:nvSpPr>
-          <p:cNvPr id="314" name="Google Shape;314;p47"/>
+          <p:cNvPr id="315" name="Google Shape;315;p47"/>
           <p:cNvSpPr txBox="1"/>
           <p:nvPr>
             <p:ph idx="12" type="sldNum"/>
@@ -20923,8 +20509,8 @@
         </p:nvSpPr>
         <p:spPr>
           <a:xfrm>
-            <a:off x="7315202" y="4416550"/>
-            <a:ext cx="1828800" cy="731400"/>
+            <a:off x="7315209" y="4229101"/>
+            <a:ext cx="1828800" cy="914400"/>
           </a:xfrm>
           <a:prstGeom prst="rect">
             <a:avLst/>
@@ -20962,27 +20548,19 @@
               <a:buNone/>
             </a:pPr>
             <a:r>
-              <a:rPr b="0" lang="en" sz="900" u="sng">
+              <a:rPr b="0" lang="en" sz="1000" u="sng">
                 <a:solidFill>
                   <a:schemeClr val="hlink"/>
                 </a:solidFill>
                 <a:hlinkClick r:id="rId3"/>
               </a:rPr>
-              <a:t>https://profriehle.com</a:t>
-            </a:r>
-            <a:r>
-              <a:rPr b="0" lang="en" sz="900">
-                <a:solidFill>
-                  <a:schemeClr val="dk2"/>
-                </a:solidFill>
-              </a:rPr>
+              <a:t>uni1.de/nyt</a:t>
+            </a:r>
+            <a:r>
+              <a:rPr b="0" lang="en" sz="1000"/>
               <a:t> </a:t>
             </a:r>
-            <a:endParaRPr b="0" sz="900">
-              <a:solidFill>
-                <a:schemeClr val="dk2"/>
-              </a:solidFill>
-            </a:endParaRPr>
+            <a:endParaRPr b="0" sz="1000"/>
           </a:p>
         </p:txBody>
       </p:sp>
@@ -20999,7 +20577,7 @@
   <p:cSld>
     <p:spTree>
       <p:nvGrpSpPr>
-        <p:cNvPr id="318" name="Shape 318"/>
+        <p:cNvPr id="319" name="Shape 319"/>
         <p:cNvGrpSpPr/>
         <p:nvPr/>
       </p:nvGrpSpPr>
@@ -21013,7 +20591,7 @@
       </p:grpSpPr>
       <p:sp>
         <p:nvSpPr>
-          <p:cNvPr id="319" name="Google Shape;319;p48"/>
+          <p:cNvPr id="320" name="Google Shape;320;p48"/>
           <p:cNvSpPr txBox="1"/>
           <p:nvPr>
             <p:ph type="title"/>
@@ -21053,7 +20631,7 @@
       </p:sp>
       <p:sp>
         <p:nvSpPr>
-          <p:cNvPr id="320" name="Google Shape;320;p48"/>
+          <p:cNvPr id="321" name="Google Shape;321;p48"/>
           <p:cNvSpPr txBox="1"/>
           <p:nvPr>
             <p:ph idx="12" type="sldNum"/>
@@ -21061,8 +20639,8 @@
         </p:nvSpPr>
         <p:spPr>
           <a:xfrm>
-            <a:off x="7315202" y="4416550"/>
-            <a:ext cx="1828800" cy="731400"/>
+            <a:off x="7315209" y="4229101"/>
+            <a:ext cx="1828800" cy="914400"/>
           </a:xfrm>
           <a:prstGeom prst="rect">
             <a:avLst/>
@@ -21100,33 +20678,25 @@
               <a:buNone/>
             </a:pPr>
             <a:r>
-              <a:rPr b="0" lang="en" sz="900" u="sng">
+              <a:rPr b="0" lang="en" sz="1000" u="sng">
                 <a:solidFill>
                   <a:schemeClr val="hlink"/>
                 </a:solidFill>
                 <a:hlinkClick r:id="rId3"/>
               </a:rPr>
-              <a:t>https://profriehle.com</a:t>
-            </a:r>
-            <a:r>
-              <a:rPr b="0" lang="en" sz="900">
-                <a:solidFill>
-                  <a:schemeClr val="dk2"/>
-                </a:solidFill>
-              </a:rPr>
+              <a:t>uni1.de/nyt</a:t>
+            </a:r>
+            <a:r>
+              <a:rPr b="0" lang="en" sz="1000"/>
               <a:t> </a:t>
             </a:r>
-            <a:endParaRPr b="0" sz="900">
-              <a:solidFill>
-                <a:schemeClr val="dk2"/>
-              </a:solidFill>
-            </a:endParaRPr>
+            <a:endParaRPr b="0" sz="1000"/>
           </a:p>
         </p:txBody>
       </p:sp>
       <p:graphicFrame>
         <p:nvGraphicFramePr>
-          <p:cNvPr id="321" name="Google Shape;321;p48"/>
+          <p:cNvPr id="322" name="Google Shape;322;p48"/>
           <p:cNvGraphicFramePr/>
           <p:nvPr/>
         </p:nvGraphicFramePr>
@@ -21139,7 +20709,7 @@
             <a:tbl>
               <a:tblPr>
                 <a:noFill/>
-                <a:tableStyleId>{76C0D67B-39C2-4360-A60F-3FD4491F70BC}</a:tableStyleId>
+                <a:tableStyleId>{AE168904-E788-4300-90B8-15F616D5DE38}</a:tableStyleId>
               </a:tblPr>
               <a:tblGrid>
                 <a:gridCol w="2865125"/>
@@ -21937,7 +21507,7 @@
       </p:graphicFrame>
       <p:sp>
         <p:nvSpPr>
-          <p:cNvPr id="322" name="Google Shape;322;p48"/>
+          <p:cNvPr id="323" name="Google Shape;323;p48"/>
           <p:cNvSpPr txBox="1"/>
           <p:nvPr/>
         </p:nvSpPr>
@@ -22035,7 +21605,7 @@
   <p:cSld>
     <p:spTree>
       <p:nvGrpSpPr>
-        <p:cNvPr id="326" name="Shape 326"/>
+        <p:cNvPr id="327" name="Shape 327"/>
         <p:cNvGrpSpPr/>
         <p:nvPr/>
       </p:nvGrpSpPr>
@@ -22049,7 +21619,7 @@
       </p:grpSpPr>
       <p:sp>
         <p:nvSpPr>
-          <p:cNvPr id="327" name="Google Shape;327;p49"/>
+          <p:cNvPr id="328" name="Google Shape;328;p49"/>
           <p:cNvSpPr txBox="1"/>
           <p:nvPr>
             <p:ph type="title"/>
@@ -22089,7 +21659,7 @@
       </p:sp>
       <p:sp>
         <p:nvSpPr>
-          <p:cNvPr id="328" name="Google Shape;328;p49"/>
+          <p:cNvPr id="329" name="Google Shape;329;p49"/>
           <p:cNvSpPr txBox="1"/>
           <p:nvPr>
             <p:ph idx="1" type="body"/>
@@ -22149,7 +21719,7 @@
       </p:sp>
       <p:sp>
         <p:nvSpPr>
-          <p:cNvPr id="329" name="Google Shape;329;p49"/>
+          <p:cNvPr id="330" name="Google Shape;330;p49"/>
           <p:cNvSpPr txBox="1"/>
           <p:nvPr>
             <p:ph idx="12" type="sldNum"/>
@@ -22157,8 +21727,8 @@
         </p:nvSpPr>
         <p:spPr>
           <a:xfrm>
-            <a:off x="7315202" y="4416550"/>
-            <a:ext cx="1828800" cy="731400"/>
+            <a:off x="7315209" y="4229101"/>
+            <a:ext cx="1828800" cy="914400"/>
           </a:xfrm>
           <a:prstGeom prst="rect">
             <a:avLst/>
@@ -22196,27 +21766,19 @@
               <a:buNone/>
             </a:pPr>
             <a:r>
-              <a:rPr b="0" lang="en" sz="900" u="sng">
+              <a:rPr b="0" lang="en" sz="1000" u="sng">
                 <a:solidFill>
                   <a:schemeClr val="hlink"/>
                 </a:solidFill>
                 <a:hlinkClick r:id="rId3"/>
               </a:rPr>
-              <a:t>https://profriehle.com</a:t>
-            </a:r>
-            <a:r>
-              <a:rPr b="0" lang="en" sz="900">
-                <a:solidFill>
-                  <a:schemeClr val="dk2"/>
-                </a:solidFill>
-              </a:rPr>
+              <a:t>uni1.de/nyt</a:t>
+            </a:r>
+            <a:r>
+              <a:rPr b="0" lang="en" sz="1000"/>
               <a:t> </a:t>
             </a:r>
-            <a:endParaRPr b="0" sz="900">
-              <a:solidFill>
-                <a:schemeClr val="dk2"/>
-              </a:solidFill>
-            </a:endParaRPr>
+            <a:endParaRPr b="0" sz="1000"/>
           </a:p>
         </p:txBody>
       </p:sp>
@@ -22233,7 +21795,7 @@
   <p:cSld>
     <p:spTree>
       <p:nvGrpSpPr>
-        <p:cNvPr id="333" name="Shape 333"/>
+        <p:cNvPr id="334" name="Shape 334"/>
         <p:cNvGrpSpPr/>
         <p:nvPr/>
       </p:nvGrpSpPr>
@@ -22247,7 +21809,7 @@
       </p:grpSpPr>
       <p:sp>
         <p:nvSpPr>
-          <p:cNvPr id="334" name="Google Shape;334;p50"/>
+          <p:cNvPr id="335" name="Google Shape;335;p50"/>
           <p:cNvSpPr txBox="1"/>
           <p:nvPr>
             <p:ph type="title"/>
@@ -22287,7 +21849,7 @@
       </p:sp>
       <p:sp>
         <p:nvSpPr>
-          <p:cNvPr id="335" name="Google Shape;335;p50"/>
+          <p:cNvPr id="336" name="Google Shape;336;p50"/>
           <p:cNvSpPr txBox="1"/>
           <p:nvPr>
             <p:ph idx="1" type="body"/>
@@ -22327,7 +21889,7 @@
       </p:sp>
       <p:sp>
         <p:nvSpPr>
-          <p:cNvPr id="336" name="Google Shape;336;p50"/>
+          <p:cNvPr id="337" name="Google Shape;337;p50"/>
           <p:cNvSpPr txBox="1"/>
           <p:nvPr>
             <p:ph idx="12" type="sldNum"/>
@@ -22335,8 +21897,8 @@
         </p:nvSpPr>
         <p:spPr>
           <a:xfrm>
-            <a:off x="7315202" y="4416550"/>
-            <a:ext cx="1828800" cy="731400"/>
+            <a:off x="7315209" y="4229101"/>
+            <a:ext cx="1828800" cy="914400"/>
           </a:xfrm>
           <a:prstGeom prst="rect">
             <a:avLst/>
@@ -22374,27 +21936,19 @@
               <a:buNone/>
             </a:pPr>
             <a:r>
-              <a:rPr b="0" lang="en" sz="900" u="sng">
+              <a:rPr b="0" lang="en" sz="1000" u="sng">
                 <a:solidFill>
                   <a:schemeClr val="hlink"/>
                 </a:solidFill>
                 <a:hlinkClick r:id="rId3"/>
               </a:rPr>
-              <a:t>https://profriehle.com</a:t>
-            </a:r>
-            <a:r>
-              <a:rPr b="0" lang="en" sz="900">
-                <a:solidFill>
-                  <a:schemeClr val="dk2"/>
-                </a:solidFill>
-              </a:rPr>
+              <a:t>uni1.de/nyt</a:t>
+            </a:r>
+            <a:r>
+              <a:rPr b="0" lang="en" sz="1000"/>
               <a:t> </a:t>
             </a:r>
-            <a:endParaRPr b="0" sz="900">
-              <a:solidFill>
-                <a:schemeClr val="dk2"/>
-              </a:solidFill>
-            </a:endParaRPr>
+            <a:endParaRPr b="0" sz="1000"/>
           </a:p>
         </p:txBody>
       </p:sp>
@@ -22411,7 +21965,7 @@
   <p:cSld>
     <p:spTree>
       <p:nvGrpSpPr>
-        <p:cNvPr id="340" name="Shape 340"/>
+        <p:cNvPr id="341" name="Shape 341"/>
         <p:cNvGrpSpPr/>
         <p:nvPr/>
       </p:nvGrpSpPr>
@@ -22425,7 +21979,7 @@
       </p:grpSpPr>
       <p:sp>
         <p:nvSpPr>
-          <p:cNvPr id="341" name="Google Shape;341;p51"/>
+          <p:cNvPr id="342" name="Google Shape;342;p51"/>
           <p:cNvSpPr txBox="1"/>
           <p:nvPr>
             <p:ph type="title"/>
@@ -22476,7 +22030,7 @@
   <p:cSld>
     <p:spTree>
       <p:nvGrpSpPr>
-        <p:cNvPr id="345" name="Shape 345"/>
+        <p:cNvPr id="346" name="Shape 346"/>
         <p:cNvGrpSpPr/>
         <p:nvPr/>
       </p:nvGrpSpPr>
@@ -22490,7 +22044,7 @@
       </p:grpSpPr>
       <p:sp>
         <p:nvSpPr>
-          <p:cNvPr id="346" name="Google Shape;346;p52"/>
+          <p:cNvPr id="347" name="Google Shape;347;p52"/>
           <p:cNvSpPr txBox="1"/>
           <p:nvPr>
             <p:ph type="title"/>
@@ -22530,7 +22084,7 @@
       </p:sp>
       <p:sp>
         <p:nvSpPr>
-          <p:cNvPr id="347" name="Google Shape;347;p52"/>
+          <p:cNvPr id="348" name="Google Shape;348;p52"/>
           <p:cNvSpPr txBox="1"/>
           <p:nvPr>
             <p:ph idx="1" type="body"/>
@@ -22579,7 +22133,7 @@
             </a:pPr>
             <a:r>
               <a:rPr lang="en"/>
-              <a:t>Systematic literature review → sampling model and sampling</a:t>
+              <a:t>Qualitative survey → sampling model and sampling</a:t>
             </a:r>
             <a:endParaRPr/>
           </a:p>
@@ -22604,7 +22158,7 @@
       </p:sp>
       <p:sp>
         <p:nvSpPr>
-          <p:cNvPr id="348" name="Google Shape;348;p52"/>
+          <p:cNvPr id="349" name="Google Shape;349;p52"/>
           <p:cNvSpPr txBox="1"/>
           <p:nvPr>
             <p:ph idx="12" type="sldNum"/>
@@ -22612,8 +22166,8 @@
         </p:nvSpPr>
         <p:spPr>
           <a:xfrm>
-            <a:off x="7315202" y="4416550"/>
-            <a:ext cx="1828800" cy="731400"/>
+            <a:off x="7315209" y="4229101"/>
+            <a:ext cx="1828800" cy="914400"/>
           </a:xfrm>
           <a:prstGeom prst="rect">
             <a:avLst/>
@@ -22651,27 +22205,19 @@
               <a:buNone/>
             </a:pPr>
             <a:r>
-              <a:rPr b="0" lang="en" sz="900" u="sng">
+              <a:rPr b="0" lang="en" sz="1000" u="sng">
                 <a:solidFill>
                   <a:schemeClr val="hlink"/>
                 </a:solidFill>
                 <a:hlinkClick r:id="rId3"/>
               </a:rPr>
-              <a:t>https://profriehle.com</a:t>
-            </a:r>
-            <a:r>
-              <a:rPr b="0" lang="en" sz="900">
-                <a:solidFill>
-                  <a:schemeClr val="dk2"/>
-                </a:solidFill>
-              </a:rPr>
+              <a:t>uni1.de/nyt</a:t>
+            </a:r>
+            <a:r>
+              <a:rPr b="0" lang="en" sz="1000"/>
               <a:t> </a:t>
             </a:r>
-            <a:endParaRPr b="0" sz="900">
-              <a:solidFill>
-                <a:schemeClr val="dk2"/>
-              </a:solidFill>
-            </a:endParaRPr>
+            <a:endParaRPr b="0" sz="1000"/>
           </a:p>
         </p:txBody>
       </p:sp>
@@ -22688,7 +22234,7 @@
   <p:cSld>
     <p:spTree>
       <p:nvGrpSpPr>
-        <p:cNvPr id="352" name="Shape 352"/>
+        <p:cNvPr id="353" name="Shape 353"/>
         <p:cNvGrpSpPr/>
         <p:nvPr/>
       </p:nvGrpSpPr>
@@ -22702,7 +22248,7 @@
       </p:grpSpPr>
       <p:sp>
         <p:nvSpPr>
-          <p:cNvPr id="353" name="Google Shape;353;p53"/>
+          <p:cNvPr id="354" name="Google Shape;354;p53"/>
           <p:cNvSpPr txBox="1"/>
           <p:nvPr>
             <p:ph type="title"/>
@@ -22742,7 +22288,7 @@
       </p:sp>
       <p:sp>
         <p:nvSpPr>
-          <p:cNvPr id="354" name="Google Shape;354;p53"/>
+          <p:cNvPr id="355" name="Google Shape;355;p53"/>
           <p:cNvSpPr txBox="1"/>
           <p:nvPr>
             <p:ph idx="1" type="body"/>
@@ -22863,7 +22409,7 @@
       </p:sp>
       <p:sp>
         <p:nvSpPr>
-          <p:cNvPr id="355" name="Google Shape;355;p53"/>
+          <p:cNvPr id="356" name="Google Shape;356;p53"/>
           <p:cNvSpPr txBox="1"/>
           <p:nvPr>
             <p:ph idx="12" type="sldNum"/>
@@ -22871,8 +22417,8 @@
         </p:nvSpPr>
         <p:spPr>
           <a:xfrm>
-            <a:off x="7315202" y="4416550"/>
-            <a:ext cx="1828800" cy="731400"/>
+            <a:off x="7315209" y="4229101"/>
+            <a:ext cx="1828800" cy="914400"/>
           </a:xfrm>
           <a:prstGeom prst="rect">
             <a:avLst/>
@@ -22910,27 +22456,19 @@
               <a:buNone/>
             </a:pPr>
             <a:r>
-              <a:rPr b="0" lang="en" sz="900" u="sng">
+              <a:rPr b="0" lang="en" sz="1000" u="sng">
                 <a:solidFill>
                   <a:schemeClr val="hlink"/>
                 </a:solidFill>
                 <a:hlinkClick r:id="rId3"/>
               </a:rPr>
-              <a:t>https://profriehle.com</a:t>
-            </a:r>
-            <a:r>
-              <a:rPr b="0" lang="en" sz="900">
-                <a:solidFill>
-                  <a:schemeClr val="dk2"/>
-                </a:solidFill>
-              </a:rPr>
+              <a:t>uni1.de/nyt</a:t>
+            </a:r>
+            <a:r>
+              <a:rPr b="0" lang="en" sz="1000"/>
               <a:t> </a:t>
             </a:r>
-            <a:endParaRPr b="0" sz="900">
-              <a:solidFill>
-                <a:schemeClr val="dk2"/>
-              </a:solidFill>
-            </a:endParaRPr>
+            <a:endParaRPr b="0" sz="1000"/>
           </a:p>
         </p:txBody>
       </p:sp>
@@ -22947,7 +22485,7 @@
   <p:cSld>
     <p:spTree>
       <p:nvGrpSpPr>
-        <p:cNvPr id="359" name="Shape 359"/>
+        <p:cNvPr id="360" name="Shape 360"/>
         <p:cNvGrpSpPr/>
         <p:nvPr/>
       </p:nvGrpSpPr>
@@ -22961,7 +22499,7 @@
       </p:grpSpPr>
       <p:sp>
         <p:nvSpPr>
-          <p:cNvPr id="360" name="Google Shape;360;p54"/>
+          <p:cNvPr id="361" name="Google Shape;361;p54"/>
           <p:cNvSpPr txBox="1"/>
           <p:nvPr>
             <p:ph type="title"/>
@@ -23001,7 +22539,7 @@
       </p:sp>
       <p:sp>
         <p:nvSpPr>
-          <p:cNvPr id="361" name="Google Shape;361;p54"/>
+          <p:cNvPr id="362" name="Google Shape;362;p54"/>
           <p:cNvSpPr txBox="1"/>
           <p:nvPr>
             <p:ph idx="1" type="body"/>
@@ -23127,7 +22665,7 @@
       </p:sp>
       <p:sp>
         <p:nvSpPr>
-          <p:cNvPr id="362" name="Google Shape;362;p54"/>
+          <p:cNvPr id="363" name="Google Shape;363;p54"/>
           <p:cNvSpPr txBox="1"/>
           <p:nvPr>
             <p:ph idx="12" type="sldNum"/>
@@ -23135,8 +22673,8 @@
         </p:nvSpPr>
         <p:spPr>
           <a:xfrm>
-            <a:off x="7315202" y="4416550"/>
-            <a:ext cx="1828800" cy="731400"/>
+            <a:off x="7315209" y="4229101"/>
+            <a:ext cx="1828800" cy="914400"/>
           </a:xfrm>
           <a:prstGeom prst="rect">
             <a:avLst/>
@@ -23174,27 +22712,19 @@
               <a:buNone/>
             </a:pPr>
             <a:r>
-              <a:rPr b="0" lang="en" sz="900" u="sng">
+              <a:rPr b="0" lang="en" sz="1000" u="sng">
                 <a:solidFill>
                   <a:schemeClr val="hlink"/>
                 </a:solidFill>
                 <a:hlinkClick r:id="rId3"/>
               </a:rPr>
-              <a:t>https://profriehle.com</a:t>
-            </a:r>
-            <a:r>
-              <a:rPr b="0" lang="en" sz="900">
-                <a:solidFill>
-                  <a:schemeClr val="dk2"/>
-                </a:solidFill>
-              </a:rPr>
+              <a:t>uni1.de/nyt</a:t>
+            </a:r>
+            <a:r>
+              <a:rPr b="0" lang="en" sz="1000"/>
               <a:t> </a:t>
             </a:r>
-            <a:endParaRPr b="0" sz="900">
-              <a:solidFill>
-                <a:schemeClr val="dk2"/>
-              </a:solidFill>
-            </a:endParaRPr>
+            <a:endParaRPr b="0" sz="1000"/>
           </a:p>
         </p:txBody>
       </p:sp>
@@ -23211,7 +22741,7 @@
   <p:cSld>
     <p:spTree>
       <p:nvGrpSpPr>
-        <p:cNvPr id="366" name="Shape 366"/>
+        <p:cNvPr id="367" name="Shape 367"/>
         <p:cNvGrpSpPr/>
         <p:nvPr/>
       </p:nvGrpSpPr>
@@ -23225,7 +22755,7 @@
       </p:grpSpPr>
       <p:sp>
         <p:nvSpPr>
-          <p:cNvPr id="367" name="Google Shape;367;p55"/>
+          <p:cNvPr id="368" name="Google Shape;368;p55"/>
           <p:cNvSpPr txBox="1"/>
           <p:nvPr>
             <p:ph type="ctrTitle"/>
@@ -23265,7 +22795,7 @@
       </p:sp>
       <p:sp>
         <p:nvSpPr>
-          <p:cNvPr id="368" name="Google Shape;368;p55"/>
+          <p:cNvPr id="369" name="Google Shape;369;p55"/>
           <p:cNvSpPr txBox="1"/>
           <p:nvPr>
             <p:ph idx="1" type="subTitle"/>
@@ -23395,7 +22925,7 @@
   <p:cSld>
     <p:spTree>
       <p:nvGrpSpPr>
-        <p:cNvPr id="372" name="Shape 372"/>
+        <p:cNvPr id="373" name="Shape 373"/>
         <p:cNvGrpSpPr/>
         <p:nvPr/>
       </p:nvGrpSpPr>
@@ -23409,7 +22939,7 @@
       </p:grpSpPr>
       <p:sp>
         <p:nvSpPr>
-          <p:cNvPr id="373" name="Google Shape;373;p56"/>
+          <p:cNvPr id="374" name="Google Shape;374;p56"/>
           <p:cNvSpPr txBox="1"/>
           <p:nvPr>
             <p:ph type="title"/>
@@ -23449,7 +22979,7 @@
       </p:sp>
       <p:sp>
         <p:nvSpPr>
-          <p:cNvPr id="374" name="Google Shape;374;p56"/>
+          <p:cNvPr id="375" name="Google Shape;375;p56"/>
           <p:cNvSpPr txBox="1"/>
           <p:nvPr>
             <p:ph idx="12" type="sldNum"/>
@@ -23457,8 +22987,8 @@
         </p:nvSpPr>
         <p:spPr>
           <a:xfrm>
-            <a:off x="7315202" y="4416550"/>
-            <a:ext cx="1828800" cy="731400"/>
+            <a:off x="7315209" y="4229101"/>
+            <a:ext cx="1828800" cy="914400"/>
           </a:xfrm>
           <a:prstGeom prst="rect">
             <a:avLst/>
@@ -23522,7 +23052,7 @@
       </p:sp>
       <p:sp>
         <p:nvSpPr>
-          <p:cNvPr id="375" name="Google Shape;375;p56"/>
+          <p:cNvPr id="376" name="Google Shape;376;p56"/>
           <p:cNvSpPr txBox="1"/>
           <p:nvPr>
             <p:ph idx="1" type="body"/>
@@ -23617,7 +23147,7 @@
             </a:pPr>
             <a:r>
               <a:rPr lang="en"/>
-              <a:t>© 2012, 2023 Dirk Riehle, some rights reserved</a:t>
+              <a:t>© 2012, 2023, 2024 Dirk Riehle, some rights reserved</a:t>
             </a:r>
             <a:endParaRPr/>
           </a:p>
@@ -23651,7 +23181,7 @@
   <p:cSld>
     <p:spTree>
       <p:nvGrpSpPr>
-        <p:cNvPr id="60" name="Shape 60"/>
+        <p:cNvPr id="61" name="Shape 61"/>
         <p:cNvGrpSpPr/>
         <p:nvPr/>
       </p:nvGrpSpPr>
@@ -23665,7 +23195,7 @@
       </p:grpSpPr>
       <p:sp>
         <p:nvSpPr>
-          <p:cNvPr id="61" name="Google Shape;61;p12"/>
+          <p:cNvPr id="62" name="Google Shape;62;p12"/>
           <p:cNvSpPr txBox="1"/>
           <p:nvPr>
             <p:ph type="title"/>
@@ -23705,7 +23235,7 @@
       </p:sp>
       <p:sp>
         <p:nvSpPr>
-          <p:cNvPr id="62" name="Google Shape;62;p12"/>
+          <p:cNvPr id="63" name="Google Shape;63;p12"/>
           <p:cNvSpPr txBox="1"/>
           <p:nvPr>
             <p:ph idx="12" type="sldNum"/>
@@ -23713,8 +23243,8 @@
         </p:nvSpPr>
         <p:spPr>
           <a:xfrm>
-            <a:off x="7315202" y="4416550"/>
-            <a:ext cx="1828800" cy="731400"/>
+            <a:off x="7315209" y="4229101"/>
+            <a:ext cx="1828800" cy="914400"/>
           </a:xfrm>
           <a:prstGeom prst="rect">
             <a:avLst/>
@@ -23752,33 +23282,25 @@
               <a:buNone/>
             </a:pPr>
             <a:r>
-              <a:rPr b="0" lang="en" sz="900" u="sng">
+              <a:rPr b="0" lang="en" sz="1000" u="sng">
                 <a:solidFill>
                   <a:schemeClr val="hlink"/>
                 </a:solidFill>
                 <a:hlinkClick r:id="rId3"/>
               </a:rPr>
-              <a:t>https://profriehle.com</a:t>
-            </a:r>
-            <a:r>
-              <a:rPr b="0" lang="en" sz="900">
-                <a:solidFill>
-                  <a:schemeClr val="dk2"/>
-                </a:solidFill>
-              </a:rPr>
+              <a:t>uni1.de/nyt</a:t>
+            </a:r>
+            <a:r>
+              <a:rPr b="0" lang="en" sz="1000"/>
               <a:t> </a:t>
             </a:r>
-            <a:endParaRPr b="0" sz="900">
-              <a:solidFill>
-                <a:schemeClr val="dk2"/>
-              </a:solidFill>
-            </a:endParaRPr>
+            <a:endParaRPr b="0" sz="1000"/>
           </a:p>
         </p:txBody>
       </p:sp>
       <p:sp>
         <p:nvSpPr>
-          <p:cNvPr id="63" name="Google Shape;63;p12"/>
+          <p:cNvPr id="64" name="Google Shape;64;p12"/>
           <p:cNvSpPr txBox="1"/>
           <p:nvPr>
             <p:ph idx="1" type="body"/>
@@ -23834,7 +23356,7 @@
           <a:p>
             <a:pPr indent="-342900" lvl="0" marL="457200" rtl="0" algn="l">
               <a:spcBef>
-                <a:spcPts val="0"/>
+                <a:spcPts val="1000"/>
               </a:spcBef>
               <a:spcAft>
                 <a:spcPts val="0"/>
@@ -23966,7 +23488,7 @@
             </a:pPr>
             <a:r>
               <a:rPr lang="en"/>
-              <a:t>A common methodology for qualitative surveys is Jansen (2010)</a:t>
+              <a:t>A common methodology is Jansen (2010)</a:t>
             </a:r>
             <a:endParaRPr/>
           </a:p>
@@ -23974,7 +23496,7 @@
       </p:sp>
       <p:pic>
         <p:nvPicPr>
-          <p:cNvPr id="64" name="Google Shape;64;p12"/>
+          <p:cNvPr id="65" name="Google Shape;65;p12"/>
           <p:cNvPicPr preferRelativeResize="0"/>
           <p:nvPr/>
         </p:nvPicPr>
@@ -24013,7 +23535,7 @@
   <p:cSld>
     <p:spTree>
       <p:nvGrpSpPr>
-        <p:cNvPr id="68" name="Shape 68"/>
+        <p:cNvPr id="69" name="Shape 69"/>
         <p:cNvGrpSpPr/>
         <p:nvPr/>
       </p:nvGrpSpPr>
@@ -24027,7 +23549,7 @@
       </p:grpSpPr>
       <p:sp>
         <p:nvSpPr>
-          <p:cNvPr id="69" name="Google Shape;69;p13"/>
+          <p:cNvPr id="70" name="Google Shape;70;p13"/>
           <p:cNvSpPr txBox="1"/>
           <p:nvPr>
             <p:ph type="title"/>
@@ -24067,7 +23589,7 @@
       </p:sp>
       <p:sp>
         <p:nvSpPr>
-          <p:cNvPr id="70" name="Google Shape;70;p13"/>
+          <p:cNvPr id="71" name="Google Shape;71;p13"/>
           <p:cNvSpPr txBox="1"/>
           <p:nvPr>
             <p:ph idx="12" type="sldNum"/>
@@ -24075,8 +23597,8 @@
         </p:nvSpPr>
         <p:spPr>
           <a:xfrm>
-            <a:off x="7315202" y="4416550"/>
-            <a:ext cx="1828800" cy="731400"/>
+            <a:off x="7315209" y="4229101"/>
+            <a:ext cx="1828800" cy="914400"/>
           </a:xfrm>
           <a:prstGeom prst="rect">
             <a:avLst/>
@@ -24114,33 +23636,25 @@
               <a:buNone/>
             </a:pPr>
             <a:r>
-              <a:rPr b="0" lang="en" sz="900" u="sng">
+              <a:rPr b="0" lang="en" sz="1000" u="sng">
                 <a:solidFill>
                   <a:schemeClr val="hlink"/>
                 </a:solidFill>
                 <a:hlinkClick r:id="rId3"/>
               </a:rPr>
-              <a:t>https://profriehle.com</a:t>
-            </a:r>
-            <a:r>
-              <a:rPr b="0" lang="en" sz="900">
-                <a:solidFill>
-                  <a:schemeClr val="dk2"/>
-                </a:solidFill>
-              </a:rPr>
+              <a:t>uni1.de/nyt</a:t>
+            </a:r>
+            <a:r>
+              <a:rPr b="0" lang="en" sz="1000"/>
               <a:t> </a:t>
             </a:r>
-            <a:endParaRPr b="0" sz="900">
-              <a:solidFill>
-                <a:schemeClr val="dk2"/>
-              </a:solidFill>
-            </a:endParaRPr>
+            <a:endParaRPr b="0" sz="1000"/>
           </a:p>
         </p:txBody>
       </p:sp>
       <p:sp>
         <p:nvSpPr>
-          <p:cNvPr id="71" name="Google Shape;71;p13"/>
+          <p:cNvPr id="72" name="Google Shape;72;p13"/>
           <p:cNvSpPr txBox="1"/>
           <p:nvPr>
             <p:ph idx="1" type="body"/>
@@ -24245,7 +23759,7 @@
       </p:sp>
       <p:sp>
         <p:nvSpPr>
-          <p:cNvPr id="72" name="Google Shape;72;p13"/>
+          <p:cNvPr id="73" name="Google Shape;73;p13"/>
           <p:cNvSpPr txBox="1"/>
           <p:nvPr/>
         </p:nvSpPr>
@@ -24302,7 +23816,7 @@
   <p:cSld>
     <p:spTree>
       <p:nvGrpSpPr>
-        <p:cNvPr id="76" name="Shape 76"/>
+        <p:cNvPr id="77" name="Shape 77"/>
         <p:cNvGrpSpPr/>
         <p:nvPr/>
       </p:nvGrpSpPr>
@@ -24316,7 +23830,7 @@
       </p:grpSpPr>
       <p:sp>
         <p:nvSpPr>
-          <p:cNvPr id="77" name="Google Shape;77;p14"/>
+          <p:cNvPr id="78" name="Google Shape;78;p14"/>
           <p:cNvSpPr txBox="1"/>
           <p:nvPr>
             <p:ph type="title"/>
@@ -24356,7 +23870,7 @@
       </p:sp>
       <p:sp>
         <p:nvSpPr>
-          <p:cNvPr id="78" name="Google Shape;78;p14"/>
+          <p:cNvPr id="79" name="Google Shape;79;p14"/>
           <p:cNvSpPr txBox="1"/>
           <p:nvPr>
             <p:ph idx="1" type="body"/>
@@ -24396,7 +23910,7 @@
       </p:sp>
       <p:sp>
         <p:nvSpPr>
-          <p:cNvPr id="79" name="Google Shape;79;p14"/>
+          <p:cNvPr id="80" name="Google Shape;80;p14"/>
           <p:cNvSpPr txBox="1"/>
           <p:nvPr>
             <p:ph idx="12" type="sldNum"/>
@@ -24404,8 +23918,8 @@
         </p:nvSpPr>
         <p:spPr>
           <a:xfrm>
-            <a:off x="7315202" y="4416550"/>
-            <a:ext cx="1828800" cy="731400"/>
+            <a:off x="7315209" y="4229101"/>
+            <a:ext cx="1828800" cy="914400"/>
           </a:xfrm>
           <a:prstGeom prst="rect">
             <a:avLst/>
@@ -24443,27 +23957,19 @@
               <a:buNone/>
             </a:pPr>
             <a:r>
-              <a:rPr b="0" lang="en" sz="900" u="sng">
+              <a:rPr b="0" lang="en" sz="1000" u="sng">
                 <a:solidFill>
                   <a:schemeClr val="hlink"/>
                 </a:solidFill>
                 <a:hlinkClick r:id="rId3"/>
               </a:rPr>
-              <a:t>https://profriehle.com</a:t>
-            </a:r>
-            <a:r>
-              <a:rPr b="0" lang="en" sz="900">
-                <a:solidFill>
-                  <a:schemeClr val="dk2"/>
-                </a:solidFill>
-              </a:rPr>
+              <a:t>uni1.de/nyt</a:t>
+            </a:r>
+            <a:r>
+              <a:rPr b="0" lang="en" sz="1000"/>
               <a:t> </a:t>
             </a:r>
-            <a:endParaRPr b="0" sz="900">
-              <a:solidFill>
-                <a:schemeClr val="dk2"/>
-              </a:solidFill>
-            </a:endParaRPr>
+            <a:endParaRPr b="0" sz="1000"/>
           </a:p>
         </p:txBody>
       </p:sp>
@@ -24480,7 +23986,7 @@
   <p:cSld>
     <p:spTree>
       <p:nvGrpSpPr>
-        <p:cNvPr id="83" name="Shape 83"/>
+        <p:cNvPr id="84" name="Shape 84"/>
         <p:cNvGrpSpPr/>
         <p:nvPr/>
       </p:nvGrpSpPr>
@@ -24494,7 +24000,7 @@
       </p:grpSpPr>
       <p:sp>
         <p:nvSpPr>
-          <p:cNvPr id="84" name="Google Shape;84;p15"/>
+          <p:cNvPr id="85" name="Google Shape;85;p15"/>
           <p:cNvSpPr txBox="1"/>
           <p:nvPr>
             <p:ph type="title"/>
@@ -24538,7 +24044,7 @@
       </p:sp>
       <p:sp>
         <p:nvSpPr>
-          <p:cNvPr id="85" name="Google Shape;85;p15"/>
+          <p:cNvPr id="86" name="Google Shape;86;p15"/>
           <p:cNvSpPr txBox="1"/>
           <p:nvPr>
             <p:ph idx="12" type="sldNum"/>
@@ -24546,8 +24052,8 @@
         </p:nvSpPr>
         <p:spPr>
           <a:xfrm>
-            <a:off x="7315202" y="4416550"/>
-            <a:ext cx="1828800" cy="731400"/>
+            <a:off x="7315209" y="4229101"/>
+            <a:ext cx="1828800" cy="914400"/>
           </a:xfrm>
           <a:prstGeom prst="rect">
             <a:avLst/>
@@ -24585,33 +24091,25 @@
               <a:buNone/>
             </a:pPr>
             <a:r>
-              <a:rPr b="0" lang="en" sz="900" u="sng">
+              <a:rPr b="0" lang="en" sz="1000" u="sng">
                 <a:solidFill>
                   <a:schemeClr val="hlink"/>
                 </a:solidFill>
                 <a:hlinkClick r:id="rId3"/>
               </a:rPr>
-              <a:t>https://profriehle.com</a:t>
-            </a:r>
-            <a:r>
-              <a:rPr b="0" lang="en" sz="900">
-                <a:solidFill>
-                  <a:schemeClr val="dk2"/>
-                </a:solidFill>
-              </a:rPr>
+              <a:t>uni1.de/nyt</a:t>
+            </a:r>
+            <a:r>
+              <a:rPr b="0" lang="en" sz="1000"/>
               <a:t> </a:t>
             </a:r>
-            <a:endParaRPr b="0" sz="900">
-              <a:solidFill>
-                <a:schemeClr val="dk2"/>
-              </a:solidFill>
-            </a:endParaRPr>
+            <a:endParaRPr b="0" sz="1000"/>
           </a:p>
         </p:txBody>
       </p:sp>
       <p:pic>
         <p:nvPicPr>
-          <p:cNvPr id="86" name="Google Shape;86;p15"/>
+          <p:cNvPr id="87" name="Google Shape;87;p15"/>
           <p:cNvPicPr preferRelativeResize="0"/>
           <p:nvPr/>
         </p:nvPicPr>
@@ -24639,7 +24137,7 @@
       </p:pic>
       <p:sp>
         <p:nvSpPr>
-          <p:cNvPr id="87" name="Google Shape;87;p15"/>
+          <p:cNvPr id="88" name="Google Shape;88;p15"/>
           <p:cNvSpPr/>
           <p:nvPr/>
         </p:nvSpPr>
@@ -24697,7 +24195,7 @@
   <p:cSld>
     <p:spTree>
       <p:nvGrpSpPr>
-        <p:cNvPr id="91" name="Shape 91"/>
+        <p:cNvPr id="92" name="Shape 92"/>
         <p:cNvGrpSpPr/>
         <p:nvPr/>
       </p:nvGrpSpPr>
@@ -24711,7 +24209,7 @@
       </p:grpSpPr>
       <p:sp>
         <p:nvSpPr>
-          <p:cNvPr id="92" name="Google Shape;92;p16"/>
+          <p:cNvPr id="93" name="Google Shape;93;p16"/>
           <p:cNvSpPr txBox="1"/>
           <p:nvPr>
             <p:ph type="title"/>
